--- a/soutenance/P7_soutenance.pptx
+++ b/soutenance/P7_soutenance.pptx
@@ -23879,7 +23879,7 @@
                 <a:latin typeface="Arial" panose="020B0604020202020204" pitchFamily="34" charset="0"/>
                 <a:cs typeface="Arial" panose="020B0604020202020204" pitchFamily="34" charset="0"/>
               </a:rPr>
-              <a:t>dashboard.py</a:t>
+              <a:t>app.py</a:t>
             </a:r>
           </a:p>
         </p:txBody>
@@ -24070,10 +24070,10 @@
       </p:grpSpPr>
       <p:pic>
         <p:nvPicPr>
-          <p:cNvPr id="18" name="Image 17">
-            <a:extLst>
-              <a:ext uri="{FF2B5EF4-FFF2-40B4-BE49-F238E27FC236}">
-                <a16:creationId xmlns:a16="http://schemas.microsoft.com/office/drawing/2014/main" id="{11B25C58-037B-457A-8E9B-ADC17E8E77EB}"/>
+          <p:cNvPr id="7" name="Image 6">
+            <a:extLst>
+              <a:ext uri="{FF2B5EF4-FFF2-40B4-BE49-F238E27FC236}">
+                <a16:creationId xmlns:a16="http://schemas.microsoft.com/office/drawing/2014/main" id="{26EAE7C4-2018-449E-81E6-D7DCA4A1C0B4}"/>
               </a:ext>
             </a:extLst>
           </p:cNvPr>
@@ -24105,19 +24105,12 @@
         </p:blipFill>
         <p:spPr>
           <a:xfrm>
-            <a:off x="237657" y="2054592"/>
-            <a:ext cx="3264250" cy="3917099"/>
+            <a:off x="295833" y="2054592"/>
+            <a:ext cx="2987618" cy="3917099"/>
           </a:xfrm>
           <a:prstGeom prst="rect">
             <a:avLst/>
           </a:prstGeom>
-          <a:effectLst>
-            <a:outerShdw blurRad="50800" dist="38100" dir="2700000" algn="tl" rotWithShape="0">
-              <a:prstClr val="black">
-                <a:alpha val="40000"/>
-              </a:prstClr>
-            </a:outerShdw>
-          </a:effectLst>
         </p:spPr>
       </p:pic>
       <p:sp>
@@ -24335,8 +24328,8 @@
         </p:nvCxnSpPr>
         <p:spPr>
           <a:xfrm flipH="1">
-            <a:off x="2218267" y="2751307"/>
-            <a:ext cx="2421466" cy="353668"/>
+            <a:off x="2229088" y="2751307"/>
+            <a:ext cx="2410645" cy="590905"/>
           </a:xfrm>
           <a:prstGeom prst="straightConnector1">
             <a:avLst/>
@@ -24429,8 +24422,8 @@
         </p:nvCxnSpPr>
         <p:spPr>
           <a:xfrm flipH="1">
-            <a:off x="2282189" y="3211837"/>
-            <a:ext cx="2357544" cy="93490"/>
+            <a:off x="2293010" y="3211837"/>
+            <a:ext cx="2346723" cy="330727"/>
           </a:xfrm>
           <a:prstGeom prst="straightConnector1">
             <a:avLst/>
@@ -24567,9 +24560,9 @@
           <p:nvPr/>
         </p:nvCxnSpPr>
         <p:spPr>
-          <a:xfrm flipH="1" flipV="1">
-            <a:off x="3241084" y="3488172"/>
-            <a:ext cx="1398649" cy="184195"/>
+          <a:xfrm flipH="1">
+            <a:off x="3251905" y="3672367"/>
+            <a:ext cx="1387828" cy="53042"/>
           </a:xfrm>
           <a:prstGeom prst="straightConnector1">
             <a:avLst/>
@@ -24662,8 +24655,8 @@
         </p:nvCxnSpPr>
         <p:spPr>
           <a:xfrm flipH="1" flipV="1">
-            <a:off x="2218267" y="3681953"/>
-            <a:ext cx="2421466" cy="666386"/>
+            <a:off x="2229088" y="3919190"/>
+            <a:ext cx="2410645" cy="429149"/>
           </a:xfrm>
           <a:prstGeom prst="straightConnector1">
             <a:avLst/>
@@ -24707,7 +24700,7 @@
         </p:nvSpPr>
         <p:spPr>
           <a:xfrm>
-            <a:off x="4639733" y="5330338"/>
+            <a:off x="4691665" y="5438552"/>
             <a:ext cx="4373313" cy="307777"/>
           </a:xfrm>
           <a:prstGeom prst="rect">
@@ -24763,8 +24756,8 @@
         </p:nvCxnSpPr>
         <p:spPr>
           <a:xfrm flipH="1" flipV="1">
-            <a:off x="2714625" y="5017922"/>
-            <a:ext cx="1925108" cy="466305"/>
+            <a:off x="2612961" y="5109797"/>
+            <a:ext cx="2078704" cy="482644"/>
           </a:xfrm>
           <a:prstGeom prst="straightConnector1">
             <a:avLst/>
@@ -24808,7 +24801,7 @@
         </p:nvSpPr>
         <p:spPr>
           <a:xfrm>
-            <a:off x="857955" y="3004128"/>
+            <a:off x="868776" y="3241365"/>
             <a:ext cx="1360312" cy="201693"/>
           </a:xfrm>
           <a:prstGeom prst="ellipse">
@@ -24912,7 +24905,7 @@
         </p:nvSpPr>
         <p:spPr>
           <a:xfrm>
-            <a:off x="819618" y="3204480"/>
+            <a:off x="830439" y="3441717"/>
             <a:ext cx="1462571" cy="201693"/>
           </a:xfrm>
           <a:prstGeom prst="ellipse">
@@ -24964,7 +24957,7 @@
         </p:nvSpPr>
         <p:spPr>
           <a:xfrm>
-            <a:off x="819618" y="3387325"/>
+            <a:off x="830439" y="3624562"/>
             <a:ext cx="2421466" cy="201693"/>
           </a:xfrm>
           <a:prstGeom prst="ellipse">
@@ -25016,7 +25009,7 @@
         </p:nvSpPr>
         <p:spPr>
           <a:xfrm>
-            <a:off x="819618" y="3581106"/>
+            <a:off x="830439" y="3818343"/>
             <a:ext cx="1398649" cy="201693"/>
           </a:xfrm>
           <a:prstGeom prst="ellipse">
@@ -25068,7 +25061,7 @@
         </p:nvSpPr>
         <p:spPr>
           <a:xfrm>
-            <a:off x="819618" y="4709259"/>
+            <a:off x="751778" y="4793084"/>
             <a:ext cx="1704405" cy="201693"/>
           </a:xfrm>
           <a:prstGeom prst="ellipse">
@@ -25120,7 +25113,7 @@
         </p:nvSpPr>
         <p:spPr>
           <a:xfrm>
-            <a:off x="819618" y="4916672"/>
+            <a:off x="751778" y="5000497"/>
             <a:ext cx="1704405" cy="201693"/>
           </a:xfrm>
           <a:prstGeom prst="ellipse">
@@ -25172,7 +25165,7 @@
         </p:nvSpPr>
         <p:spPr>
           <a:xfrm>
-            <a:off x="819618" y="5101988"/>
+            <a:off x="751778" y="5185813"/>
             <a:ext cx="1754249" cy="201693"/>
           </a:xfrm>
           <a:prstGeom prst="ellipse">
@@ -25224,7 +25217,7 @@
         </p:nvSpPr>
         <p:spPr>
           <a:xfrm>
-            <a:off x="2575560" y="4728362"/>
+            <a:off x="2473896" y="4820237"/>
             <a:ext cx="139093" cy="577215"/>
           </a:xfrm>
           <a:custGeom>
@@ -25621,6 +25614,59 @@
           </a:p>
         </p:txBody>
       </p:sp>
+      <p:sp>
+        <p:nvSpPr>
+          <p:cNvPr id="35" name="ZoneTexte 34">
+            <a:extLst>
+              <a:ext uri="{FF2B5EF4-FFF2-40B4-BE49-F238E27FC236}">
+                <a16:creationId xmlns:a16="http://schemas.microsoft.com/office/drawing/2014/main" id="{1BD43DB8-BB05-49F1-AB3D-194E57DBD9DE}"/>
+              </a:ext>
+            </a:extLst>
+          </p:cNvPr>
+          <p:cNvSpPr txBox="1"/>
+          <p:nvPr/>
+        </p:nvSpPr>
+        <p:spPr>
+          <a:xfrm>
+            <a:off x="305760" y="5960636"/>
+            <a:ext cx="2646284" cy="307777"/>
+          </a:xfrm>
+          <a:prstGeom prst="rect">
+            <a:avLst/>
+          </a:prstGeom>
+          <a:noFill/>
+        </p:spPr>
+        <p:txBody>
+          <a:bodyPr wrap="square" rtlCol="0">
+            <a:spAutoFit/>
+          </a:bodyPr>
+          <a:lstStyle/>
+          <a:p>
+            <a:pPr algn="ctr"/>
+            <a:r>
+              <a:rPr lang="fr-FR" sz="1400" dirty="0">
+                <a:latin typeface="Arial" panose="020B0604020202020204" pitchFamily="34" charset="0"/>
+                <a:cs typeface="Arial" panose="020B0604020202020204" pitchFamily="34" charset="0"/>
+              </a:rPr>
+              <a:t>Command line : </a:t>
+            </a:r>
+            <a:r>
+              <a:rPr lang="fr-FR" sz="1400" dirty="0" err="1">
+                <a:latin typeface="Arial" panose="020B0604020202020204" pitchFamily="34" charset="0"/>
+                <a:cs typeface="Arial" panose="020B0604020202020204" pitchFamily="34" charset="0"/>
+              </a:rPr>
+              <a:t>tree</a:t>
+            </a:r>
+            <a:r>
+              <a:rPr lang="fr-FR" sz="1400" dirty="0">
+                <a:latin typeface="Arial" panose="020B0604020202020204" pitchFamily="34" charset="0"/>
+                <a:cs typeface="Arial" panose="020B0604020202020204" pitchFamily="34" charset="0"/>
+              </a:rPr>
+              <a:t> /f</a:t>
+            </a:r>
+          </a:p>
+        </p:txBody>
+      </p:sp>
     </p:spTree>
     <p:extLst>
       <p:ext uri="{BB962C8B-B14F-4D97-AF65-F5344CB8AC3E}">
@@ -25947,7 +25993,7 @@
                 <a:latin typeface="Arial" panose="020B0604020202020204" pitchFamily="34" charset="0"/>
                 <a:cs typeface="Arial" panose="020B0604020202020204" pitchFamily="34" charset="0"/>
               </a:rPr>
-              <a:t>dashboard.py</a:t>
+              <a:t>app.py</a:t>
             </a:r>
           </a:p>
           <a:p>

--- a/soutenance/P7_soutenance.pptx
+++ b/soutenance/P7_soutenance.pptx
@@ -5,7 +5,7 @@
     <p:sldMasterId id="2147483660" r:id="rId1"/>
   </p:sldMasterIdLst>
   <p:notesMasterIdLst>
-    <p:notesMasterId r:id="rId27"/>
+    <p:notesMasterId r:id="rId24"/>
   </p:notesMasterIdLst>
   <p:sldIdLst>
     <p:sldId id="256" r:id="rId2"/>
@@ -29,10 +29,7 @@
     <p:sldId id="328" r:id="rId20"/>
     <p:sldId id="313" r:id="rId21"/>
     <p:sldId id="305" r:id="rId22"/>
-    <p:sldId id="338" r:id="rId23"/>
-    <p:sldId id="312" r:id="rId24"/>
-    <p:sldId id="339" r:id="rId25"/>
-    <p:sldId id="310" r:id="rId26"/>
+    <p:sldId id="310" r:id="rId23"/>
   </p:sldIdLst>
   <p:sldSz cx="9144000" cy="6858000" type="screen4x3"/>
   <p:notesSz cx="6858000" cy="9144000"/>
@@ -221,7 +218,7 @@
           <a:p>
             <a:fld id="{F129076C-0443-4335-AAF9-512C02A51392}" type="datetimeFigureOut">
               <a:rPr lang="fr-FR" smtClean="0"/>
-              <a:t>22/10/2021</a:t>
+              <a:t>25/10/2021</a:t>
             </a:fld>
             <a:endParaRPr lang="fr-FR"/>
           </a:p>
@@ -874,7 +871,7 @@
           <a:p>
             <a:fld id="{8D6CF74F-6E42-4789-BB76-0E4BBD3E05D3}" type="datetime1">
               <a:rPr lang="fr-FR" smtClean="0"/>
-              <a:t>22/10/2021</a:t>
+              <a:t>25/10/2021</a:t>
             </a:fld>
             <a:endParaRPr lang="fr-FR"/>
           </a:p>
@@ -1044,7 +1041,7 @@
           <a:p>
             <a:fld id="{B8CEC692-1AA4-4D18-93B4-2EB0706B9F54}" type="datetime1">
               <a:rPr lang="fr-FR" smtClean="0"/>
-              <a:t>22/10/2021</a:t>
+              <a:t>25/10/2021</a:t>
             </a:fld>
             <a:endParaRPr lang="fr-FR"/>
           </a:p>
@@ -1224,7 +1221,7 @@
           <a:p>
             <a:fld id="{F800105B-B869-4FD1-BB41-F451925E605C}" type="datetime1">
               <a:rPr lang="fr-FR" smtClean="0"/>
-              <a:t>22/10/2021</a:t>
+              <a:t>25/10/2021</a:t>
             </a:fld>
             <a:endParaRPr lang="fr-FR"/>
           </a:p>
@@ -1394,7 +1391,7 @@
           <a:p>
             <a:fld id="{D590DF76-2408-40F3-BB2F-85933C34617C}" type="datetime1">
               <a:rPr lang="fr-FR" smtClean="0"/>
-              <a:t>22/10/2021</a:t>
+              <a:t>25/10/2021</a:t>
             </a:fld>
             <a:endParaRPr lang="fr-FR"/>
           </a:p>
@@ -1638,7 +1635,7 @@
           <a:p>
             <a:fld id="{F0C1E0A8-D383-4B92-AD29-3F510E6D6379}" type="datetime1">
               <a:rPr lang="fr-FR" smtClean="0"/>
-              <a:t>22/10/2021</a:t>
+              <a:t>25/10/2021</a:t>
             </a:fld>
             <a:endParaRPr lang="fr-FR"/>
           </a:p>
@@ -1870,7 +1867,7 @@
           <a:p>
             <a:fld id="{DBEB4151-C6BC-4D0A-9347-C2217AAEFFAA}" type="datetime1">
               <a:rPr lang="fr-FR" smtClean="0"/>
-              <a:t>22/10/2021</a:t>
+              <a:t>25/10/2021</a:t>
             </a:fld>
             <a:endParaRPr lang="fr-FR"/>
           </a:p>
@@ -2237,7 +2234,7 @@
           <a:p>
             <a:fld id="{E994C2B1-B5CB-49E7-BB80-5D9D03900D57}" type="datetime1">
               <a:rPr lang="fr-FR" smtClean="0"/>
-              <a:t>22/10/2021</a:t>
+              <a:t>25/10/2021</a:t>
             </a:fld>
             <a:endParaRPr lang="fr-FR"/>
           </a:p>
@@ -2355,7 +2352,7 @@
           <a:p>
             <a:fld id="{DA896C30-9E24-41A9-952E-362A0D7C9B6E}" type="datetime1">
               <a:rPr lang="fr-FR" smtClean="0"/>
-              <a:t>22/10/2021</a:t>
+              <a:t>25/10/2021</a:t>
             </a:fld>
             <a:endParaRPr lang="fr-FR"/>
           </a:p>
@@ -2450,7 +2447,7 @@
           <a:p>
             <a:fld id="{5A440D85-9396-4E2C-A082-9AEAAE2196A7}" type="datetime1">
               <a:rPr lang="fr-FR" smtClean="0"/>
-              <a:t>22/10/2021</a:t>
+              <a:t>25/10/2021</a:t>
             </a:fld>
             <a:endParaRPr lang="fr-FR"/>
           </a:p>
@@ -2727,7 +2724,7 @@
           <a:p>
             <a:fld id="{F0C61331-A1E5-4D5B-A1B5-83B03736BFCA}" type="datetime1">
               <a:rPr lang="fr-FR" smtClean="0"/>
-              <a:t>22/10/2021</a:t>
+              <a:t>25/10/2021</a:t>
             </a:fld>
             <a:endParaRPr lang="fr-FR"/>
           </a:p>
@@ -2984,7 +2981,7 @@
           <a:p>
             <a:fld id="{830232AA-3AF3-4F61-8C70-C21322BF87E9}" type="datetime1">
               <a:rPr lang="fr-FR" smtClean="0"/>
-              <a:t>22/10/2021</a:t>
+              <a:t>25/10/2021</a:t>
             </a:fld>
             <a:endParaRPr lang="fr-FR"/>
           </a:p>
@@ -3197,7 +3194,7 @@
           <a:p>
             <a:fld id="{0AFCFB82-F285-4C7E-B541-40EBF8E49A82}" type="datetime1">
               <a:rPr lang="fr-FR" smtClean="0"/>
-              <a:t>22/10/2021</a:t>
+              <a:t>25/10/2021</a:t>
             </a:fld>
             <a:endParaRPr lang="fr-FR"/>
           </a:p>
@@ -3854,12 +3851,16 @@
           <a:p>
             <a:pPr algn="ctr"/>
             <a:r>
-              <a:rPr lang="fr-FR" sz="1000" dirty="0">
-                <a:latin typeface="Arial" panose="020B0604020202020204" pitchFamily="34" charset="0"/>
-                <a:cs typeface="Arial" panose="020B0604020202020204" pitchFamily="34" charset="0"/>
-              </a:rPr>
-              <a:t>19/10/2021</a:t>
-            </a:r>
+              <a:rPr lang="fr-FR" sz="1000">
+                <a:latin typeface="Arial" panose="020B0604020202020204" pitchFamily="34" charset="0"/>
+                <a:cs typeface="Arial" panose="020B0604020202020204" pitchFamily="34" charset="0"/>
+              </a:rPr>
+              <a:t>25/10/2021</a:t>
+            </a:r>
+            <a:endParaRPr lang="fr-FR" sz="1000" dirty="0">
+              <a:latin typeface="Arial" panose="020B0604020202020204" pitchFamily="34" charset="0"/>
+              <a:cs typeface="Arial" panose="020B0604020202020204" pitchFamily="34" charset="0"/>
+            </a:endParaRPr>
           </a:p>
         </p:txBody>
       </p:sp>
@@ -20783,39 +20784,10 @@
       </p:grpSpPr>
       <p:sp>
         <p:nvSpPr>
-          <p:cNvPr id="4" name="Espace réservé du numéro de diapositive 3">
-            <a:extLst>
-              <a:ext uri="{FF2B5EF4-FFF2-40B4-BE49-F238E27FC236}">
-                <a16:creationId xmlns:a16="http://schemas.microsoft.com/office/drawing/2014/main" id="{89CF1B10-4513-4931-B546-FF421C34DF1D}"/>
-              </a:ext>
-            </a:extLst>
-          </p:cNvPr>
-          <p:cNvSpPr>
-            <a:spLocks noGrp="1"/>
-          </p:cNvSpPr>
-          <p:nvPr>
-            <p:ph type="sldNum" sz="quarter" idx="12"/>
-          </p:nvPr>
-        </p:nvSpPr>
-        <p:spPr/>
-        <p:txBody>
-          <a:bodyPr/>
-          <a:lstStyle/>
-          <a:p>
-            <a:fld id="{50902F5D-93A0-47DA-BFBC-C6664F86D8C4}" type="slidenum">
-              <a:rPr lang="fr-FR" smtClean="0"/>
-              <a:t>22</a:t>
-            </a:fld>
-            <a:endParaRPr lang="fr-FR"/>
-          </a:p>
-        </p:txBody>
-      </p:sp>
-      <p:sp>
-        <p:nvSpPr>
-          <p:cNvPr id="5" name="ZoneTexte 4">
-            <a:extLst>
-              <a:ext uri="{FF2B5EF4-FFF2-40B4-BE49-F238E27FC236}">
-                <a16:creationId xmlns:a16="http://schemas.microsoft.com/office/drawing/2014/main" id="{8A05E6FB-BED3-4E17-8B32-968D62BE8D7B}"/>
+          <p:cNvPr id="4" name="ZoneTexte 3">
+            <a:extLst>
+              <a:ext uri="{FF2B5EF4-FFF2-40B4-BE49-F238E27FC236}">
+                <a16:creationId xmlns:a16="http://schemas.microsoft.com/office/drawing/2014/main" id="{C71D3D04-7957-46BD-B94D-5ED65AB29887}"/>
               </a:ext>
             </a:extLst>
           </p:cNvPr>
@@ -20824,8 +20796,8 @@
         </p:nvSpPr>
         <p:spPr>
           <a:xfrm>
-            <a:off x="411478" y="203306"/>
-            <a:ext cx="8321041" cy="369332"/>
+            <a:off x="3287033" y="2274917"/>
+            <a:ext cx="2569935" cy="369332"/>
           </a:xfrm>
           <a:prstGeom prst="rect">
             <a:avLst/>
@@ -20833,160 +20805,67 @@
           <a:noFill/>
         </p:spPr>
         <p:txBody>
-          <a:bodyPr wrap="square">
+          <a:bodyPr wrap="none" rtlCol="0">
             <a:spAutoFit/>
           </a:bodyPr>
           <a:lstStyle/>
           <a:p>
+            <a:pPr algn="ctr"/>
             <a:r>
               <a:rPr lang="fr-FR" b="1" dirty="0">
                 <a:latin typeface="Arial" panose="020B0604020202020204" pitchFamily="34" charset="0"/>
                 <a:cs typeface="Arial" panose="020B0604020202020204" pitchFamily="34" charset="0"/>
               </a:rPr>
-              <a:t>Fonctionnement de LIME</a:t>
+              <a:t>Fin de la présentation</a:t>
+            </a:r>
+          </a:p>
+        </p:txBody>
+      </p:sp>
+      <p:sp>
+        <p:nvSpPr>
+          <p:cNvPr id="3" name="ZoneTexte 2">
+            <a:extLst>
+              <a:ext uri="{FF2B5EF4-FFF2-40B4-BE49-F238E27FC236}">
+                <a16:creationId xmlns:a16="http://schemas.microsoft.com/office/drawing/2014/main" id="{FAC83B70-62AF-4021-968E-23D9E6C95B5F}"/>
+              </a:ext>
+            </a:extLst>
+          </p:cNvPr>
+          <p:cNvSpPr txBox="1"/>
+          <p:nvPr/>
+        </p:nvSpPr>
+        <p:spPr>
+          <a:xfrm>
+            <a:off x="3056201" y="4219694"/>
+            <a:ext cx="3031600" cy="369332"/>
+          </a:xfrm>
+          <a:prstGeom prst="rect">
+            <a:avLst/>
+          </a:prstGeom>
+          <a:noFill/>
+        </p:spPr>
+        <p:txBody>
+          <a:bodyPr wrap="none" rtlCol="0">
+            <a:spAutoFit/>
+          </a:bodyPr>
+          <a:lstStyle/>
+          <a:p>
+            <a:pPr algn="ctr"/>
+            <a:r>
+              <a:rPr lang="fr-FR" b="1" dirty="0">
+                <a:latin typeface="Arial" panose="020B0604020202020204" pitchFamily="34" charset="0"/>
+                <a:cs typeface="Arial" panose="020B0604020202020204" pitchFamily="34" charset="0"/>
+              </a:rPr>
+              <a:t>Merci pour votre attention</a:t>
             </a:r>
           </a:p>
         </p:txBody>
       </p:sp>
       <p:cxnSp>
         <p:nvCxnSpPr>
-          <p:cNvPr id="6" name="Connecteur droit 5">
-            <a:extLst>
-              <a:ext uri="{FF2B5EF4-FFF2-40B4-BE49-F238E27FC236}">
-                <a16:creationId xmlns:a16="http://schemas.microsoft.com/office/drawing/2014/main" id="{AD05D6F9-3FD9-4A54-9FFA-F52E1ABAF6AA}"/>
-              </a:ext>
-            </a:extLst>
-          </p:cNvPr>
-          <p:cNvCxnSpPr/>
-          <p:nvPr/>
-        </p:nvCxnSpPr>
-        <p:spPr>
-          <a:xfrm>
-            <a:off x="354676" y="703811"/>
-            <a:ext cx="8379229" cy="0"/>
-          </a:xfrm>
-          <a:prstGeom prst="line">
-            <a:avLst/>
-          </a:prstGeom>
-        </p:spPr>
-        <p:style>
-          <a:lnRef idx="1">
-            <a:schemeClr val="accent2"/>
-          </a:lnRef>
-          <a:fillRef idx="0">
-            <a:schemeClr val="accent2"/>
-          </a:fillRef>
-          <a:effectRef idx="0">
-            <a:schemeClr val="accent2"/>
-          </a:effectRef>
-          <a:fontRef idx="minor">
-            <a:schemeClr val="tx1"/>
-          </a:fontRef>
-        </p:style>
-      </p:cxnSp>
-      <p:sp>
-        <p:nvSpPr>
-          <p:cNvPr id="71" name="Rectangle 70">
-            <a:extLst>
-              <a:ext uri="{FF2B5EF4-FFF2-40B4-BE49-F238E27FC236}">
-                <a16:creationId xmlns:a16="http://schemas.microsoft.com/office/drawing/2014/main" id="{CE30F54E-33CA-4F5F-9B8B-A0BC0B736FD9}"/>
-              </a:ext>
-            </a:extLst>
-          </p:cNvPr>
-          <p:cNvSpPr/>
-          <p:nvPr/>
-        </p:nvSpPr>
-        <p:spPr>
-          <a:xfrm>
-            <a:off x="134996" y="1755564"/>
-            <a:ext cx="2796626" cy="2445331"/>
-          </a:xfrm>
-          <a:prstGeom prst="rect">
-            <a:avLst/>
-          </a:prstGeom>
-        </p:spPr>
-        <p:style>
-          <a:lnRef idx="1">
-            <a:schemeClr val="accent2"/>
-          </a:lnRef>
-          <a:fillRef idx="2">
-            <a:schemeClr val="accent2"/>
-          </a:fillRef>
-          <a:effectRef idx="1">
-            <a:schemeClr val="accent2"/>
-          </a:effectRef>
-          <a:fontRef idx="minor">
-            <a:schemeClr val="dk1"/>
-          </a:fontRef>
-        </p:style>
-        <p:txBody>
-          <a:bodyPr rtlCol="0" anchor="ctr"/>
-          <a:lstStyle/>
-          <a:p>
-            <a:pPr algn="ctr"/>
-            <a:endParaRPr lang="fr-FR"/>
-          </a:p>
-        </p:txBody>
-      </p:sp>
-      <p:pic>
-        <p:nvPicPr>
-          <p:cNvPr id="74" name="Image 73">
-            <a:extLst>
-              <a:ext uri="{FF2B5EF4-FFF2-40B4-BE49-F238E27FC236}">
-                <a16:creationId xmlns:a16="http://schemas.microsoft.com/office/drawing/2014/main" id="{CDA29821-FAF1-4890-A2E4-DE218B2402C6}"/>
-              </a:ext>
-            </a:extLst>
-          </p:cNvPr>
-          <p:cNvPicPr>
-            <a:picLocks noChangeAspect="1"/>
-          </p:cNvPicPr>
-          <p:nvPr/>
-        </p:nvPicPr>
-        <p:blipFill>
-          <a:blip r:embed="rId2">
-            <a:clrChange>
-              <a:clrFrom>
-                <a:srgbClr val="FFFFFF"/>
-              </a:clrFrom>
-              <a:clrTo>
-                <a:srgbClr val="FFFFFF">
-                  <a:alpha val="0"/>
-                </a:srgbClr>
-              </a:clrTo>
-            </a:clrChange>
-            <a:duotone>
-              <a:schemeClr val="accent1">
-                <a:shade val="45000"/>
-                <a:satMod val="135000"/>
-              </a:schemeClr>
-              <a:prstClr val="white"/>
-            </a:duotone>
-            <a:extLst>
-              <a:ext uri="{28A0092B-C50C-407E-A947-70E740481C1C}">
-                <a14:useLocalDpi xmlns:a14="http://schemas.microsoft.com/office/drawing/2010/main" val="0"/>
-              </a:ext>
-            </a:extLst>
-          </a:blip>
-          <a:stretch>
-            <a:fillRect/>
-          </a:stretch>
-        </p:blipFill>
-        <p:spPr>
-          <a:xfrm>
-            <a:off x="162705" y="1646980"/>
-            <a:ext cx="513047" cy="513047"/>
-          </a:xfrm>
-          <a:prstGeom prst="rect">
-            <a:avLst/>
-          </a:prstGeom>
-        </p:spPr>
-      </p:pic>
-      <p:cxnSp>
-        <p:nvCxnSpPr>
-          <p:cNvPr id="75" name="Connecteur droit 74">
-            <a:extLst>
-              <a:ext uri="{FF2B5EF4-FFF2-40B4-BE49-F238E27FC236}">
-                <a16:creationId xmlns:a16="http://schemas.microsoft.com/office/drawing/2014/main" id="{DEB7E0D6-3067-4E2E-BBE1-369338F39AE1}"/>
+          <p:cNvPr id="5" name="Connecteur droit 4">
+            <a:extLst>
+              <a:ext uri="{FF2B5EF4-FFF2-40B4-BE49-F238E27FC236}">
+                <a16:creationId xmlns:a16="http://schemas.microsoft.com/office/drawing/2014/main" id="{31231EFC-A001-423A-BA9E-FEB7D4BCBF5E}"/>
               </a:ext>
             </a:extLst>
           </p:cNvPr>
@@ -20997,5461 +20876,8 @@
         </p:nvCxnSpPr>
         <p:spPr>
           <a:xfrm>
-            <a:off x="686836" y="1763558"/>
-            <a:ext cx="0" cy="2437337"/>
-          </a:xfrm>
-          <a:prstGeom prst="line">
-            <a:avLst/>
-          </a:prstGeom>
-        </p:spPr>
-        <p:style>
-          <a:lnRef idx="1">
-            <a:schemeClr val="accent2"/>
-          </a:lnRef>
-          <a:fillRef idx="0">
-            <a:schemeClr val="accent2"/>
-          </a:fillRef>
-          <a:effectRef idx="0">
-            <a:schemeClr val="accent2"/>
-          </a:effectRef>
-          <a:fontRef idx="minor">
-            <a:schemeClr val="tx1"/>
-          </a:fontRef>
-        </p:style>
-      </p:cxnSp>
-      <p:pic>
-        <p:nvPicPr>
-          <p:cNvPr id="76" name="Image 75">
-            <a:extLst>
-              <a:ext uri="{FF2B5EF4-FFF2-40B4-BE49-F238E27FC236}">
-                <a16:creationId xmlns:a16="http://schemas.microsoft.com/office/drawing/2014/main" id="{7BBDB807-2FBB-48FD-A986-FFCFF9CAC341}"/>
-              </a:ext>
-            </a:extLst>
-          </p:cNvPr>
-          <p:cNvPicPr>
-            <a:picLocks noChangeAspect="1"/>
-          </p:cNvPicPr>
-          <p:nvPr/>
-        </p:nvPicPr>
-        <p:blipFill>
-          <a:blip r:embed="rId2">
-            <a:clrChange>
-              <a:clrFrom>
-                <a:srgbClr val="FFFFFF"/>
-              </a:clrFrom>
-              <a:clrTo>
-                <a:srgbClr val="FFFFFF">
-                  <a:alpha val="0"/>
-                </a:srgbClr>
-              </a:clrTo>
-            </a:clrChange>
-            <a:duotone>
-              <a:schemeClr val="accent2">
-                <a:shade val="45000"/>
-                <a:satMod val="135000"/>
-              </a:schemeClr>
-              <a:prstClr val="white"/>
-            </a:duotone>
-            <a:extLst>
-              <a:ext uri="{28A0092B-C50C-407E-A947-70E740481C1C}">
-                <a14:useLocalDpi xmlns:a14="http://schemas.microsoft.com/office/drawing/2010/main" val="0"/>
-              </a:ext>
-            </a:extLst>
-          </a:blip>
-          <a:stretch>
-            <a:fillRect/>
-          </a:stretch>
-        </p:blipFill>
-        <p:spPr>
-          <a:xfrm>
-            <a:off x="162705" y="1903503"/>
-            <a:ext cx="513047" cy="513047"/>
-          </a:xfrm>
-          <a:prstGeom prst="rect">
-            <a:avLst/>
-          </a:prstGeom>
-        </p:spPr>
-      </p:pic>
-      <p:pic>
-        <p:nvPicPr>
-          <p:cNvPr id="77" name="Image 76">
-            <a:extLst>
-              <a:ext uri="{FF2B5EF4-FFF2-40B4-BE49-F238E27FC236}">
-                <a16:creationId xmlns:a16="http://schemas.microsoft.com/office/drawing/2014/main" id="{2C45C095-9E4F-48D1-A000-22FC2A3AC9D1}"/>
-              </a:ext>
-            </a:extLst>
-          </p:cNvPr>
-          <p:cNvPicPr>
-            <a:picLocks noChangeAspect="1"/>
-          </p:cNvPicPr>
-          <p:nvPr/>
-        </p:nvPicPr>
-        <p:blipFill>
-          <a:blip r:embed="rId2">
-            <a:clrChange>
-              <a:clrFrom>
-                <a:srgbClr val="FFFFFF"/>
-              </a:clrFrom>
-              <a:clrTo>
-                <a:srgbClr val="FFFFFF">
-                  <a:alpha val="0"/>
-                </a:srgbClr>
-              </a:clrTo>
-            </a:clrChange>
-            <a:duotone>
-              <a:schemeClr val="accent4">
-                <a:shade val="45000"/>
-                <a:satMod val="135000"/>
-              </a:schemeClr>
-              <a:prstClr val="white"/>
-            </a:duotone>
-            <a:extLst>
-              <a:ext uri="{28A0092B-C50C-407E-A947-70E740481C1C}">
-                <a14:useLocalDpi xmlns:a14="http://schemas.microsoft.com/office/drawing/2010/main" val="0"/>
-              </a:ext>
-            </a:extLst>
-          </a:blip>
-          <a:stretch>
-            <a:fillRect/>
-          </a:stretch>
-        </p:blipFill>
-        <p:spPr>
-          <a:xfrm>
-            <a:off x="162705" y="2160026"/>
-            <a:ext cx="513047" cy="513047"/>
-          </a:xfrm>
-          <a:prstGeom prst="rect">
-            <a:avLst/>
-          </a:prstGeom>
-        </p:spPr>
-      </p:pic>
-      <p:pic>
-        <p:nvPicPr>
-          <p:cNvPr id="78" name="Image 77">
-            <a:extLst>
-              <a:ext uri="{FF2B5EF4-FFF2-40B4-BE49-F238E27FC236}">
-                <a16:creationId xmlns:a16="http://schemas.microsoft.com/office/drawing/2014/main" id="{8A9C5C01-FB5C-46CB-B9C2-ECE666F8F0B5}"/>
-              </a:ext>
-            </a:extLst>
-          </p:cNvPr>
-          <p:cNvPicPr>
-            <a:picLocks noChangeAspect="1"/>
-          </p:cNvPicPr>
-          <p:nvPr/>
-        </p:nvPicPr>
-        <p:blipFill>
-          <a:blip r:embed="rId2">
-            <a:clrChange>
-              <a:clrFrom>
-                <a:srgbClr val="FFFFFF"/>
-              </a:clrFrom>
-              <a:clrTo>
-                <a:srgbClr val="FFFFFF">
-                  <a:alpha val="0"/>
-                </a:srgbClr>
-              </a:clrTo>
-            </a:clrChange>
-            <a:duotone>
-              <a:schemeClr val="accent6">
-                <a:shade val="45000"/>
-                <a:satMod val="135000"/>
-              </a:schemeClr>
-              <a:prstClr val="white"/>
-            </a:duotone>
-            <a:extLst>
-              <a:ext uri="{28A0092B-C50C-407E-A947-70E740481C1C}">
-                <a14:useLocalDpi xmlns:a14="http://schemas.microsoft.com/office/drawing/2010/main" val="0"/>
-              </a:ext>
-            </a:extLst>
-          </a:blip>
-          <a:stretch>
-            <a:fillRect/>
-          </a:stretch>
-        </p:blipFill>
-        <p:spPr>
-          <a:xfrm>
-            <a:off x="162705" y="2416549"/>
-            <a:ext cx="513047" cy="513047"/>
-          </a:xfrm>
-          <a:prstGeom prst="rect">
-            <a:avLst/>
-          </a:prstGeom>
-        </p:spPr>
-      </p:pic>
-      <p:cxnSp>
-        <p:nvCxnSpPr>
-          <p:cNvPr id="86" name="Connecteur droit 85">
-            <a:extLst>
-              <a:ext uri="{FF2B5EF4-FFF2-40B4-BE49-F238E27FC236}">
-                <a16:creationId xmlns:a16="http://schemas.microsoft.com/office/drawing/2014/main" id="{1FBD44E3-1166-4D66-AECA-4B0F10DCAA64}"/>
-              </a:ext>
-            </a:extLst>
-          </p:cNvPr>
-          <p:cNvCxnSpPr>
-            <a:cxnSpLocks/>
-          </p:cNvCxnSpPr>
-          <p:nvPr/>
-        </p:nvCxnSpPr>
-        <p:spPr>
-          <a:xfrm>
-            <a:off x="1867243" y="1763558"/>
-            <a:ext cx="0" cy="2437337"/>
-          </a:xfrm>
-          <a:prstGeom prst="line">
-            <a:avLst/>
-          </a:prstGeom>
-        </p:spPr>
-        <p:style>
-          <a:lnRef idx="1">
-            <a:schemeClr val="accent2"/>
-          </a:lnRef>
-          <a:fillRef idx="0">
-            <a:schemeClr val="accent2"/>
-          </a:fillRef>
-          <a:effectRef idx="0">
-            <a:schemeClr val="accent2"/>
-          </a:effectRef>
-          <a:fontRef idx="minor">
-            <a:schemeClr val="tx1"/>
-          </a:fontRef>
-        </p:style>
-      </p:cxnSp>
-      <p:sp>
-        <p:nvSpPr>
-          <p:cNvPr id="91" name="ZoneTexte 90">
-            <a:extLst>
-              <a:ext uri="{FF2B5EF4-FFF2-40B4-BE49-F238E27FC236}">
-                <a16:creationId xmlns:a16="http://schemas.microsoft.com/office/drawing/2014/main" id="{A82652C0-66A8-4461-89A8-9703696932BC}"/>
-              </a:ext>
-            </a:extLst>
-          </p:cNvPr>
-          <p:cNvSpPr txBox="1"/>
-          <p:nvPr/>
-        </p:nvSpPr>
-        <p:spPr>
-          <a:xfrm>
-            <a:off x="523439" y="1763558"/>
-            <a:ext cx="1496118" cy="523220"/>
-          </a:xfrm>
-          <a:prstGeom prst="rect">
-            <a:avLst/>
-          </a:prstGeom>
-          <a:noFill/>
-        </p:spPr>
-        <p:txBody>
-          <a:bodyPr wrap="square">
-            <a:spAutoFit/>
-          </a:bodyPr>
-          <a:lstStyle/>
-          <a:p>
-            <a:pPr algn="ctr"/>
-            <a:r>
-              <a:rPr lang="fr-FR" sz="1400" dirty="0">
-                <a:latin typeface="Arial" panose="020B0604020202020204" pitchFamily="34" charset="0"/>
-                <a:cs typeface="Arial" panose="020B0604020202020204" pitchFamily="34" charset="0"/>
-              </a:rPr>
-              <a:t>Données</a:t>
-            </a:r>
-          </a:p>
-          <a:p>
-            <a:pPr algn="ctr"/>
-            <a:r>
-              <a:rPr lang="fr-FR" sz="1400" dirty="0">
-                <a:latin typeface="Arial" panose="020B0604020202020204" pitchFamily="34" charset="0"/>
-                <a:cs typeface="Arial" panose="020B0604020202020204" pitchFamily="34" charset="0"/>
-              </a:rPr>
-              <a:t>quantitatives</a:t>
-            </a:r>
-          </a:p>
-        </p:txBody>
-      </p:sp>
-      <p:sp>
-        <p:nvSpPr>
-          <p:cNvPr id="97" name="ZoneTexte 96">
-            <a:extLst>
-              <a:ext uri="{FF2B5EF4-FFF2-40B4-BE49-F238E27FC236}">
-                <a16:creationId xmlns:a16="http://schemas.microsoft.com/office/drawing/2014/main" id="{59CC9E46-1C48-451F-A3DE-43DF8800DC57}"/>
-              </a:ext>
-            </a:extLst>
-          </p:cNvPr>
-          <p:cNvSpPr txBox="1"/>
-          <p:nvPr/>
-        </p:nvSpPr>
-        <p:spPr>
-          <a:xfrm>
-            <a:off x="1632232" y="1763558"/>
-            <a:ext cx="1496118" cy="523220"/>
-          </a:xfrm>
-          <a:prstGeom prst="rect">
-            <a:avLst/>
-          </a:prstGeom>
-          <a:noFill/>
-        </p:spPr>
-        <p:txBody>
-          <a:bodyPr wrap="square">
-            <a:spAutoFit/>
-          </a:bodyPr>
-          <a:lstStyle/>
-          <a:p>
-            <a:pPr algn="ctr"/>
-            <a:r>
-              <a:rPr lang="fr-FR" sz="1400" dirty="0">
-                <a:latin typeface="Arial" panose="020B0604020202020204" pitchFamily="34" charset="0"/>
-                <a:cs typeface="Arial" panose="020B0604020202020204" pitchFamily="34" charset="0"/>
-              </a:rPr>
-              <a:t>Données</a:t>
-            </a:r>
-          </a:p>
-          <a:p>
-            <a:pPr algn="ctr"/>
-            <a:r>
-              <a:rPr lang="fr-FR" sz="1400" dirty="0">
-                <a:latin typeface="Arial" panose="020B0604020202020204" pitchFamily="34" charset="0"/>
-                <a:cs typeface="Arial" panose="020B0604020202020204" pitchFamily="34" charset="0"/>
-              </a:rPr>
-              <a:t>qualitatives</a:t>
-            </a:r>
-          </a:p>
-        </p:txBody>
-      </p:sp>
-      <p:pic>
-        <p:nvPicPr>
-          <p:cNvPr id="12" name="Image 11">
-            <a:extLst>
-              <a:ext uri="{FF2B5EF4-FFF2-40B4-BE49-F238E27FC236}">
-                <a16:creationId xmlns:a16="http://schemas.microsoft.com/office/drawing/2014/main" id="{3A4F8765-C3C1-4248-81EC-83A233D74D3A}"/>
-              </a:ext>
-            </a:extLst>
-          </p:cNvPr>
-          <p:cNvPicPr>
-            <a:picLocks noChangeAspect="1"/>
-          </p:cNvPicPr>
-          <p:nvPr/>
-        </p:nvPicPr>
-        <p:blipFill>
-          <a:blip r:embed="rId3"/>
-          <a:stretch>
-            <a:fillRect/>
-          </a:stretch>
-        </p:blipFill>
-        <p:spPr>
-          <a:xfrm>
-            <a:off x="4847263" y="5523659"/>
-            <a:ext cx="2209299" cy="1261060"/>
-          </a:xfrm>
-          <a:prstGeom prst="rect">
-            <a:avLst/>
-          </a:prstGeom>
-          <a:effectLst>
-            <a:outerShdw blurRad="50800" dist="38100" dir="2700000" algn="tl" rotWithShape="0">
-              <a:prstClr val="black">
-                <a:alpha val="40000"/>
-              </a:prstClr>
-            </a:outerShdw>
-          </a:effectLst>
-        </p:spPr>
-      </p:pic>
-      <p:sp>
-        <p:nvSpPr>
-          <p:cNvPr id="106" name="Rectangle 105">
-            <a:extLst>
-              <a:ext uri="{FF2B5EF4-FFF2-40B4-BE49-F238E27FC236}">
-                <a16:creationId xmlns:a16="http://schemas.microsoft.com/office/drawing/2014/main" id="{CED44542-1445-435A-BD21-C6CE9F5AE237}"/>
-              </a:ext>
-            </a:extLst>
-          </p:cNvPr>
-          <p:cNvSpPr/>
-          <p:nvPr/>
-        </p:nvSpPr>
-        <p:spPr>
-          <a:xfrm>
-            <a:off x="3942453" y="1755564"/>
-            <a:ext cx="4979873" cy="2445331"/>
-          </a:xfrm>
-          <a:prstGeom prst="rect">
-            <a:avLst/>
-          </a:prstGeom>
-        </p:spPr>
-        <p:style>
-          <a:lnRef idx="1">
-            <a:schemeClr val="accent2"/>
-          </a:lnRef>
-          <a:fillRef idx="2">
-            <a:schemeClr val="accent2"/>
-          </a:fillRef>
-          <a:effectRef idx="1">
-            <a:schemeClr val="accent2"/>
-          </a:effectRef>
-          <a:fontRef idx="minor">
-            <a:schemeClr val="dk1"/>
-          </a:fontRef>
-        </p:style>
-        <p:txBody>
-          <a:bodyPr rtlCol="0" anchor="ctr"/>
-          <a:lstStyle/>
-          <a:p>
-            <a:pPr algn="ctr"/>
-            <a:endParaRPr lang="fr-FR"/>
-          </a:p>
-        </p:txBody>
-      </p:sp>
-      <p:pic>
-        <p:nvPicPr>
-          <p:cNvPr id="107" name="Image 106">
-            <a:extLst>
-              <a:ext uri="{FF2B5EF4-FFF2-40B4-BE49-F238E27FC236}">
-                <a16:creationId xmlns:a16="http://schemas.microsoft.com/office/drawing/2014/main" id="{48186B04-C82E-4A5F-869F-32145605971C}"/>
-              </a:ext>
-            </a:extLst>
-          </p:cNvPr>
-          <p:cNvPicPr>
-            <a:picLocks noChangeAspect="1"/>
-          </p:cNvPicPr>
-          <p:nvPr/>
-        </p:nvPicPr>
-        <p:blipFill>
-          <a:blip r:embed="rId2">
-            <a:clrChange>
-              <a:clrFrom>
-                <a:srgbClr val="FFFFFF"/>
-              </a:clrFrom>
-              <a:clrTo>
-                <a:srgbClr val="FFFFFF">
-                  <a:alpha val="0"/>
-                </a:srgbClr>
-              </a:clrTo>
-            </a:clrChange>
-            <a:duotone>
-              <a:schemeClr val="accent1">
-                <a:shade val="45000"/>
-                <a:satMod val="135000"/>
-              </a:schemeClr>
-              <a:prstClr val="white"/>
-            </a:duotone>
-            <a:extLst>
-              <a:ext uri="{28A0092B-C50C-407E-A947-70E740481C1C}">
-                <a14:useLocalDpi xmlns:a14="http://schemas.microsoft.com/office/drawing/2010/main" val="0"/>
-              </a:ext>
-            </a:extLst>
-          </a:blip>
-          <a:stretch>
-            <a:fillRect/>
-          </a:stretch>
-        </p:blipFill>
-        <p:spPr>
-          <a:xfrm>
-            <a:off x="3970163" y="1646980"/>
-            <a:ext cx="513047" cy="513047"/>
-          </a:xfrm>
-          <a:prstGeom prst="rect">
-            <a:avLst/>
-          </a:prstGeom>
-        </p:spPr>
-      </p:pic>
-      <p:cxnSp>
-        <p:nvCxnSpPr>
-          <p:cNvPr id="108" name="Connecteur droit 107">
-            <a:extLst>
-              <a:ext uri="{FF2B5EF4-FFF2-40B4-BE49-F238E27FC236}">
-                <a16:creationId xmlns:a16="http://schemas.microsoft.com/office/drawing/2014/main" id="{C49587CC-F379-4779-B91D-4360DBBA8AE4}"/>
-              </a:ext>
-            </a:extLst>
-          </p:cNvPr>
-          <p:cNvCxnSpPr>
-            <a:cxnSpLocks/>
-          </p:cNvCxnSpPr>
-          <p:nvPr/>
-        </p:nvCxnSpPr>
-        <p:spPr>
-          <a:xfrm>
-            <a:off x="4494294" y="1763558"/>
-            <a:ext cx="0" cy="2437337"/>
-          </a:xfrm>
-          <a:prstGeom prst="line">
-            <a:avLst/>
-          </a:prstGeom>
-        </p:spPr>
-        <p:style>
-          <a:lnRef idx="1">
-            <a:schemeClr val="accent2"/>
-          </a:lnRef>
-          <a:fillRef idx="0">
-            <a:schemeClr val="accent2"/>
-          </a:fillRef>
-          <a:effectRef idx="0">
-            <a:schemeClr val="accent2"/>
-          </a:effectRef>
-          <a:fontRef idx="minor">
-            <a:schemeClr val="tx1"/>
-          </a:fontRef>
-        </p:style>
-      </p:cxnSp>
-      <p:pic>
-        <p:nvPicPr>
-          <p:cNvPr id="109" name="Image 108">
-            <a:extLst>
-              <a:ext uri="{FF2B5EF4-FFF2-40B4-BE49-F238E27FC236}">
-                <a16:creationId xmlns:a16="http://schemas.microsoft.com/office/drawing/2014/main" id="{EBBB489D-AED2-424F-AB97-BE905DB3650E}"/>
-              </a:ext>
-            </a:extLst>
-          </p:cNvPr>
-          <p:cNvPicPr>
-            <a:picLocks noChangeAspect="1"/>
-          </p:cNvPicPr>
-          <p:nvPr/>
-        </p:nvPicPr>
-        <p:blipFill>
-          <a:blip r:embed="rId2">
-            <a:clrChange>
-              <a:clrFrom>
-                <a:srgbClr val="FFFFFF"/>
-              </a:clrFrom>
-              <a:clrTo>
-                <a:srgbClr val="FFFFFF">
-                  <a:alpha val="0"/>
-                </a:srgbClr>
-              </a:clrTo>
-            </a:clrChange>
-            <a:duotone>
-              <a:schemeClr val="accent2">
-                <a:shade val="45000"/>
-                <a:satMod val="135000"/>
-              </a:schemeClr>
-              <a:prstClr val="white"/>
-            </a:duotone>
-            <a:extLst>
-              <a:ext uri="{28A0092B-C50C-407E-A947-70E740481C1C}">
-                <a14:useLocalDpi xmlns:a14="http://schemas.microsoft.com/office/drawing/2010/main" val="0"/>
-              </a:ext>
-            </a:extLst>
-          </a:blip>
-          <a:stretch>
-            <a:fillRect/>
-          </a:stretch>
-        </p:blipFill>
-        <p:spPr>
-          <a:xfrm>
-            <a:off x="3970163" y="1903503"/>
-            <a:ext cx="513047" cy="513047"/>
-          </a:xfrm>
-          <a:prstGeom prst="rect">
-            <a:avLst/>
-          </a:prstGeom>
-        </p:spPr>
-      </p:pic>
-      <p:pic>
-        <p:nvPicPr>
-          <p:cNvPr id="110" name="Image 109">
-            <a:extLst>
-              <a:ext uri="{FF2B5EF4-FFF2-40B4-BE49-F238E27FC236}">
-                <a16:creationId xmlns:a16="http://schemas.microsoft.com/office/drawing/2014/main" id="{EBB53B6C-231C-4557-9CAD-C5AB6AE0DD10}"/>
-              </a:ext>
-            </a:extLst>
-          </p:cNvPr>
-          <p:cNvPicPr>
-            <a:picLocks noChangeAspect="1"/>
-          </p:cNvPicPr>
-          <p:nvPr/>
-        </p:nvPicPr>
-        <p:blipFill>
-          <a:blip r:embed="rId2">
-            <a:clrChange>
-              <a:clrFrom>
-                <a:srgbClr val="FFFFFF"/>
-              </a:clrFrom>
-              <a:clrTo>
-                <a:srgbClr val="FFFFFF">
-                  <a:alpha val="0"/>
-                </a:srgbClr>
-              </a:clrTo>
-            </a:clrChange>
-            <a:duotone>
-              <a:schemeClr val="accent4">
-                <a:shade val="45000"/>
-                <a:satMod val="135000"/>
-              </a:schemeClr>
-              <a:prstClr val="white"/>
-            </a:duotone>
-            <a:extLst>
-              <a:ext uri="{28A0092B-C50C-407E-A947-70E740481C1C}">
-                <a14:useLocalDpi xmlns:a14="http://schemas.microsoft.com/office/drawing/2010/main" val="0"/>
-              </a:ext>
-            </a:extLst>
-          </a:blip>
-          <a:stretch>
-            <a:fillRect/>
-          </a:stretch>
-        </p:blipFill>
-        <p:spPr>
-          <a:xfrm>
-            <a:off x="3970163" y="2160026"/>
-            <a:ext cx="513047" cy="513047"/>
-          </a:xfrm>
-          <a:prstGeom prst="rect">
-            <a:avLst/>
-          </a:prstGeom>
-        </p:spPr>
-      </p:pic>
-      <p:pic>
-        <p:nvPicPr>
-          <p:cNvPr id="111" name="Image 110">
-            <a:extLst>
-              <a:ext uri="{FF2B5EF4-FFF2-40B4-BE49-F238E27FC236}">
-                <a16:creationId xmlns:a16="http://schemas.microsoft.com/office/drawing/2014/main" id="{9447A1C9-90CC-4601-8388-1469FAA7B0B2}"/>
-              </a:ext>
-            </a:extLst>
-          </p:cNvPr>
-          <p:cNvPicPr>
-            <a:picLocks noChangeAspect="1"/>
-          </p:cNvPicPr>
-          <p:nvPr/>
-        </p:nvPicPr>
-        <p:blipFill>
-          <a:blip r:embed="rId2">
-            <a:clrChange>
-              <a:clrFrom>
-                <a:srgbClr val="FFFFFF"/>
-              </a:clrFrom>
-              <a:clrTo>
-                <a:srgbClr val="FFFFFF">
-                  <a:alpha val="0"/>
-                </a:srgbClr>
-              </a:clrTo>
-            </a:clrChange>
-            <a:duotone>
-              <a:schemeClr val="accent6">
-                <a:shade val="45000"/>
-                <a:satMod val="135000"/>
-              </a:schemeClr>
-              <a:prstClr val="white"/>
-            </a:duotone>
-            <a:extLst>
-              <a:ext uri="{28A0092B-C50C-407E-A947-70E740481C1C}">
-                <a14:useLocalDpi xmlns:a14="http://schemas.microsoft.com/office/drawing/2010/main" val="0"/>
-              </a:ext>
-            </a:extLst>
-          </a:blip>
-          <a:stretch>
-            <a:fillRect/>
-          </a:stretch>
-        </p:blipFill>
-        <p:spPr>
-          <a:xfrm>
-            <a:off x="3970163" y="2416549"/>
-            <a:ext cx="513047" cy="513047"/>
-          </a:xfrm>
-          <a:prstGeom prst="rect">
-            <a:avLst/>
-          </a:prstGeom>
-        </p:spPr>
-      </p:pic>
-      <p:cxnSp>
-        <p:nvCxnSpPr>
-          <p:cNvPr id="112" name="Connecteur droit 111">
-            <a:extLst>
-              <a:ext uri="{FF2B5EF4-FFF2-40B4-BE49-F238E27FC236}">
-                <a16:creationId xmlns:a16="http://schemas.microsoft.com/office/drawing/2014/main" id="{357E8B64-94EE-40DF-B198-C315A8B8CC68}"/>
-              </a:ext>
-            </a:extLst>
-          </p:cNvPr>
-          <p:cNvCxnSpPr>
-            <a:cxnSpLocks/>
-          </p:cNvCxnSpPr>
-          <p:nvPr/>
-        </p:nvCxnSpPr>
-        <p:spPr>
-          <a:xfrm>
-            <a:off x="5674701" y="1763558"/>
-            <a:ext cx="0" cy="2437337"/>
-          </a:xfrm>
-          <a:prstGeom prst="line">
-            <a:avLst/>
-          </a:prstGeom>
-        </p:spPr>
-        <p:style>
-          <a:lnRef idx="1">
-            <a:schemeClr val="accent2"/>
-          </a:lnRef>
-          <a:fillRef idx="0">
-            <a:schemeClr val="accent2"/>
-          </a:fillRef>
-          <a:effectRef idx="0">
-            <a:schemeClr val="accent2"/>
-          </a:effectRef>
-          <a:fontRef idx="minor">
-            <a:schemeClr val="tx1"/>
-          </a:fontRef>
-        </p:style>
-      </p:cxnSp>
-      <p:sp>
-        <p:nvSpPr>
-          <p:cNvPr id="113" name="ZoneTexte 112">
-            <a:extLst>
-              <a:ext uri="{FF2B5EF4-FFF2-40B4-BE49-F238E27FC236}">
-                <a16:creationId xmlns:a16="http://schemas.microsoft.com/office/drawing/2014/main" id="{385EE431-ED58-4B53-BB9F-63CA3A665F0E}"/>
-              </a:ext>
-            </a:extLst>
-          </p:cNvPr>
-          <p:cNvSpPr txBox="1"/>
-          <p:nvPr/>
-        </p:nvSpPr>
-        <p:spPr>
-          <a:xfrm>
-            <a:off x="4330897" y="1763558"/>
-            <a:ext cx="1496118" cy="523220"/>
-          </a:xfrm>
-          <a:prstGeom prst="rect">
-            <a:avLst/>
-          </a:prstGeom>
-          <a:noFill/>
-        </p:spPr>
-        <p:txBody>
-          <a:bodyPr wrap="square">
-            <a:spAutoFit/>
-          </a:bodyPr>
-          <a:lstStyle/>
-          <a:p>
-            <a:pPr algn="ctr"/>
-            <a:r>
-              <a:rPr lang="fr-FR" sz="1400" dirty="0">
-                <a:latin typeface="Arial" panose="020B0604020202020204" pitchFamily="34" charset="0"/>
-                <a:cs typeface="Arial" panose="020B0604020202020204" pitchFamily="34" charset="0"/>
-              </a:rPr>
-              <a:t>Données</a:t>
-            </a:r>
-          </a:p>
-          <a:p>
-            <a:pPr algn="ctr"/>
-            <a:r>
-              <a:rPr lang="fr-FR" sz="1400" dirty="0">
-                <a:latin typeface="Arial" panose="020B0604020202020204" pitchFamily="34" charset="0"/>
-                <a:cs typeface="Arial" panose="020B0604020202020204" pitchFamily="34" charset="0"/>
-              </a:rPr>
-              <a:t>quantitatives</a:t>
-            </a:r>
-          </a:p>
-        </p:txBody>
-      </p:sp>
-      <p:sp>
-        <p:nvSpPr>
-          <p:cNvPr id="114" name="ZoneTexte 113">
-            <a:extLst>
-              <a:ext uri="{FF2B5EF4-FFF2-40B4-BE49-F238E27FC236}">
-                <a16:creationId xmlns:a16="http://schemas.microsoft.com/office/drawing/2014/main" id="{6AF28871-E879-42B2-9D5B-04064A82CFF6}"/>
-              </a:ext>
-            </a:extLst>
-          </p:cNvPr>
-          <p:cNvSpPr txBox="1"/>
-          <p:nvPr/>
-        </p:nvSpPr>
-        <p:spPr>
-          <a:xfrm>
-            <a:off x="6626834" y="1763558"/>
-            <a:ext cx="1496118" cy="523220"/>
-          </a:xfrm>
-          <a:prstGeom prst="rect">
-            <a:avLst/>
-          </a:prstGeom>
-          <a:noFill/>
-        </p:spPr>
-        <p:txBody>
-          <a:bodyPr wrap="square">
-            <a:spAutoFit/>
-          </a:bodyPr>
-          <a:lstStyle/>
-          <a:p>
-            <a:pPr algn="ctr"/>
-            <a:r>
-              <a:rPr lang="fr-FR" sz="1400" dirty="0">
-                <a:latin typeface="Arial" panose="020B0604020202020204" pitchFamily="34" charset="0"/>
-                <a:cs typeface="Arial" panose="020B0604020202020204" pitchFamily="34" charset="0"/>
-              </a:rPr>
-              <a:t>Données</a:t>
-            </a:r>
-          </a:p>
-          <a:p>
-            <a:pPr algn="ctr"/>
-            <a:r>
-              <a:rPr lang="fr-FR" sz="1400" dirty="0">
-                <a:latin typeface="Arial" panose="020B0604020202020204" pitchFamily="34" charset="0"/>
-                <a:cs typeface="Arial" panose="020B0604020202020204" pitchFamily="34" charset="0"/>
-              </a:rPr>
-              <a:t>encodées</a:t>
-            </a:r>
-          </a:p>
-        </p:txBody>
-      </p:sp>
-      <p:sp>
-        <p:nvSpPr>
-          <p:cNvPr id="27" name="Forme libre : forme 26">
-            <a:extLst>
-              <a:ext uri="{FF2B5EF4-FFF2-40B4-BE49-F238E27FC236}">
-                <a16:creationId xmlns:a16="http://schemas.microsoft.com/office/drawing/2014/main" id="{CEEA6E0A-E6C9-4514-AA38-579FCC3FD9D0}"/>
-              </a:ext>
-            </a:extLst>
-          </p:cNvPr>
-          <p:cNvSpPr/>
-          <p:nvPr/>
-        </p:nvSpPr>
-        <p:spPr>
-          <a:xfrm>
-            <a:off x="2987040" y="1357727"/>
-            <a:ext cx="925484" cy="288193"/>
-          </a:xfrm>
-          <a:custGeom>
-            <a:avLst/>
-            <a:gdLst>
-              <a:gd name="connsiteX0" fmla="*/ 0 w 925484"/>
-              <a:gd name="connsiteY0" fmla="*/ 288193 h 288193"/>
-              <a:gd name="connsiteX1" fmla="*/ 426720 w 925484"/>
-              <a:gd name="connsiteY1" fmla="*/ 18 h 288193"/>
-              <a:gd name="connsiteX2" fmla="*/ 925484 w 925484"/>
-              <a:gd name="connsiteY2" fmla="*/ 277109 h 288193"/>
-            </a:gdLst>
-            <a:ahLst/>
-            <a:cxnLst>
-              <a:cxn ang="0">
-                <a:pos x="connsiteX0" y="connsiteY0"/>
-              </a:cxn>
-              <a:cxn ang="0">
-                <a:pos x="connsiteX1" y="connsiteY1"/>
-              </a:cxn>
-              <a:cxn ang="0">
-                <a:pos x="connsiteX2" y="connsiteY2"/>
-              </a:cxn>
-            </a:cxnLst>
-            <a:rect l="l" t="t" r="r" b="b"/>
-            <a:pathLst>
-              <a:path w="925484" h="288193">
-                <a:moveTo>
-                  <a:pt x="0" y="288193"/>
-                </a:moveTo>
-                <a:cubicBezTo>
-                  <a:pt x="136236" y="145029"/>
-                  <a:pt x="272473" y="1865"/>
-                  <a:pt x="426720" y="18"/>
-                </a:cubicBezTo>
-                <a:cubicBezTo>
-                  <a:pt x="580967" y="-1829"/>
-                  <a:pt x="753225" y="137640"/>
-                  <a:pt x="925484" y="277109"/>
-                </a:cubicBezTo>
-              </a:path>
-            </a:pathLst>
-          </a:custGeom>
-          <a:ln w="9525" cap="flat" cmpd="sng" algn="ctr">
-            <a:solidFill>
-              <a:schemeClr val="dk1"/>
-            </a:solidFill>
-            <a:prstDash val="solid"/>
-            <a:round/>
-            <a:headEnd type="none" w="med" len="med"/>
-            <a:tailEnd type="arrow" w="med" len="med"/>
-          </a:ln>
-        </p:spPr>
-        <p:style>
-          <a:lnRef idx="0">
-            <a:scrgbClr r="0" g="0" b="0"/>
-          </a:lnRef>
-          <a:fillRef idx="0">
-            <a:scrgbClr r="0" g="0" b="0"/>
-          </a:fillRef>
-          <a:effectRef idx="0">
-            <a:scrgbClr r="0" g="0" b="0"/>
-          </a:effectRef>
-          <a:fontRef idx="minor">
-            <a:schemeClr val="tx1"/>
-          </a:fontRef>
-        </p:style>
-        <p:txBody>
-          <a:bodyPr rtlCol="0" anchor="ctr"/>
-          <a:lstStyle/>
-          <a:p>
-            <a:pPr algn="ctr"/>
-            <a:endParaRPr lang="fr-FR"/>
-          </a:p>
-        </p:txBody>
-      </p:sp>
-      <p:sp>
-        <p:nvSpPr>
-          <p:cNvPr id="115" name="ZoneTexte 114">
-            <a:extLst>
-              <a:ext uri="{FF2B5EF4-FFF2-40B4-BE49-F238E27FC236}">
-                <a16:creationId xmlns:a16="http://schemas.microsoft.com/office/drawing/2014/main" id="{DFBE4A1F-B355-462B-B070-B406908BACC2}"/>
-              </a:ext>
-            </a:extLst>
-          </p:cNvPr>
-          <p:cNvSpPr txBox="1"/>
-          <p:nvPr/>
-        </p:nvSpPr>
-        <p:spPr>
-          <a:xfrm>
-            <a:off x="2701723" y="1019079"/>
-            <a:ext cx="1496118" cy="307777"/>
-          </a:xfrm>
-          <a:prstGeom prst="rect">
-            <a:avLst/>
-          </a:prstGeom>
-          <a:noFill/>
-        </p:spPr>
-        <p:txBody>
-          <a:bodyPr wrap="square">
-            <a:spAutoFit/>
-          </a:bodyPr>
-          <a:lstStyle/>
-          <a:p>
-            <a:pPr algn="ctr"/>
-            <a:r>
-              <a:rPr lang="fr-FR" sz="1400" dirty="0" err="1">
-                <a:latin typeface="Arial" panose="020B0604020202020204" pitchFamily="34" charset="0"/>
-                <a:cs typeface="Arial" panose="020B0604020202020204" pitchFamily="34" charset="0"/>
-              </a:rPr>
-              <a:t>LabelEncoder</a:t>
-            </a:r>
-            <a:endParaRPr lang="fr-FR" sz="1400" dirty="0">
-              <a:latin typeface="Arial" panose="020B0604020202020204" pitchFamily="34" charset="0"/>
-              <a:cs typeface="Arial" panose="020B0604020202020204" pitchFamily="34" charset="0"/>
-            </a:endParaRPr>
-          </a:p>
-        </p:txBody>
-      </p:sp>
-      <p:cxnSp>
-        <p:nvCxnSpPr>
-          <p:cNvPr id="116" name="Connecteur droit avec flèche 115">
-            <a:extLst>
-              <a:ext uri="{FF2B5EF4-FFF2-40B4-BE49-F238E27FC236}">
-                <a16:creationId xmlns:a16="http://schemas.microsoft.com/office/drawing/2014/main" id="{53300927-4719-49B1-85F3-A2E92275FB97}"/>
-              </a:ext>
-            </a:extLst>
-          </p:cNvPr>
-          <p:cNvCxnSpPr>
-            <a:cxnSpLocks/>
-          </p:cNvCxnSpPr>
-          <p:nvPr/>
-        </p:nvCxnSpPr>
-        <p:spPr>
-          <a:xfrm>
-            <a:off x="5951913" y="4372495"/>
-            <a:ext cx="0" cy="1067514"/>
-          </a:xfrm>
-          <a:prstGeom prst="straightConnector1">
-            <a:avLst/>
-          </a:prstGeom>
-          <a:ln w="9525" cap="flat" cmpd="sng" algn="ctr">
-            <a:solidFill>
-              <a:schemeClr val="dk1"/>
-            </a:solidFill>
-            <a:prstDash val="solid"/>
-            <a:round/>
-            <a:headEnd type="none" w="med" len="med"/>
-            <a:tailEnd type="arrow" w="med" len="med"/>
-          </a:ln>
-        </p:spPr>
-        <p:style>
-          <a:lnRef idx="0">
-            <a:scrgbClr r="0" g="0" b="0"/>
-          </a:lnRef>
-          <a:fillRef idx="0">
-            <a:scrgbClr r="0" g="0" b="0"/>
-          </a:fillRef>
-          <a:effectRef idx="0">
-            <a:scrgbClr r="0" g="0" b="0"/>
-          </a:effectRef>
-          <a:fontRef idx="minor">
-            <a:schemeClr val="tx1"/>
-          </a:fontRef>
-        </p:style>
-      </p:cxnSp>
-      <p:sp>
-        <p:nvSpPr>
-          <p:cNvPr id="117" name="ZoneTexte 116">
-            <a:extLst>
-              <a:ext uri="{FF2B5EF4-FFF2-40B4-BE49-F238E27FC236}">
-                <a16:creationId xmlns:a16="http://schemas.microsoft.com/office/drawing/2014/main" id="{DA3FC418-99EE-4F4D-AF00-D16A594FE2AE}"/>
-              </a:ext>
-            </a:extLst>
-          </p:cNvPr>
-          <p:cNvSpPr txBox="1"/>
-          <p:nvPr/>
-        </p:nvSpPr>
-        <p:spPr>
-          <a:xfrm>
-            <a:off x="6040581" y="4513983"/>
-            <a:ext cx="1850967" cy="738664"/>
-          </a:xfrm>
-          <a:prstGeom prst="rect">
-            <a:avLst/>
-          </a:prstGeom>
-          <a:noFill/>
-        </p:spPr>
-        <p:txBody>
-          <a:bodyPr wrap="square">
-            <a:spAutoFit/>
-          </a:bodyPr>
-          <a:lstStyle/>
-          <a:p>
-            <a:r>
-              <a:rPr lang="fr-FR" sz="1400" dirty="0" err="1">
-                <a:latin typeface="Arial" panose="020B0604020202020204" pitchFamily="34" charset="0"/>
-                <a:cs typeface="Arial" panose="020B0604020202020204" pitchFamily="34" charset="0"/>
-              </a:rPr>
-              <a:t>OneHotEncoding</a:t>
-            </a:r>
-            <a:r>
-              <a:rPr lang="fr-FR" sz="1400" dirty="0">
-                <a:latin typeface="Arial" panose="020B0604020202020204" pitchFamily="34" charset="0"/>
-                <a:cs typeface="Arial" panose="020B0604020202020204" pitchFamily="34" charset="0"/>
-              </a:rPr>
-              <a:t>,</a:t>
-            </a:r>
-          </a:p>
-          <a:p>
-            <a:r>
-              <a:rPr lang="fr-FR" sz="1400" dirty="0" err="1">
-                <a:latin typeface="Arial" panose="020B0604020202020204" pitchFamily="34" charset="0"/>
-                <a:cs typeface="Arial" panose="020B0604020202020204" pitchFamily="34" charset="0"/>
-              </a:rPr>
-              <a:t>predict_proba</a:t>
-            </a:r>
-            <a:r>
-              <a:rPr lang="fr-FR" sz="1400" dirty="0">
-                <a:latin typeface="Arial" panose="020B0604020202020204" pitchFamily="34" charset="0"/>
-                <a:cs typeface="Arial" panose="020B0604020202020204" pitchFamily="34" charset="0"/>
-              </a:rPr>
-              <a:t>,</a:t>
-            </a:r>
-          </a:p>
-          <a:p>
-            <a:r>
-              <a:rPr lang="fr-FR" sz="1400" dirty="0">
-                <a:latin typeface="Arial" panose="020B0604020202020204" pitchFamily="34" charset="0"/>
-                <a:cs typeface="Arial" panose="020B0604020202020204" pitchFamily="34" charset="0"/>
-              </a:rPr>
-              <a:t>…</a:t>
-            </a:r>
-          </a:p>
-        </p:txBody>
-      </p:sp>
-      <p:sp>
-        <p:nvSpPr>
-          <p:cNvPr id="118" name="Rectangle 117">
-            <a:extLst>
-              <a:ext uri="{FF2B5EF4-FFF2-40B4-BE49-F238E27FC236}">
-                <a16:creationId xmlns:a16="http://schemas.microsoft.com/office/drawing/2014/main" id="{8944D4B6-0459-47F2-87A0-C80FD70B5BC8}"/>
-              </a:ext>
-            </a:extLst>
-          </p:cNvPr>
-          <p:cNvSpPr/>
-          <p:nvPr/>
-        </p:nvSpPr>
-        <p:spPr>
-          <a:xfrm>
-            <a:off x="7414710" y="3576597"/>
-            <a:ext cx="1416484" cy="521040"/>
-          </a:xfrm>
-          <a:prstGeom prst="rect">
-            <a:avLst/>
-          </a:prstGeom>
-        </p:spPr>
-        <p:style>
-          <a:lnRef idx="1">
-            <a:schemeClr val="accent2"/>
-          </a:lnRef>
-          <a:fillRef idx="2">
-            <a:schemeClr val="accent2"/>
-          </a:fillRef>
-          <a:effectRef idx="1">
-            <a:schemeClr val="accent2"/>
-          </a:effectRef>
-          <a:fontRef idx="minor">
-            <a:schemeClr val="dk1"/>
-          </a:fontRef>
-        </p:style>
-        <p:txBody>
-          <a:bodyPr rtlCol="0" anchor="ctr"/>
-          <a:lstStyle/>
-          <a:p>
-            <a:pPr algn="ctr"/>
-            <a:r>
-              <a:rPr lang="fr-FR" sz="1000" dirty="0">
-                <a:latin typeface="Arial" panose="020B0604020202020204" pitchFamily="34" charset="0"/>
-                <a:cs typeface="Arial" panose="020B0604020202020204" pitchFamily="34" charset="0"/>
-              </a:rPr>
-              <a:t>+ </a:t>
-            </a:r>
-            <a:r>
-              <a:rPr lang="fr-FR" sz="1000" dirty="0" err="1">
-                <a:latin typeface="Arial" panose="020B0604020202020204" pitchFamily="34" charset="0"/>
-                <a:cs typeface="Arial" panose="020B0604020202020204" pitchFamily="34" charset="0"/>
-              </a:rPr>
-              <a:t>features_names</a:t>
-            </a:r>
-            <a:endParaRPr lang="fr-FR" sz="1000" dirty="0">
-              <a:latin typeface="Arial" panose="020B0604020202020204" pitchFamily="34" charset="0"/>
-              <a:cs typeface="Arial" panose="020B0604020202020204" pitchFamily="34" charset="0"/>
-            </a:endParaRPr>
-          </a:p>
-        </p:txBody>
-      </p:sp>
-    </p:spTree>
-    <p:extLst>
-      <p:ext uri="{BB962C8B-B14F-4D97-AF65-F5344CB8AC3E}">
-        <p14:creationId xmlns:p14="http://schemas.microsoft.com/office/powerpoint/2010/main" val="3758161584"/>
-      </p:ext>
-    </p:extLst>
-  </p:cSld>
-  <p:clrMapOvr>
-    <a:masterClrMapping/>
-  </p:clrMapOvr>
-</p:sld>
-</file>
-
-<file path=ppt/slides/slide23.xml><?xml version="1.0" encoding="utf-8"?>
-<p:sld xmlns:a="http://schemas.openxmlformats.org/drawingml/2006/main" xmlns:r="http://schemas.openxmlformats.org/officeDocument/2006/relationships" xmlns:p="http://schemas.openxmlformats.org/presentationml/2006/main">
-  <p:cSld>
-    <p:spTree>
-      <p:nvGrpSpPr>
-        <p:cNvPr id="1" name=""/>
-        <p:cNvGrpSpPr/>
-        <p:nvPr/>
-      </p:nvGrpSpPr>
-      <p:grpSpPr>
-        <a:xfrm>
-          <a:off x="0" y="0"/>
-          <a:ext cx="0" cy="0"/>
-          <a:chOff x="0" y="0"/>
-          <a:chExt cx="0" cy="0"/>
-        </a:xfrm>
-      </p:grpSpPr>
-      <p:sp>
-        <p:nvSpPr>
-          <p:cNvPr id="4" name="Espace réservé du numéro de diapositive 3">
-            <a:extLst>
-              <a:ext uri="{FF2B5EF4-FFF2-40B4-BE49-F238E27FC236}">
-                <a16:creationId xmlns:a16="http://schemas.microsoft.com/office/drawing/2014/main" id="{89CF1B10-4513-4931-B546-FF421C34DF1D}"/>
-              </a:ext>
-            </a:extLst>
-          </p:cNvPr>
-          <p:cNvSpPr>
-            <a:spLocks noGrp="1"/>
-          </p:cNvSpPr>
-          <p:nvPr>
-            <p:ph type="sldNum" sz="quarter" idx="12"/>
-          </p:nvPr>
-        </p:nvSpPr>
-        <p:spPr/>
-        <p:txBody>
-          <a:bodyPr/>
-          <a:lstStyle/>
-          <a:p>
-            <a:fld id="{50902F5D-93A0-47DA-BFBC-C6664F86D8C4}" type="slidenum">
-              <a:rPr lang="fr-FR" smtClean="0"/>
-              <a:t>23</a:t>
-            </a:fld>
-            <a:endParaRPr lang="fr-FR"/>
-          </a:p>
-        </p:txBody>
-      </p:sp>
-      <p:sp>
-        <p:nvSpPr>
-          <p:cNvPr id="5" name="ZoneTexte 4">
-            <a:extLst>
-              <a:ext uri="{FF2B5EF4-FFF2-40B4-BE49-F238E27FC236}">
-                <a16:creationId xmlns:a16="http://schemas.microsoft.com/office/drawing/2014/main" id="{8A05E6FB-BED3-4E17-8B32-968D62BE8D7B}"/>
-              </a:ext>
-            </a:extLst>
-          </p:cNvPr>
-          <p:cNvSpPr txBox="1"/>
-          <p:nvPr/>
-        </p:nvSpPr>
-        <p:spPr>
-          <a:xfrm>
-            <a:off x="411478" y="203306"/>
-            <a:ext cx="8321041" cy="369332"/>
-          </a:xfrm>
-          <a:prstGeom prst="rect">
-            <a:avLst/>
-          </a:prstGeom>
-          <a:noFill/>
-        </p:spPr>
-        <p:txBody>
-          <a:bodyPr wrap="square">
-            <a:spAutoFit/>
-          </a:bodyPr>
-          <a:lstStyle/>
-          <a:p>
-            <a:r>
-              <a:rPr lang="fr-FR" b="1" dirty="0">
-                <a:latin typeface="Arial" panose="020B0604020202020204" pitchFamily="34" charset="0"/>
-                <a:cs typeface="Arial" panose="020B0604020202020204" pitchFamily="34" charset="0"/>
-              </a:rPr>
-              <a:t>Difficultés à utiliser LIME</a:t>
-            </a:r>
-          </a:p>
-        </p:txBody>
-      </p:sp>
-      <p:cxnSp>
-        <p:nvCxnSpPr>
-          <p:cNvPr id="6" name="Connecteur droit 5">
-            <a:extLst>
-              <a:ext uri="{FF2B5EF4-FFF2-40B4-BE49-F238E27FC236}">
-                <a16:creationId xmlns:a16="http://schemas.microsoft.com/office/drawing/2014/main" id="{AD05D6F9-3FD9-4A54-9FFA-F52E1ABAF6AA}"/>
-              </a:ext>
-            </a:extLst>
-          </p:cNvPr>
-          <p:cNvCxnSpPr/>
-          <p:nvPr/>
-        </p:nvCxnSpPr>
-        <p:spPr>
-          <a:xfrm>
-            <a:off x="354676" y="703811"/>
-            <a:ext cx="8379229" cy="0"/>
-          </a:xfrm>
-          <a:prstGeom prst="line">
-            <a:avLst/>
-          </a:prstGeom>
-        </p:spPr>
-        <p:style>
-          <a:lnRef idx="1">
-            <a:schemeClr val="accent2"/>
-          </a:lnRef>
-          <a:fillRef idx="0">
-            <a:schemeClr val="accent2"/>
-          </a:fillRef>
-          <a:effectRef idx="0">
-            <a:schemeClr val="accent2"/>
-          </a:effectRef>
-          <a:fontRef idx="minor">
-            <a:schemeClr val="tx1"/>
-          </a:fontRef>
-        </p:style>
-      </p:cxnSp>
-      <p:sp>
-        <p:nvSpPr>
-          <p:cNvPr id="7" name="ZoneTexte 6">
-            <a:extLst>
-              <a:ext uri="{FF2B5EF4-FFF2-40B4-BE49-F238E27FC236}">
-                <a16:creationId xmlns:a16="http://schemas.microsoft.com/office/drawing/2014/main" id="{1CDC92C4-AAB9-4356-A228-743FB24D144F}"/>
-              </a:ext>
-            </a:extLst>
-          </p:cNvPr>
-          <p:cNvSpPr txBox="1"/>
-          <p:nvPr/>
-        </p:nvSpPr>
-        <p:spPr>
-          <a:xfrm>
-            <a:off x="411478" y="834985"/>
-            <a:ext cx="8321041" cy="738664"/>
-          </a:xfrm>
-          <a:prstGeom prst="rect">
-            <a:avLst/>
-          </a:prstGeom>
-          <a:noFill/>
-        </p:spPr>
-        <p:txBody>
-          <a:bodyPr wrap="square">
-            <a:spAutoFit/>
-          </a:bodyPr>
-          <a:lstStyle/>
-          <a:p>
-            <a:r>
-              <a:rPr lang="fr-FR" sz="1400" dirty="0">
-                <a:latin typeface="Arial" panose="020B0604020202020204" pitchFamily="34" charset="0"/>
-                <a:cs typeface="Arial" panose="020B0604020202020204" pitchFamily="34" charset="0"/>
-              </a:rPr>
-              <a:t>Dans le cas d’une fusion, le </a:t>
-            </a:r>
-            <a:r>
-              <a:rPr lang="fr-FR" sz="1400" dirty="0" err="1">
-                <a:latin typeface="Arial" panose="020B0604020202020204" pitchFamily="34" charset="0"/>
-                <a:cs typeface="Arial" panose="020B0604020202020204" pitchFamily="34" charset="0"/>
-              </a:rPr>
-              <a:t>dataframe</a:t>
-            </a:r>
-            <a:r>
-              <a:rPr lang="fr-FR" sz="1400" dirty="0">
-                <a:latin typeface="Arial" panose="020B0604020202020204" pitchFamily="34" charset="0"/>
-                <a:cs typeface="Arial" panose="020B0604020202020204" pitchFamily="34" charset="0"/>
-              </a:rPr>
-              <a:t> annexe a dû être modifié :</a:t>
-            </a:r>
-          </a:p>
-          <a:p>
-            <a:r>
-              <a:rPr lang="fr-FR" sz="1400" dirty="0">
-                <a:latin typeface="Arial" panose="020B0604020202020204" pitchFamily="34" charset="0"/>
-                <a:cs typeface="Arial" panose="020B0604020202020204" pitchFamily="34" charset="0"/>
-              </a:rPr>
-              <a:t>- Via un </a:t>
-            </a:r>
-            <a:r>
-              <a:rPr lang="fr-FR" sz="1400" dirty="0" err="1">
-                <a:latin typeface="Arial" panose="020B0604020202020204" pitchFamily="34" charset="0"/>
-                <a:cs typeface="Arial" panose="020B0604020202020204" pitchFamily="34" charset="0"/>
-              </a:rPr>
-              <a:t>encoding</a:t>
-            </a:r>
-            <a:r>
-              <a:rPr lang="fr-FR" sz="1400" dirty="0">
-                <a:latin typeface="Arial" panose="020B0604020202020204" pitchFamily="34" charset="0"/>
-                <a:cs typeface="Arial" panose="020B0604020202020204" pitchFamily="34" charset="0"/>
-              </a:rPr>
-              <a:t> sur les données catégorielles,</a:t>
-            </a:r>
-          </a:p>
-          <a:p>
-            <a:r>
-              <a:rPr lang="fr-FR" sz="1400" dirty="0">
-                <a:latin typeface="Arial" panose="020B0604020202020204" pitchFamily="34" charset="0"/>
-                <a:cs typeface="Arial" panose="020B0604020202020204" pitchFamily="34" charset="0"/>
-              </a:rPr>
-              <a:t>- Puis un </a:t>
-            </a:r>
-            <a:r>
-              <a:rPr lang="fr-FR" sz="1400" dirty="0" err="1">
-                <a:latin typeface="Arial" panose="020B0604020202020204" pitchFamily="34" charset="0"/>
-                <a:cs typeface="Arial" panose="020B0604020202020204" pitchFamily="34" charset="0"/>
-              </a:rPr>
-              <a:t>groupby</a:t>
-            </a:r>
-            <a:r>
-              <a:rPr lang="fr-FR" sz="1400" dirty="0">
-                <a:latin typeface="Arial" panose="020B0604020202020204" pitchFamily="34" charset="0"/>
-                <a:cs typeface="Arial" panose="020B0604020202020204" pitchFamily="34" charset="0"/>
-              </a:rPr>
-              <a:t> sur les clés</a:t>
-            </a:r>
-          </a:p>
-        </p:txBody>
-      </p:sp>
-      <p:sp>
-        <p:nvSpPr>
-          <p:cNvPr id="8" name="Rectangle 7">
-            <a:extLst>
-              <a:ext uri="{FF2B5EF4-FFF2-40B4-BE49-F238E27FC236}">
-                <a16:creationId xmlns:a16="http://schemas.microsoft.com/office/drawing/2014/main" id="{CCAB6171-ACC5-4640-B369-89EEACA2464B}"/>
-              </a:ext>
-            </a:extLst>
-          </p:cNvPr>
-          <p:cNvSpPr/>
-          <p:nvPr/>
-        </p:nvSpPr>
-        <p:spPr>
-          <a:xfrm>
-            <a:off x="151621" y="1949327"/>
-            <a:ext cx="1073121" cy="1063877"/>
-          </a:xfrm>
-          <a:prstGeom prst="rect">
-            <a:avLst/>
-          </a:prstGeom>
-        </p:spPr>
-        <p:style>
-          <a:lnRef idx="1">
-            <a:schemeClr val="accent2"/>
-          </a:lnRef>
-          <a:fillRef idx="2">
-            <a:schemeClr val="accent2"/>
-          </a:fillRef>
-          <a:effectRef idx="1">
-            <a:schemeClr val="accent2"/>
-          </a:effectRef>
-          <a:fontRef idx="minor">
-            <a:schemeClr val="dk1"/>
-          </a:fontRef>
-        </p:style>
-        <p:txBody>
-          <a:bodyPr rtlCol="0" anchor="ctr"/>
-          <a:lstStyle/>
-          <a:p>
-            <a:pPr algn="ctr"/>
-            <a:endParaRPr lang="fr-FR"/>
-          </a:p>
-        </p:txBody>
-      </p:sp>
-      <p:sp>
-        <p:nvSpPr>
-          <p:cNvPr id="9" name="Rectangle 8">
-            <a:extLst>
-              <a:ext uri="{FF2B5EF4-FFF2-40B4-BE49-F238E27FC236}">
-                <a16:creationId xmlns:a16="http://schemas.microsoft.com/office/drawing/2014/main" id="{3FB3C067-FB78-49F2-82CD-9501FA225A38}"/>
-              </a:ext>
-            </a:extLst>
-          </p:cNvPr>
-          <p:cNvSpPr/>
-          <p:nvPr/>
-        </p:nvSpPr>
-        <p:spPr>
-          <a:xfrm>
-            <a:off x="151625" y="3429000"/>
-            <a:ext cx="1533087" cy="3208770"/>
-          </a:xfrm>
-          <a:prstGeom prst="rect">
-            <a:avLst/>
-          </a:prstGeom>
-        </p:spPr>
-        <p:style>
-          <a:lnRef idx="1">
-            <a:schemeClr val="accent1"/>
-          </a:lnRef>
-          <a:fillRef idx="2">
-            <a:schemeClr val="accent1"/>
-          </a:fillRef>
-          <a:effectRef idx="1">
-            <a:schemeClr val="accent1"/>
-          </a:effectRef>
-          <a:fontRef idx="minor">
-            <a:schemeClr val="dk1"/>
-          </a:fontRef>
-        </p:style>
-        <p:txBody>
-          <a:bodyPr rtlCol="0" anchor="ctr"/>
-          <a:lstStyle/>
-          <a:p>
-            <a:pPr algn="ctr"/>
-            <a:endParaRPr lang="fr-FR"/>
-          </a:p>
-        </p:txBody>
-      </p:sp>
-      <p:pic>
-        <p:nvPicPr>
-          <p:cNvPr id="11" name="Image 10">
-            <a:extLst>
-              <a:ext uri="{FF2B5EF4-FFF2-40B4-BE49-F238E27FC236}">
-                <a16:creationId xmlns:a16="http://schemas.microsoft.com/office/drawing/2014/main" id="{97F235AD-73A3-4CEB-8FAD-9A6D7893A88E}"/>
-              </a:ext>
-            </a:extLst>
-          </p:cNvPr>
-          <p:cNvPicPr>
-            <a:picLocks noChangeAspect="1"/>
-          </p:cNvPicPr>
-          <p:nvPr/>
-        </p:nvPicPr>
-        <p:blipFill>
-          <a:blip r:embed="rId2">
-            <a:clrChange>
-              <a:clrFrom>
-                <a:srgbClr val="FFFFFF"/>
-              </a:clrFrom>
-              <a:clrTo>
-                <a:srgbClr val="FFFFFF">
-                  <a:alpha val="0"/>
-                </a:srgbClr>
-              </a:clrTo>
-            </a:clrChange>
-            <a:duotone>
-              <a:schemeClr val="accent1">
-                <a:shade val="45000"/>
-                <a:satMod val="135000"/>
-              </a:schemeClr>
-              <a:prstClr val="white"/>
-            </a:duotone>
-            <a:extLst>
-              <a:ext uri="{28A0092B-C50C-407E-A947-70E740481C1C}">
-                <a14:useLocalDpi xmlns:a14="http://schemas.microsoft.com/office/drawing/2010/main" val="0"/>
-              </a:ext>
-            </a:extLst>
-          </a:blip>
-          <a:stretch>
-            <a:fillRect/>
-          </a:stretch>
-        </p:blipFill>
-        <p:spPr>
-          <a:xfrm>
-            <a:off x="151621" y="1866001"/>
-            <a:ext cx="513047" cy="513047"/>
-          </a:xfrm>
-          <a:prstGeom prst="rect">
-            <a:avLst/>
-          </a:prstGeom>
-        </p:spPr>
-      </p:pic>
-      <p:cxnSp>
-        <p:nvCxnSpPr>
-          <p:cNvPr id="13" name="Connecteur droit 12">
-            <a:extLst>
-              <a:ext uri="{FF2B5EF4-FFF2-40B4-BE49-F238E27FC236}">
-                <a16:creationId xmlns:a16="http://schemas.microsoft.com/office/drawing/2014/main" id="{2771FB39-81E7-4360-A455-FB66DA9EAE55}"/>
-              </a:ext>
-            </a:extLst>
-          </p:cNvPr>
-          <p:cNvCxnSpPr>
-            <a:cxnSpLocks/>
-          </p:cNvCxnSpPr>
-          <p:nvPr/>
-        </p:nvCxnSpPr>
-        <p:spPr>
-          <a:xfrm>
-            <a:off x="664668" y="1949327"/>
-            <a:ext cx="0" cy="1063877"/>
-          </a:xfrm>
-          <a:prstGeom prst="line">
-            <a:avLst/>
-          </a:prstGeom>
-        </p:spPr>
-        <p:style>
-          <a:lnRef idx="1">
-            <a:schemeClr val="accent2"/>
-          </a:lnRef>
-          <a:fillRef idx="0">
-            <a:schemeClr val="accent2"/>
-          </a:fillRef>
-          <a:effectRef idx="0">
-            <a:schemeClr val="accent2"/>
-          </a:effectRef>
-          <a:fontRef idx="minor">
-            <a:schemeClr val="tx1"/>
-          </a:fontRef>
-        </p:style>
-      </p:cxnSp>
-      <p:cxnSp>
-        <p:nvCxnSpPr>
-          <p:cNvPr id="14" name="Connecteur droit 13">
-            <a:extLst>
-              <a:ext uri="{FF2B5EF4-FFF2-40B4-BE49-F238E27FC236}">
-                <a16:creationId xmlns:a16="http://schemas.microsoft.com/office/drawing/2014/main" id="{C0505A2B-C2B5-4FEE-A29B-4975AEC63968}"/>
-              </a:ext>
-            </a:extLst>
-          </p:cNvPr>
-          <p:cNvCxnSpPr>
-            <a:cxnSpLocks/>
-          </p:cNvCxnSpPr>
-          <p:nvPr/>
-        </p:nvCxnSpPr>
-        <p:spPr>
-          <a:xfrm>
-            <a:off x="664670" y="3429000"/>
-            <a:ext cx="0" cy="3208770"/>
-          </a:xfrm>
-          <a:prstGeom prst="line">
-            <a:avLst/>
-          </a:prstGeom>
-        </p:spPr>
-        <p:style>
-          <a:lnRef idx="1">
-            <a:schemeClr val="accent1"/>
-          </a:lnRef>
-          <a:fillRef idx="0">
-            <a:schemeClr val="accent1"/>
-          </a:fillRef>
-          <a:effectRef idx="0">
-            <a:schemeClr val="accent1"/>
-          </a:effectRef>
-          <a:fontRef idx="minor">
-            <a:schemeClr val="tx1"/>
-          </a:fontRef>
-        </p:style>
-      </p:cxnSp>
-      <p:pic>
-        <p:nvPicPr>
-          <p:cNvPr id="16" name="Image 15">
-            <a:extLst>
-              <a:ext uri="{FF2B5EF4-FFF2-40B4-BE49-F238E27FC236}">
-                <a16:creationId xmlns:a16="http://schemas.microsoft.com/office/drawing/2014/main" id="{38260887-A32C-4AAD-A6BF-F52BA0F5C981}"/>
-              </a:ext>
-            </a:extLst>
-          </p:cNvPr>
-          <p:cNvPicPr>
-            <a:picLocks noChangeAspect="1"/>
-          </p:cNvPicPr>
-          <p:nvPr/>
-        </p:nvPicPr>
-        <p:blipFill>
-          <a:blip r:embed="rId2">
-            <a:clrChange>
-              <a:clrFrom>
-                <a:srgbClr val="FFFFFF"/>
-              </a:clrFrom>
-              <a:clrTo>
-                <a:srgbClr val="FFFFFF">
-                  <a:alpha val="0"/>
-                </a:srgbClr>
-              </a:clrTo>
-            </a:clrChange>
-            <a:duotone>
-              <a:schemeClr val="accent2">
-                <a:shade val="45000"/>
-                <a:satMod val="135000"/>
-              </a:schemeClr>
-              <a:prstClr val="white"/>
-            </a:duotone>
-            <a:extLst>
-              <a:ext uri="{28A0092B-C50C-407E-A947-70E740481C1C}">
-                <a14:useLocalDpi xmlns:a14="http://schemas.microsoft.com/office/drawing/2010/main" val="0"/>
-              </a:ext>
-            </a:extLst>
-          </a:blip>
-          <a:stretch>
-            <a:fillRect/>
-          </a:stretch>
-        </p:blipFill>
-        <p:spPr>
-          <a:xfrm>
-            <a:off x="151621" y="2122524"/>
-            <a:ext cx="513047" cy="513047"/>
-          </a:xfrm>
-          <a:prstGeom prst="rect">
-            <a:avLst/>
-          </a:prstGeom>
-        </p:spPr>
-      </p:pic>
-      <p:pic>
-        <p:nvPicPr>
-          <p:cNvPr id="17" name="Image 16">
-            <a:extLst>
-              <a:ext uri="{FF2B5EF4-FFF2-40B4-BE49-F238E27FC236}">
-                <a16:creationId xmlns:a16="http://schemas.microsoft.com/office/drawing/2014/main" id="{B82CF53B-C1D0-473D-9333-99F4F6A85061}"/>
-              </a:ext>
-            </a:extLst>
-          </p:cNvPr>
-          <p:cNvPicPr>
-            <a:picLocks noChangeAspect="1"/>
-          </p:cNvPicPr>
-          <p:nvPr/>
-        </p:nvPicPr>
-        <p:blipFill>
-          <a:blip r:embed="rId2">
-            <a:clrChange>
-              <a:clrFrom>
-                <a:srgbClr val="FFFFFF"/>
-              </a:clrFrom>
-              <a:clrTo>
-                <a:srgbClr val="FFFFFF">
-                  <a:alpha val="0"/>
-                </a:srgbClr>
-              </a:clrTo>
-            </a:clrChange>
-            <a:duotone>
-              <a:schemeClr val="accent4">
-                <a:shade val="45000"/>
-                <a:satMod val="135000"/>
-              </a:schemeClr>
-              <a:prstClr val="white"/>
-            </a:duotone>
-            <a:extLst>
-              <a:ext uri="{28A0092B-C50C-407E-A947-70E740481C1C}">
-                <a14:useLocalDpi xmlns:a14="http://schemas.microsoft.com/office/drawing/2010/main" val="0"/>
-              </a:ext>
-            </a:extLst>
-          </a:blip>
-          <a:stretch>
-            <a:fillRect/>
-          </a:stretch>
-        </p:blipFill>
-        <p:spPr>
-          <a:xfrm>
-            <a:off x="151621" y="2379047"/>
-            <a:ext cx="513047" cy="513047"/>
-          </a:xfrm>
-          <a:prstGeom prst="rect">
-            <a:avLst/>
-          </a:prstGeom>
-        </p:spPr>
-      </p:pic>
-      <p:pic>
-        <p:nvPicPr>
-          <p:cNvPr id="18" name="Image 17">
-            <a:extLst>
-              <a:ext uri="{FF2B5EF4-FFF2-40B4-BE49-F238E27FC236}">
-                <a16:creationId xmlns:a16="http://schemas.microsoft.com/office/drawing/2014/main" id="{03C8D1F5-FC78-4A0B-A575-4D921DDAC29E}"/>
-              </a:ext>
-            </a:extLst>
-          </p:cNvPr>
-          <p:cNvPicPr>
-            <a:picLocks noChangeAspect="1"/>
-          </p:cNvPicPr>
-          <p:nvPr/>
-        </p:nvPicPr>
-        <p:blipFill>
-          <a:blip r:embed="rId2">
-            <a:clrChange>
-              <a:clrFrom>
-                <a:srgbClr val="FFFFFF"/>
-              </a:clrFrom>
-              <a:clrTo>
-                <a:srgbClr val="FFFFFF">
-                  <a:alpha val="0"/>
-                </a:srgbClr>
-              </a:clrTo>
-            </a:clrChange>
-            <a:duotone>
-              <a:schemeClr val="accent6">
-                <a:shade val="45000"/>
-                <a:satMod val="135000"/>
-              </a:schemeClr>
-              <a:prstClr val="white"/>
-            </a:duotone>
-            <a:extLst>
-              <a:ext uri="{28A0092B-C50C-407E-A947-70E740481C1C}">
-                <a14:useLocalDpi xmlns:a14="http://schemas.microsoft.com/office/drawing/2010/main" val="0"/>
-              </a:ext>
-            </a:extLst>
-          </a:blip>
-          <a:stretch>
-            <a:fillRect/>
-          </a:stretch>
-        </p:blipFill>
-        <p:spPr>
-          <a:xfrm>
-            <a:off x="151621" y="2635570"/>
-            <a:ext cx="513047" cy="513047"/>
-          </a:xfrm>
-          <a:prstGeom prst="rect">
-            <a:avLst/>
-          </a:prstGeom>
-        </p:spPr>
-      </p:pic>
-      <p:pic>
-        <p:nvPicPr>
-          <p:cNvPr id="20" name="Image 19">
-            <a:extLst>
-              <a:ext uri="{FF2B5EF4-FFF2-40B4-BE49-F238E27FC236}">
-                <a16:creationId xmlns:a16="http://schemas.microsoft.com/office/drawing/2014/main" id="{4F92C752-7248-43F2-93EE-38C290BEE43B}"/>
-              </a:ext>
-            </a:extLst>
-          </p:cNvPr>
-          <p:cNvPicPr>
-            <a:picLocks noChangeAspect="1"/>
-          </p:cNvPicPr>
-          <p:nvPr/>
-        </p:nvPicPr>
-        <p:blipFill>
-          <a:blip r:embed="rId2">
-            <a:clrChange>
-              <a:clrFrom>
-                <a:srgbClr val="FFFFFF"/>
-              </a:clrFrom>
-              <a:clrTo>
-                <a:srgbClr val="FFFFFF">
-                  <a:alpha val="0"/>
-                </a:srgbClr>
-              </a:clrTo>
-            </a:clrChange>
-            <a:duotone>
-              <a:schemeClr val="accent1">
-                <a:shade val="45000"/>
-                <a:satMod val="135000"/>
-              </a:schemeClr>
-              <a:prstClr val="white"/>
-            </a:duotone>
-            <a:extLst>
-              <a:ext uri="{28A0092B-C50C-407E-A947-70E740481C1C}">
-                <a14:useLocalDpi xmlns:a14="http://schemas.microsoft.com/office/drawing/2010/main" val="0"/>
-              </a:ext>
-            </a:extLst>
-          </a:blip>
-          <a:stretch>
-            <a:fillRect/>
-          </a:stretch>
-        </p:blipFill>
-        <p:spPr>
-          <a:xfrm>
-            <a:off x="151623" y="3330491"/>
-            <a:ext cx="513047" cy="513047"/>
-          </a:xfrm>
-          <a:prstGeom prst="rect">
-            <a:avLst/>
-          </a:prstGeom>
-        </p:spPr>
-      </p:pic>
-      <p:pic>
-        <p:nvPicPr>
-          <p:cNvPr id="21" name="Image 20">
-            <a:extLst>
-              <a:ext uri="{FF2B5EF4-FFF2-40B4-BE49-F238E27FC236}">
-                <a16:creationId xmlns:a16="http://schemas.microsoft.com/office/drawing/2014/main" id="{BE25AADA-3D5B-4601-8BEF-02E5CB752643}"/>
-              </a:ext>
-            </a:extLst>
-          </p:cNvPr>
-          <p:cNvPicPr>
-            <a:picLocks noChangeAspect="1"/>
-          </p:cNvPicPr>
-          <p:nvPr/>
-        </p:nvPicPr>
-        <p:blipFill>
-          <a:blip r:embed="rId2">
-            <a:clrChange>
-              <a:clrFrom>
-                <a:srgbClr val="FFFFFF"/>
-              </a:clrFrom>
-              <a:clrTo>
-                <a:srgbClr val="FFFFFF">
-                  <a:alpha val="0"/>
-                </a:srgbClr>
-              </a:clrTo>
-            </a:clrChange>
-            <a:duotone>
-              <a:schemeClr val="accent2">
-                <a:shade val="45000"/>
-                <a:satMod val="135000"/>
-              </a:schemeClr>
-              <a:prstClr val="white"/>
-            </a:duotone>
-            <a:extLst>
-              <a:ext uri="{28A0092B-C50C-407E-A947-70E740481C1C}">
-                <a14:useLocalDpi xmlns:a14="http://schemas.microsoft.com/office/drawing/2010/main" val="0"/>
-              </a:ext>
-            </a:extLst>
-          </a:blip>
-          <a:stretch>
-            <a:fillRect/>
-          </a:stretch>
-        </p:blipFill>
-        <p:spPr>
-          <a:xfrm>
-            <a:off x="151622" y="3587014"/>
-            <a:ext cx="513047" cy="513047"/>
-          </a:xfrm>
-          <a:prstGeom prst="rect">
-            <a:avLst/>
-          </a:prstGeom>
-        </p:spPr>
-      </p:pic>
-      <p:pic>
-        <p:nvPicPr>
-          <p:cNvPr id="22" name="Image 21">
-            <a:extLst>
-              <a:ext uri="{FF2B5EF4-FFF2-40B4-BE49-F238E27FC236}">
-                <a16:creationId xmlns:a16="http://schemas.microsoft.com/office/drawing/2014/main" id="{C203825B-8372-4C74-9EB1-ABCDBC94491C}"/>
-              </a:ext>
-            </a:extLst>
-          </p:cNvPr>
-          <p:cNvPicPr>
-            <a:picLocks noChangeAspect="1"/>
-          </p:cNvPicPr>
-          <p:nvPr/>
-        </p:nvPicPr>
-        <p:blipFill>
-          <a:blip r:embed="rId2">
-            <a:clrChange>
-              <a:clrFrom>
-                <a:srgbClr val="FFFFFF"/>
-              </a:clrFrom>
-              <a:clrTo>
-                <a:srgbClr val="FFFFFF">
-                  <a:alpha val="0"/>
-                </a:srgbClr>
-              </a:clrTo>
-            </a:clrChange>
-            <a:duotone>
-              <a:schemeClr val="accent6">
-                <a:shade val="45000"/>
-                <a:satMod val="135000"/>
-              </a:schemeClr>
-              <a:prstClr val="white"/>
-            </a:duotone>
-            <a:extLst>
-              <a:ext uri="{28A0092B-C50C-407E-A947-70E740481C1C}">
-                <a14:useLocalDpi xmlns:a14="http://schemas.microsoft.com/office/drawing/2010/main" val="0"/>
-              </a:ext>
-            </a:extLst>
-          </a:blip>
-          <a:stretch>
-            <a:fillRect/>
-          </a:stretch>
-        </p:blipFill>
-        <p:spPr>
-          <a:xfrm>
-            <a:off x="151622" y="3833167"/>
-            <a:ext cx="513047" cy="513047"/>
-          </a:xfrm>
-          <a:prstGeom prst="rect">
-            <a:avLst/>
-          </a:prstGeom>
-        </p:spPr>
-      </p:pic>
-      <p:pic>
-        <p:nvPicPr>
-          <p:cNvPr id="24" name="Image 23">
-            <a:extLst>
-              <a:ext uri="{FF2B5EF4-FFF2-40B4-BE49-F238E27FC236}">
-                <a16:creationId xmlns:a16="http://schemas.microsoft.com/office/drawing/2014/main" id="{73F714EB-173F-47B1-A916-7B2D337283C9}"/>
-              </a:ext>
-            </a:extLst>
-          </p:cNvPr>
-          <p:cNvPicPr>
-            <a:picLocks noChangeAspect="1"/>
-          </p:cNvPicPr>
-          <p:nvPr/>
-        </p:nvPicPr>
-        <p:blipFill>
-          <a:blip r:embed="rId2">
-            <a:clrChange>
-              <a:clrFrom>
-                <a:srgbClr val="FFFFFF"/>
-              </a:clrFrom>
-              <a:clrTo>
-                <a:srgbClr val="FFFFFF">
-                  <a:alpha val="0"/>
-                </a:srgbClr>
-              </a:clrTo>
-            </a:clrChange>
-            <a:duotone>
-              <a:schemeClr val="accent2">
-                <a:shade val="45000"/>
-                <a:satMod val="135000"/>
-              </a:schemeClr>
-              <a:prstClr val="white"/>
-            </a:duotone>
-            <a:extLst>
-              <a:ext uri="{28A0092B-C50C-407E-A947-70E740481C1C}">
-                <a14:useLocalDpi xmlns:a14="http://schemas.microsoft.com/office/drawing/2010/main" val="0"/>
-              </a:ext>
-            </a:extLst>
-          </a:blip>
-          <a:stretch>
-            <a:fillRect/>
-          </a:stretch>
-        </p:blipFill>
-        <p:spPr>
-          <a:xfrm>
-            <a:off x="151621" y="4079320"/>
-            <a:ext cx="513047" cy="513047"/>
-          </a:xfrm>
-          <a:prstGeom prst="rect">
-            <a:avLst/>
-          </a:prstGeom>
-        </p:spPr>
-      </p:pic>
-      <p:pic>
-        <p:nvPicPr>
-          <p:cNvPr id="25" name="Image 24">
-            <a:extLst>
-              <a:ext uri="{FF2B5EF4-FFF2-40B4-BE49-F238E27FC236}">
-                <a16:creationId xmlns:a16="http://schemas.microsoft.com/office/drawing/2014/main" id="{5FE78579-98B5-4C77-92E6-C0A360DF6B1E}"/>
-              </a:ext>
-            </a:extLst>
-          </p:cNvPr>
-          <p:cNvPicPr>
-            <a:picLocks noChangeAspect="1"/>
-          </p:cNvPicPr>
-          <p:nvPr/>
-        </p:nvPicPr>
-        <p:blipFill>
-          <a:blip r:embed="rId2">
-            <a:clrChange>
-              <a:clrFrom>
-                <a:srgbClr val="FFFFFF"/>
-              </a:clrFrom>
-              <a:clrTo>
-                <a:srgbClr val="FFFFFF">
-                  <a:alpha val="0"/>
-                </a:srgbClr>
-              </a:clrTo>
-            </a:clrChange>
-            <a:duotone>
-              <a:schemeClr val="accent1">
-                <a:shade val="45000"/>
-                <a:satMod val="135000"/>
-              </a:schemeClr>
-              <a:prstClr val="white"/>
-            </a:duotone>
-            <a:extLst>
-              <a:ext uri="{28A0092B-C50C-407E-A947-70E740481C1C}">
-                <a14:useLocalDpi xmlns:a14="http://schemas.microsoft.com/office/drawing/2010/main" val="0"/>
-              </a:ext>
-            </a:extLst>
-          </a:blip>
-          <a:stretch>
-            <a:fillRect/>
-          </a:stretch>
-        </p:blipFill>
-        <p:spPr>
-          <a:xfrm>
-            <a:off x="151621" y="4341345"/>
-            <a:ext cx="513047" cy="513047"/>
-          </a:xfrm>
-          <a:prstGeom prst="rect">
-            <a:avLst/>
-          </a:prstGeom>
-        </p:spPr>
-      </p:pic>
-      <p:pic>
-        <p:nvPicPr>
-          <p:cNvPr id="26" name="Image 25">
-            <a:extLst>
-              <a:ext uri="{FF2B5EF4-FFF2-40B4-BE49-F238E27FC236}">
-                <a16:creationId xmlns:a16="http://schemas.microsoft.com/office/drawing/2014/main" id="{7FE562E3-A36C-45F0-B14A-B0CAE1C1C62F}"/>
-              </a:ext>
-            </a:extLst>
-          </p:cNvPr>
-          <p:cNvPicPr>
-            <a:picLocks noChangeAspect="1"/>
-          </p:cNvPicPr>
-          <p:nvPr/>
-        </p:nvPicPr>
-        <p:blipFill>
-          <a:blip r:embed="rId2">
-            <a:clrChange>
-              <a:clrFrom>
-                <a:srgbClr val="FFFFFF"/>
-              </a:clrFrom>
-              <a:clrTo>
-                <a:srgbClr val="FFFFFF">
-                  <a:alpha val="0"/>
-                </a:srgbClr>
-              </a:clrTo>
-            </a:clrChange>
-            <a:duotone>
-              <a:schemeClr val="accent4">
-                <a:shade val="45000"/>
-                <a:satMod val="135000"/>
-              </a:schemeClr>
-              <a:prstClr val="white"/>
-            </a:duotone>
-            <a:extLst>
-              <a:ext uri="{28A0092B-C50C-407E-A947-70E740481C1C}">
-                <a14:useLocalDpi xmlns:a14="http://schemas.microsoft.com/office/drawing/2010/main" val="0"/>
-              </a:ext>
-            </a:extLst>
-          </a:blip>
-          <a:stretch>
-            <a:fillRect/>
-          </a:stretch>
-        </p:blipFill>
-        <p:spPr>
-          <a:xfrm>
-            <a:off x="151621" y="4582913"/>
-            <a:ext cx="513047" cy="513047"/>
-          </a:xfrm>
-          <a:prstGeom prst="rect">
-            <a:avLst/>
-          </a:prstGeom>
-        </p:spPr>
-      </p:pic>
-      <p:pic>
-        <p:nvPicPr>
-          <p:cNvPr id="28" name="Image 27">
-            <a:extLst>
-              <a:ext uri="{FF2B5EF4-FFF2-40B4-BE49-F238E27FC236}">
-                <a16:creationId xmlns:a16="http://schemas.microsoft.com/office/drawing/2014/main" id="{77B14E15-AB6E-4DB7-8F25-998E6BAAAE36}"/>
-              </a:ext>
-            </a:extLst>
-          </p:cNvPr>
-          <p:cNvPicPr>
-            <a:picLocks noChangeAspect="1"/>
-          </p:cNvPicPr>
-          <p:nvPr/>
-        </p:nvPicPr>
-        <p:blipFill>
-          <a:blip r:embed="rId2">
-            <a:clrChange>
-              <a:clrFrom>
-                <a:srgbClr val="FFFFFF"/>
-              </a:clrFrom>
-              <a:clrTo>
-                <a:srgbClr val="FFFFFF">
-                  <a:alpha val="0"/>
-                </a:srgbClr>
-              </a:clrTo>
-            </a:clrChange>
-            <a:duotone>
-              <a:schemeClr val="accent1">
-                <a:shade val="45000"/>
-                <a:satMod val="135000"/>
-              </a:schemeClr>
-              <a:prstClr val="white"/>
-            </a:duotone>
-            <a:extLst>
-              <a:ext uri="{28A0092B-C50C-407E-A947-70E740481C1C}">
-                <a14:useLocalDpi xmlns:a14="http://schemas.microsoft.com/office/drawing/2010/main" val="0"/>
-              </a:ext>
-            </a:extLst>
-          </a:blip>
-          <a:stretch>
-            <a:fillRect/>
-          </a:stretch>
-        </p:blipFill>
-        <p:spPr>
-          <a:xfrm>
-            <a:off x="151621" y="4828149"/>
-            <a:ext cx="513047" cy="513047"/>
-          </a:xfrm>
-          <a:prstGeom prst="rect">
-            <a:avLst/>
-          </a:prstGeom>
-        </p:spPr>
-      </p:pic>
-      <p:pic>
-        <p:nvPicPr>
-          <p:cNvPr id="29" name="Image 28">
-            <a:extLst>
-              <a:ext uri="{FF2B5EF4-FFF2-40B4-BE49-F238E27FC236}">
-                <a16:creationId xmlns:a16="http://schemas.microsoft.com/office/drawing/2014/main" id="{BD529388-4EFA-438D-A62C-661D186A80A5}"/>
-              </a:ext>
-            </a:extLst>
-          </p:cNvPr>
-          <p:cNvPicPr>
-            <a:picLocks noChangeAspect="1"/>
-          </p:cNvPicPr>
-          <p:nvPr/>
-        </p:nvPicPr>
-        <p:blipFill>
-          <a:blip r:embed="rId2">
-            <a:clrChange>
-              <a:clrFrom>
-                <a:srgbClr val="FFFFFF"/>
-              </a:clrFrom>
-              <a:clrTo>
-                <a:srgbClr val="FFFFFF">
-                  <a:alpha val="0"/>
-                </a:srgbClr>
-              </a:clrTo>
-            </a:clrChange>
-            <a:duotone>
-              <a:schemeClr val="accent1">
-                <a:shade val="45000"/>
-                <a:satMod val="135000"/>
-              </a:schemeClr>
-              <a:prstClr val="white"/>
-            </a:duotone>
-            <a:extLst>
-              <a:ext uri="{28A0092B-C50C-407E-A947-70E740481C1C}">
-                <a14:useLocalDpi xmlns:a14="http://schemas.microsoft.com/office/drawing/2010/main" val="0"/>
-              </a:ext>
-            </a:extLst>
-          </a:blip>
-          <a:stretch>
-            <a:fillRect/>
-          </a:stretch>
-        </p:blipFill>
-        <p:spPr>
-          <a:xfrm>
-            <a:off x="151621" y="5070888"/>
-            <a:ext cx="513047" cy="513047"/>
-          </a:xfrm>
-          <a:prstGeom prst="rect">
-            <a:avLst/>
-          </a:prstGeom>
-        </p:spPr>
-      </p:pic>
-      <p:pic>
-        <p:nvPicPr>
-          <p:cNvPr id="30" name="Image 29">
-            <a:extLst>
-              <a:ext uri="{FF2B5EF4-FFF2-40B4-BE49-F238E27FC236}">
-                <a16:creationId xmlns:a16="http://schemas.microsoft.com/office/drawing/2014/main" id="{664C552F-D1DD-443B-9432-C1F6F89295A0}"/>
-              </a:ext>
-            </a:extLst>
-          </p:cNvPr>
-          <p:cNvPicPr>
-            <a:picLocks noChangeAspect="1"/>
-          </p:cNvPicPr>
-          <p:nvPr/>
-        </p:nvPicPr>
-        <p:blipFill>
-          <a:blip r:embed="rId2">
-            <a:clrChange>
-              <a:clrFrom>
-                <a:srgbClr val="FFFFFF"/>
-              </a:clrFrom>
-              <a:clrTo>
-                <a:srgbClr val="FFFFFF">
-                  <a:alpha val="0"/>
-                </a:srgbClr>
-              </a:clrTo>
-            </a:clrChange>
-            <a:duotone>
-              <a:schemeClr val="accent6">
-                <a:shade val="45000"/>
-                <a:satMod val="135000"/>
-              </a:schemeClr>
-              <a:prstClr val="white"/>
-            </a:duotone>
-            <a:extLst>
-              <a:ext uri="{28A0092B-C50C-407E-A947-70E740481C1C}">
-                <a14:useLocalDpi xmlns:a14="http://schemas.microsoft.com/office/drawing/2010/main" val="0"/>
-              </a:ext>
-            </a:extLst>
-          </a:blip>
-          <a:stretch>
-            <a:fillRect/>
-          </a:stretch>
-        </p:blipFill>
-        <p:spPr>
-          <a:xfrm>
-            <a:off x="151621" y="5317794"/>
-            <a:ext cx="513047" cy="513047"/>
-          </a:xfrm>
-          <a:prstGeom prst="rect">
-            <a:avLst/>
-          </a:prstGeom>
-        </p:spPr>
-      </p:pic>
-      <p:sp>
-        <p:nvSpPr>
-          <p:cNvPr id="55" name="Rectangle 54">
-            <a:extLst>
-              <a:ext uri="{FF2B5EF4-FFF2-40B4-BE49-F238E27FC236}">
-                <a16:creationId xmlns:a16="http://schemas.microsoft.com/office/drawing/2014/main" id="{42E07B02-525B-4C19-84F3-E0DC9E90F08D}"/>
-              </a:ext>
-            </a:extLst>
-          </p:cNvPr>
-          <p:cNvSpPr/>
-          <p:nvPr/>
-        </p:nvSpPr>
-        <p:spPr>
-          <a:xfrm>
-            <a:off x="2504121" y="3429000"/>
-            <a:ext cx="2394846" cy="3208770"/>
-          </a:xfrm>
-          <a:prstGeom prst="rect">
-            <a:avLst/>
-          </a:prstGeom>
-        </p:spPr>
-        <p:style>
-          <a:lnRef idx="1">
-            <a:schemeClr val="accent1"/>
-          </a:lnRef>
-          <a:fillRef idx="2">
-            <a:schemeClr val="accent1"/>
-          </a:fillRef>
-          <a:effectRef idx="1">
-            <a:schemeClr val="accent1"/>
-          </a:effectRef>
-          <a:fontRef idx="minor">
-            <a:schemeClr val="dk1"/>
-          </a:fontRef>
-        </p:style>
-        <p:txBody>
-          <a:bodyPr rtlCol="0" anchor="ctr"/>
-          <a:lstStyle/>
-          <a:p>
-            <a:pPr algn="ctr"/>
-            <a:endParaRPr lang="fr-FR"/>
-          </a:p>
-        </p:txBody>
-      </p:sp>
-      <p:cxnSp>
-        <p:nvCxnSpPr>
-          <p:cNvPr id="56" name="Connecteur droit 55">
-            <a:extLst>
-              <a:ext uri="{FF2B5EF4-FFF2-40B4-BE49-F238E27FC236}">
-                <a16:creationId xmlns:a16="http://schemas.microsoft.com/office/drawing/2014/main" id="{B396A96C-F86B-4765-AD1E-C35EC3515036}"/>
-              </a:ext>
-            </a:extLst>
-          </p:cNvPr>
-          <p:cNvCxnSpPr>
-            <a:cxnSpLocks/>
-          </p:cNvCxnSpPr>
-          <p:nvPr/>
-        </p:nvCxnSpPr>
-        <p:spPr>
-          <a:xfrm>
-            <a:off x="3017166" y="3429000"/>
-            <a:ext cx="0" cy="3208770"/>
-          </a:xfrm>
-          <a:prstGeom prst="line">
-            <a:avLst/>
-          </a:prstGeom>
-        </p:spPr>
-        <p:style>
-          <a:lnRef idx="1">
-            <a:schemeClr val="accent1"/>
-          </a:lnRef>
-          <a:fillRef idx="0">
-            <a:schemeClr val="accent1"/>
-          </a:fillRef>
-          <a:effectRef idx="0">
-            <a:schemeClr val="accent1"/>
-          </a:effectRef>
-          <a:fontRef idx="minor">
-            <a:schemeClr val="tx1"/>
-          </a:fontRef>
-        </p:style>
-      </p:cxnSp>
-      <p:pic>
-        <p:nvPicPr>
-          <p:cNvPr id="57" name="Image 56">
-            <a:extLst>
-              <a:ext uri="{FF2B5EF4-FFF2-40B4-BE49-F238E27FC236}">
-                <a16:creationId xmlns:a16="http://schemas.microsoft.com/office/drawing/2014/main" id="{3A0F2715-EDAC-4C01-AFF4-EFDDE45AD911}"/>
-              </a:ext>
-            </a:extLst>
-          </p:cNvPr>
-          <p:cNvPicPr>
-            <a:picLocks noChangeAspect="1"/>
-          </p:cNvPicPr>
-          <p:nvPr/>
-        </p:nvPicPr>
-        <p:blipFill>
-          <a:blip r:embed="rId2">
-            <a:clrChange>
-              <a:clrFrom>
-                <a:srgbClr val="FFFFFF"/>
-              </a:clrFrom>
-              <a:clrTo>
-                <a:srgbClr val="FFFFFF">
-                  <a:alpha val="0"/>
-                </a:srgbClr>
-              </a:clrTo>
-            </a:clrChange>
-            <a:duotone>
-              <a:schemeClr val="accent1">
-                <a:shade val="45000"/>
-                <a:satMod val="135000"/>
-              </a:schemeClr>
-              <a:prstClr val="white"/>
-            </a:duotone>
-            <a:extLst>
-              <a:ext uri="{28A0092B-C50C-407E-A947-70E740481C1C}">
-                <a14:useLocalDpi xmlns:a14="http://schemas.microsoft.com/office/drawing/2010/main" val="0"/>
-              </a:ext>
-            </a:extLst>
-          </a:blip>
-          <a:stretch>
-            <a:fillRect/>
-          </a:stretch>
-        </p:blipFill>
-        <p:spPr>
-          <a:xfrm>
-            <a:off x="2504119" y="3330491"/>
-            <a:ext cx="513047" cy="513047"/>
-          </a:xfrm>
-          <a:prstGeom prst="rect">
-            <a:avLst/>
-          </a:prstGeom>
-        </p:spPr>
-      </p:pic>
-      <p:pic>
-        <p:nvPicPr>
-          <p:cNvPr id="58" name="Image 57">
-            <a:extLst>
-              <a:ext uri="{FF2B5EF4-FFF2-40B4-BE49-F238E27FC236}">
-                <a16:creationId xmlns:a16="http://schemas.microsoft.com/office/drawing/2014/main" id="{1C065262-7C2F-4A3C-8E5E-734E45B76059}"/>
-              </a:ext>
-            </a:extLst>
-          </p:cNvPr>
-          <p:cNvPicPr>
-            <a:picLocks noChangeAspect="1"/>
-          </p:cNvPicPr>
-          <p:nvPr/>
-        </p:nvPicPr>
-        <p:blipFill>
-          <a:blip r:embed="rId2">
-            <a:clrChange>
-              <a:clrFrom>
-                <a:srgbClr val="FFFFFF"/>
-              </a:clrFrom>
-              <a:clrTo>
-                <a:srgbClr val="FFFFFF">
-                  <a:alpha val="0"/>
-                </a:srgbClr>
-              </a:clrTo>
-            </a:clrChange>
-            <a:duotone>
-              <a:schemeClr val="accent2">
-                <a:shade val="45000"/>
-                <a:satMod val="135000"/>
-              </a:schemeClr>
-              <a:prstClr val="white"/>
-            </a:duotone>
-            <a:extLst>
-              <a:ext uri="{28A0092B-C50C-407E-A947-70E740481C1C}">
-                <a14:useLocalDpi xmlns:a14="http://schemas.microsoft.com/office/drawing/2010/main" val="0"/>
-              </a:ext>
-            </a:extLst>
-          </a:blip>
-          <a:stretch>
-            <a:fillRect/>
-          </a:stretch>
-        </p:blipFill>
-        <p:spPr>
-          <a:xfrm>
-            <a:off x="2504118" y="3587014"/>
-            <a:ext cx="513047" cy="513047"/>
-          </a:xfrm>
-          <a:prstGeom prst="rect">
-            <a:avLst/>
-          </a:prstGeom>
-        </p:spPr>
-      </p:pic>
-      <p:pic>
-        <p:nvPicPr>
-          <p:cNvPr id="59" name="Image 58">
-            <a:extLst>
-              <a:ext uri="{FF2B5EF4-FFF2-40B4-BE49-F238E27FC236}">
-                <a16:creationId xmlns:a16="http://schemas.microsoft.com/office/drawing/2014/main" id="{B0EAB728-0AAE-4C72-9C7A-3CC2594375A5}"/>
-              </a:ext>
-            </a:extLst>
-          </p:cNvPr>
-          <p:cNvPicPr>
-            <a:picLocks noChangeAspect="1"/>
-          </p:cNvPicPr>
-          <p:nvPr/>
-        </p:nvPicPr>
-        <p:blipFill>
-          <a:blip r:embed="rId2">
-            <a:clrChange>
-              <a:clrFrom>
-                <a:srgbClr val="FFFFFF"/>
-              </a:clrFrom>
-              <a:clrTo>
-                <a:srgbClr val="FFFFFF">
-                  <a:alpha val="0"/>
-                </a:srgbClr>
-              </a:clrTo>
-            </a:clrChange>
-            <a:duotone>
-              <a:schemeClr val="accent6">
-                <a:shade val="45000"/>
-                <a:satMod val="135000"/>
-              </a:schemeClr>
-              <a:prstClr val="white"/>
-            </a:duotone>
-            <a:extLst>
-              <a:ext uri="{28A0092B-C50C-407E-A947-70E740481C1C}">
-                <a14:useLocalDpi xmlns:a14="http://schemas.microsoft.com/office/drawing/2010/main" val="0"/>
-              </a:ext>
-            </a:extLst>
-          </a:blip>
-          <a:stretch>
-            <a:fillRect/>
-          </a:stretch>
-        </p:blipFill>
-        <p:spPr>
-          <a:xfrm>
-            <a:off x="2504118" y="3833167"/>
-            <a:ext cx="513047" cy="513047"/>
-          </a:xfrm>
-          <a:prstGeom prst="rect">
-            <a:avLst/>
-          </a:prstGeom>
-        </p:spPr>
-      </p:pic>
-      <p:pic>
-        <p:nvPicPr>
-          <p:cNvPr id="60" name="Image 59">
-            <a:extLst>
-              <a:ext uri="{FF2B5EF4-FFF2-40B4-BE49-F238E27FC236}">
-                <a16:creationId xmlns:a16="http://schemas.microsoft.com/office/drawing/2014/main" id="{8F85B35E-8972-4E83-A549-8AB923CC74F2}"/>
-              </a:ext>
-            </a:extLst>
-          </p:cNvPr>
-          <p:cNvPicPr>
-            <a:picLocks noChangeAspect="1"/>
-          </p:cNvPicPr>
-          <p:nvPr/>
-        </p:nvPicPr>
-        <p:blipFill>
-          <a:blip r:embed="rId2">
-            <a:clrChange>
-              <a:clrFrom>
-                <a:srgbClr val="FFFFFF"/>
-              </a:clrFrom>
-              <a:clrTo>
-                <a:srgbClr val="FFFFFF">
-                  <a:alpha val="0"/>
-                </a:srgbClr>
-              </a:clrTo>
-            </a:clrChange>
-            <a:duotone>
-              <a:schemeClr val="accent2">
-                <a:shade val="45000"/>
-                <a:satMod val="135000"/>
-              </a:schemeClr>
-              <a:prstClr val="white"/>
-            </a:duotone>
-            <a:extLst>
-              <a:ext uri="{28A0092B-C50C-407E-A947-70E740481C1C}">
-                <a14:useLocalDpi xmlns:a14="http://schemas.microsoft.com/office/drawing/2010/main" val="0"/>
-              </a:ext>
-            </a:extLst>
-          </a:blip>
-          <a:stretch>
-            <a:fillRect/>
-          </a:stretch>
-        </p:blipFill>
-        <p:spPr>
-          <a:xfrm>
-            <a:off x="2504117" y="4079320"/>
-            <a:ext cx="513047" cy="513047"/>
-          </a:xfrm>
-          <a:prstGeom prst="rect">
-            <a:avLst/>
-          </a:prstGeom>
-        </p:spPr>
-      </p:pic>
-      <p:pic>
-        <p:nvPicPr>
-          <p:cNvPr id="61" name="Image 60">
-            <a:extLst>
-              <a:ext uri="{FF2B5EF4-FFF2-40B4-BE49-F238E27FC236}">
-                <a16:creationId xmlns:a16="http://schemas.microsoft.com/office/drawing/2014/main" id="{5A9D611E-4D9C-4C05-8ECC-98F11E8D1EA8}"/>
-              </a:ext>
-            </a:extLst>
-          </p:cNvPr>
-          <p:cNvPicPr>
-            <a:picLocks noChangeAspect="1"/>
-          </p:cNvPicPr>
-          <p:nvPr/>
-        </p:nvPicPr>
-        <p:blipFill>
-          <a:blip r:embed="rId2">
-            <a:clrChange>
-              <a:clrFrom>
-                <a:srgbClr val="FFFFFF"/>
-              </a:clrFrom>
-              <a:clrTo>
-                <a:srgbClr val="FFFFFF">
-                  <a:alpha val="0"/>
-                </a:srgbClr>
-              </a:clrTo>
-            </a:clrChange>
-            <a:duotone>
-              <a:schemeClr val="accent1">
-                <a:shade val="45000"/>
-                <a:satMod val="135000"/>
-              </a:schemeClr>
-              <a:prstClr val="white"/>
-            </a:duotone>
-            <a:extLst>
-              <a:ext uri="{28A0092B-C50C-407E-A947-70E740481C1C}">
-                <a14:useLocalDpi xmlns:a14="http://schemas.microsoft.com/office/drawing/2010/main" val="0"/>
-              </a:ext>
-            </a:extLst>
-          </a:blip>
-          <a:stretch>
-            <a:fillRect/>
-          </a:stretch>
-        </p:blipFill>
-        <p:spPr>
-          <a:xfrm>
-            <a:off x="2504117" y="4341345"/>
-            <a:ext cx="513047" cy="513047"/>
-          </a:xfrm>
-          <a:prstGeom prst="rect">
-            <a:avLst/>
-          </a:prstGeom>
-        </p:spPr>
-      </p:pic>
-      <p:pic>
-        <p:nvPicPr>
-          <p:cNvPr id="62" name="Image 61">
-            <a:extLst>
-              <a:ext uri="{FF2B5EF4-FFF2-40B4-BE49-F238E27FC236}">
-                <a16:creationId xmlns:a16="http://schemas.microsoft.com/office/drawing/2014/main" id="{FAA8FF28-1C15-4389-80EF-DE0B80ACA48E}"/>
-              </a:ext>
-            </a:extLst>
-          </p:cNvPr>
-          <p:cNvPicPr>
-            <a:picLocks noChangeAspect="1"/>
-          </p:cNvPicPr>
-          <p:nvPr/>
-        </p:nvPicPr>
-        <p:blipFill>
-          <a:blip r:embed="rId2">
-            <a:clrChange>
-              <a:clrFrom>
-                <a:srgbClr val="FFFFFF"/>
-              </a:clrFrom>
-              <a:clrTo>
-                <a:srgbClr val="FFFFFF">
-                  <a:alpha val="0"/>
-                </a:srgbClr>
-              </a:clrTo>
-            </a:clrChange>
-            <a:duotone>
-              <a:schemeClr val="accent4">
-                <a:shade val="45000"/>
-                <a:satMod val="135000"/>
-              </a:schemeClr>
-              <a:prstClr val="white"/>
-            </a:duotone>
-            <a:extLst>
-              <a:ext uri="{28A0092B-C50C-407E-A947-70E740481C1C}">
-                <a14:useLocalDpi xmlns:a14="http://schemas.microsoft.com/office/drawing/2010/main" val="0"/>
-              </a:ext>
-            </a:extLst>
-          </a:blip>
-          <a:stretch>
-            <a:fillRect/>
-          </a:stretch>
-        </p:blipFill>
-        <p:spPr>
-          <a:xfrm>
-            <a:off x="2504117" y="4582913"/>
-            <a:ext cx="513047" cy="513047"/>
-          </a:xfrm>
-          <a:prstGeom prst="rect">
-            <a:avLst/>
-          </a:prstGeom>
-        </p:spPr>
-      </p:pic>
-      <p:pic>
-        <p:nvPicPr>
-          <p:cNvPr id="63" name="Image 62">
-            <a:extLst>
-              <a:ext uri="{FF2B5EF4-FFF2-40B4-BE49-F238E27FC236}">
-                <a16:creationId xmlns:a16="http://schemas.microsoft.com/office/drawing/2014/main" id="{420E1359-3F0E-43BA-A3D6-D33D882F94E8}"/>
-              </a:ext>
-            </a:extLst>
-          </p:cNvPr>
-          <p:cNvPicPr>
-            <a:picLocks noChangeAspect="1"/>
-          </p:cNvPicPr>
-          <p:nvPr/>
-        </p:nvPicPr>
-        <p:blipFill>
-          <a:blip r:embed="rId2">
-            <a:clrChange>
-              <a:clrFrom>
-                <a:srgbClr val="FFFFFF"/>
-              </a:clrFrom>
-              <a:clrTo>
-                <a:srgbClr val="FFFFFF">
-                  <a:alpha val="0"/>
-                </a:srgbClr>
-              </a:clrTo>
-            </a:clrChange>
-            <a:duotone>
-              <a:schemeClr val="accent1">
-                <a:shade val="45000"/>
-                <a:satMod val="135000"/>
-              </a:schemeClr>
-              <a:prstClr val="white"/>
-            </a:duotone>
-            <a:extLst>
-              <a:ext uri="{28A0092B-C50C-407E-A947-70E740481C1C}">
-                <a14:useLocalDpi xmlns:a14="http://schemas.microsoft.com/office/drawing/2010/main" val="0"/>
-              </a:ext>
-            </a:extLst>
-          </a:blip>
-          <a:stretch>
-            <a:fillRect/>
-          </a:stretch>
-        </p:blipFill>
-        <p:spPr>
-          <a:xfrm>
-            <a:off x="2504117" y="4828149"/>
-            <a:ext cx="513047" cy="513047"/>
-          </a:xfrm>
-          <a:prstGeom prst="rect">
-            <a:avLst/>
-          </a:prstGeom>
-        </p:spPr>
-      </p:pic>
-      <p:pic>
-        <p:nvPicPr>
-          <p:cNvPr id="64" name="Image 63">
-            <a:extLst>
-              <a:ext uri="{FF2B5EF4-FFF2-40B4-BE49-F238E27FC236}">
-                <a16:creationId xmlns:a16="http://schemas.microsoft.com/office/drawing/2014/main" id="{05876D6C-FD97-408F-A209-5D45DA5FA1D2}"/>
-              </a:ext>
-            </a:extLst>
-          </p:cNvPr>
-          <p:cNvPicPr>
-            <a:picLocks noChangeAspect="1"/>
-          </p:cNvPicPr>
-          <p:nvPr/>
-        </p:nvPicPr>
-        <p:blipFill>
-          <a:blip r:embed="rId2">
-            <a:clrChange>
-              <a:clrFrom>
-                <a:srgbClr val="FFFFFF"/>
-              </a:clrFrom>
-              <a:clrTo>
-                <a:srgbClr val="FFFFFF">
-                  <a:alpha val="0"/>
-                </a:srgbClr>
-              </a:clrTo>
-            </a:clrChange>
-            <a:duotone>
-              <a:schemeClr val="accent1">
-                <a:shade val="45000"/>
-                <a:satMod val="135000"/>
-              </a:schemeClr>
-              <a:prstClr val="white"/>
-            </a:duotone>
-            <a:extLst>
-              <a:ext uri="{28A0092B-C50C-407E-A947-70E740481C1C}">
-                <a14:useLocalDpi xmlns:a14="http://schemas.microsoft.com/office/drawing/2010/main" val="0"/>
-              </a:ext>
-            </a:extLst>
-          </a:blip>
-          <a:stretch>
-            <a:fillRect/>
-          </a:stretch>
-        </p:blipFill>
-        <p:spPr>
-          <a:xfrm>
-            <a:off x="2504117" y="5070888"/>
-            <a:ext cx="513047" cy="513047"/>
-          </a:xfrm>
-          <a:prstGeom prst="rect">
-            <a:avLst/>
-          </a:prstGeom>
-        </p:spPr>
-      </p:pic>
-      <p:pic>
-        <p:nvPicPr>
-          <p:cNvPr id="65" name="Image 64">
-            <a:extLst>
-              <a:ext uri="{FF2B5EF4-FFF2-40B4-BE49-F238E27FC236}">
-                <a16:creationId xmlns:a16="http://schemas.microsoft.com/office/drawing/2014/main" id="{8221675A-6540-48FF-9906-64D5F37A0EF3}"/>
-              </a:ext>
-            </a:extLst>
-          </p:cNvPr>
-          <p:cNvPicPr>
-            <a:picLocks noChangeAspect="1"/>
-          </p:cNvPicPr>
-          <p:nvPr/>
-        </p:nvPicPr>
-        <p:blipFill>
-          <a:blip r:embed="rId2">
-            <a:clrChange>
-              <a:clrFrom>
-                <a:srgbClr val="FFFFFF"/>
-              </a:clrFrom>
-              <a:clrTo>
-                <a:srgbClr val="FFFFFF">
-                  <a:alpha val="0"/>
-                </a:srgbClr>
-              </a:clrTo>
-            </a:clrChange>
-            <a:duotone>
-              <a:schemeClr val="accent6">
-                <a:shade val="45000"/>
-                <a:satMod val="135000"/>
-              </a:schemeClr>
-              <a:prstClr val="white"/>
-            </a:duotone>
-            <a:extLst>
-              <a:ext uri="{28A0092B-C50C-407E-A947-70E740481C1C}">
-                <a14:useLocalDpi xmlns:a14="http://schemas.microsoft.com/office/drawing/2010/main" val="0"/>
-              </a:ext>
-            </a:extLst>
-          </a:blip>
-          <a:stretch>
-            <a:fillRect/>
-          </a:stretch>
-        </p:blipFill>
-        <p:spPr>
-          <a:xfrm>
-            <a:off x="2504117" y="5317794"/>
-            <a:ext cx="513047" cy="513047"/>
-          </a:xfrm>
-          <a:prstGeom prst="rect">
-            <a:avLst/>
-          </a:prstGeom>
-        </p:spPr>
-      </p:pic>
-      <p:sp>
-        <p:nvSpPr>
-          <p:cNvPr id="66" name="Rectangle 65">
-            <a:extLst>
-              <a:ext uri="{FF2B5EF4-FFF2-40B4-BE49-F238E27FC236}">
-                <a16:creationId xmlns:a16="http://schemas.microsoft.com/office/drawing/2014/main" id="{218F2D8C-FBFA-46CA-8282-C969DC4C2A0C}"/>
-              </a:ext>
-            </a:extLst>
-          </p:cNvPr>
-          <p:cNvSpPr/>
-          <p:nvPr/>
-        </p:nvSpPr>
-        <p:spPr>
-          <a:xfrm>
-            <a:off x="5518870" y="4592367"/>
-            <a:ext cx="2394846" cy="1080000"/>
-          </a:xfrm>
-          <a:prstGeom prst="rect">
-            <a:avLst/>
-          </a:prstGeom>
-        </p:spPr>
-        <p:style>
-          <a:lnRef idx="1">
-            <a:schemeClr val="accent1"/>
-          </a:lnRef>
-          <a:fillRef idx="2">
-            <a:schemeClr val="accent1"/>
-          </a:fillRef>
-          <a:effectRef idx="1">
-            <a:schemeClr val="accent1"/>
-          </a:effectRef>
-          <a:fontRef idx="minor">
-            <a:schemeClr val="dk1"/>
-          </a:fontRef>
-        </p:style>
-        <p:txBody>
-          <a:bodyPr rtlCol="0" anchor="ctr"/>
-          <a:lstStyle/>
-          <a:p>
-            <a:pPr algn="ctr"/>
-            <a:endParaRPr lang="fr-FR"/>
-          </a:p>
-        </p:txBody>
-      </p:sp>
-      <p:cxnSp>
-        <p:nvCxnSpPr>
-          <p:cNvPr id="67" name="Connecteur droit 66">
-            <a:extLst>
-              <a:ext uri="{FF2B5EF4-FFF2-40B4-BE49-F238E27FC236}">
-                <a16:creationId xmlns:a16="http://schemas.microsoft.com/office/drawing/2014/main" id="{E64E301A-C87F-4EF8-83AD-7CF38961F6C2}"/>
-              </a:ext>
-            </a:extLst>
-          </p:cNvPr>
-          <p:cNvCxnSpPr>
-            <a:cxnSpLocks/>
-          </p:cNvCxnSpPr>
-          <p:nvPr/>
-        </p:nvCxnSpPr>
-        <p:spPr>
-          <a:xfrm>
-            <a:off x="6031915" y="4592367"/>
-            <a:ext cx="0" cy="1037486"/>
-          </a:xfrm>
-          <a:prstGeom prst="line">
-            <a:avLst/>
-          </a:prstGeom>
-        </p:spPr>
-        <p:style>
-          <a:lnRef idx="1">
-            <a:schemeClr val="accent1"/>
-          </a:lnRef>
-          <a:fillRef idx="0">
-            <a:schemeClr val="accent1"/>
-          </a:fillRef>
-          <a:effectRef idx="0">
-            <a:schemeClr val="accent1"/>
-          </a:effectRef>
-          <a:fontRef idx="minor">
-            <a:schemeClr val="tx1"/>
-          </a:fontRef>
-        </p:style>
-      </p:cxnSp>
-      <p:pic>
-        <p:nvPicPr>
-          <p:cNvPr id="68" name="Image 67">
-            <a:extLst>
-              <a:ext uri="{FF2B5EF4-FFF2-40B4-BE49-F238E27FC236}">
-                <a16:creationId xmlns:a16="http://schemas.microsoft.com/office/drawing/2014/main" id="{DB3B3F7E-0D0B-44FB-9D79-27D316BD54A5}"/>
-              </a:ext>
-            </a:extLst>
-          </p:cNvPr>
-          <p:cNvPicPr>
-            <a:picLocks noChangeAspect="1"/>
-          </p:cNvPicPr>
-          <p:nvPr/>
-        </p:nvPicPr>
-        <p:blipFill>
-          <a:blip r:embed="rId2">
-            <a:clrChange>
-              <a:clrFrom>
-                <a:srgbClr val="FFFFFF"/>
-              </a:clrFrom>
-              <a:clrTo>
-                <a:srgbClr val="FFFFFF">
-                  <a:alpha val="0"/>
-                </a:srgbClr>
-              </a:clrTo>
-            </a:clrChange>
-            <a:duotone>
-              <a:schemeClr val="accent1">
-                <a:shade val="45000"/>
-                <a:satMod val="135000"/>
-              </a:schemeClr>
-              <a:prstClr val="white"/>
-            </a:duotone>
-            <a:extLst>
-              <a:ext uri="{28A0092B-C50C-407E-A947-70E740481C1C}">
-                <a14:useLocalDpi xmlns:a14="http://schemas.microsoft.com/office/drawing/2010/main" val="0"/>
-              </a:ext>
-            </a:extLst>
-          </a:blip>
-          <a:stretch>
-            <a:fillRect/>
-          </a:stretch>
-        </p:blipFill>
-        <p:spPr>
-          <a:xfrm>
-            <a:off x="5518868" y="4493858"/>
-            <a:ext cx="513047" cy="513047"/>
-          </a:xfrm>
-          <a:prstGeom prst="rect">
-            <a:avLst/>
-          </a:prstGeom>
-        </p:spPr>
-      </p:pic>
-      <p:pic>
-        <p:nvPicPr>
-          <p:cNvPr id="69" name="Image 68">
-            <a:extLst>
-              <a:ext uri="{FF2B5EF4-FFF2-40B4-BE49-F238E27FC236}">
-                <a16:creationId xmlns:a16="http://schemas.microsoft.com/office/drawing/2014/main" id="{BF2E896F-310E-46B3-BD05-682261B09D28}"/>
-              </a:ext>
-            </a:extLst>
-          </p:cNvPr>
-          <p:cNvPicPr>
-            <a:picLocks noChangeAspect="1"/>
-          </p:cNvPicPr>
-          <p:nvPr/>
-        </p:nvPicPr>
-        <p:blipFill>
-          <a:blip r:embed="rId2">
-            <a:clrChange>
-              <a:clrFrom>
-                <a:srgbClr val="FFFFFF"/>
-              </a:clrFrom>
-              <a:clrTo>
-                <a:srgbClr val="FFFFFF">
-                  <a:alpha val="0"/>
-                </a:srgbClr>
-              </a:clrTo>
-            </a:clrChange>
-            <a:duotone>
-              <a:schemeClr val="accent2">
-                <a:shade val="45000"/>
-                <a:satMod val="135000"/>
-              </a:schemeClr>
-              <a:prstClr val="white"/>
-            </a:duotone>
-            <a:extLst>
-              <a:ext uri="{28A0092B-C50C-407E-A947-70E740481C1C}">
-                <a14:useLocalDpi xmlns:a14="http://schemas.microsoft.com/office/drawing/2010/main" val="0"/>
-              </a:ext>
-            </a:extLst>
-          </a:blip>
-          <a:stretch>
-            <a:fillRect/>
-          </a:stretch>
-        </p:blipFill>
-        <p:spPr>
-          <a:xfrm>
-            <a:off x="5518867" y="4750381"/>
-            <a:ext cx="513047" cy="513047"/>
-          </a:xfrm>
-          <a:prstGeom prst="rect">
-            <a:avLst/>
-          </a:prstGeom>
-        </p:spPr>
-      </p:pic>
-      <p:pic>
-        <p:nvPicPr>
-          <p:cNvPr id="70" name="Image 69">
-            <a:extLst>
-              <a:ext uri="{FF2B5EF4-FFF2-40B4-BE49-F238E27FC236}">
-                <a16:creationId xmlns:a16="http://schemas.microsoft.com/office/drawing/2014/main" id="{0D88B1FF-4FDC-4C98-8726-1CDCBCD08651}"/>
-              </a:ext>
-            </a:extLst>
-          </p:cNvPr>
-          <p:cNvPicPr>
-            <a:picLocks noChangeAspect="1"/>
-          </p:cNvPicPr>
-          <p:nvPr/>
-        </p:nvPicPr>
-        <p:blipFill>
-          <a:blip r:embed="rId2">
-            <a:clrChange>
-              <a:clrFrom>
-                <a:srgbClr val="FFFFFF"/>
-              </a:clrFrom>
-              <a:clrTo>
-                <a:srgbClr val="FFFFFF">
-                  <a:alpha val="0"/>
-                </a:srgbClr>
-              </a:clrTo>
-            </a:clrChange>
-            <a:duotone>
-              <a:schemeClr val="accent6">
-                <a:shade val="45000"/>
-                <a:satMod val="135000"/>
-              </a:schemeClr>
-              <a:prstClr val="white"/>
-            </a:duotone>
-            <a:extLst>
-              <a:ext uri="{28A0092B-C50C-407E-A947-70E740481C1C}">
-                <a14:useLocalDpi xmlns:a14="http://schemas.microsoft.com/office/drawing/2010/main" val="0"/>
-              </a:ext>
-            </a:extLst>
-          </a:blip>
-          <a:stretch>
-            <a:fillRect/>
-          </a:stretch>
-        </p:blipFill>
-        <p:spPr>
-          <a:xfrm>
-            <a:off x="5518867" y="4996534"/>
-            <a:ext cx="513047" cy="513047"/>
-          </a:xfrm>
-          <a:prstGeom prst="rect">
-            <a:avLst/>
-          </a:prstGeom>
-        </p:spPr>
-      </p:pic>
-      <p:pic>
-        <p:nvPicPr>
-          <p:cNvPr id="73" name="Image 72">
-            <a:extLst>
-              <a:ext uri="{FF2B5EF4-FFF2-40B4-BE49-F238E27FC236}">
-                <a16:creationId xmlns:a16="http://schemas.microsoft.com/office/drawing/2014/main" id="{BB0ECC9B-028D-4317-A1D9-12B25A966947}"/>
-              </a:ext>
-            </a:extLst>
-          </p:cNvPr>
-          <p:cNvPicPr>
-            <a:picLocks noChangeAspect="1"/>
-          </p:cNvPicPr>
-          <p:nvPr/>
-        </p:nvPicPr>
-        <p:blipFill>
-          <a:blip r:embed="rId2">
-            <a:clrChange>
-              <a:clrFrom>
-                <a:srgbClr val="FFFFFF"/>
-              </a:clrFrom>
-              <a:clrTo>
-                <a:srgbClr val="FFFFFF">
-                  <a:alpha val="0"/>
-                </a:srgbClr>
-              </a:clrTo>
-            </a:clrChange>
-            <a:duotone>
-              <a:schemeClr val="accent4">
-                <a:shade val="45000"/>
-                <a:satMod val="135000"/>
-              </a:schemeClr>
-              <a:prstClr val="white"/>
-            </a:duotone>
-            <a:extLst>
-              <a:ext uri="{28A0092B-C50C-407E-A947-70E740481C1C}">
-                <a14:useLocalDpi xmlns:a14="http://schemas.microsoft.com/office/drawing/2010/main" val="0"/>
-              </a:ext>
-            </a:extLst>
-          </a:blip>
-          <a:stretch>
-            <a:fillRect/>
-          </a:stretch>
-        </p:blipFill>
-        <p:spPr>
-          <a:xfrm>
-            <a:off x="5518866" y="5233233"/>
-            <a:ext cx="513047" cy="513047"/>
-          </a:xfrm>
-          <a:prstGeom prst="rect">
-            <a:avLst/>
-          </a:prstGeom>
-        </p:spPr>
-      </p:pic>
-      <p:sp>
-        <p:nvSpPr>
-          <p:cNvPr id="79" name="Rectangle 78">
-            <a:extLst>
-              <a:ext uri="{FF2B5EF4-FFF2-40B4-BE49-F238E27FC236}">
-                <a16:creationId xmlns:a16="http://schemas.microsoft.com/office/drawing/2014/main" id="{9969A824-CB2A-4BEA-91DA-BABC013AA86C}"/>
-              </a:ext>
-            </a:extLst>
-          </p:cNvPr>
-          <p:cNvSpPr/>
-          <p:nvPr/>
-        </p:nvSpPr>
-        <p:spPr>
-          <a:xfrm>
-            <a:off x="6073135" y="1949326"/>
-            <a:ext cx="1073121" cy="1080000"/>
-          </a:xfrm>
-          <a:prstGeom prst="rect">
-            <a:avLst/>
-          </a:prstGeom>
-        </p:spPr>
-        <p:style>
-          <a:lnRef idx="1">
-            <a:schemeClr val="accent2"/>
-          </a:lnRef>
-          <a:fillRef idx="2">
-            <a:schemeClr val="accent2"/>
-          </a:fillRef>
-          <a:effectRef idx="1">
-            <a:schemeClr val="accent2"/>
-          </a:effectRef>
-          <a:fontRef idx="minor">
-            <a:schemeClr val="dk1"/>
-          </a:fontRef>
-        </p:style>
-        <p:txBody>
-          <a:bodyPr rtlCol="0" anchor="ctr"/>
-          <a:lstStyle/>
-          <a:p>
-            <a:pPr algn="ctr"/>
-            <a:endParaRPr lang="fr-FR"/>
-          </a:p>
-        </p:txBody>
-      </p:sp>
-      <p:pic>
-        <p:nvPicPr>
-          <p:cNvPr id="80" name="Image 79">
-            <a:extLst>
-              <a:ext uri="{FF2B5EF4-FFF2-40B4-BE49-F238E27FC236}">
-                <a16:creationId xmlns:a16="http://schemas.microsoft.com/office/drawing/2014/main" id="{72DE3DA3-F786-4F57-824D-8B123F9580AA}"/>
-              </a:ext>
-            </a:extLst>
-          </p:cNvPr>
-          <p:cNvPicPr>
-            <a:picLocks noChangeAspect="1"/>
-          </p:cNvPicPr>
-          <p:nvPr/>
-        </p:nvPicPr>
-        <p:blipFill>
-          <a:blip r:embed="rId2">
-            <a:clrChange>
-              <a:clrFrom>
-                <a:srgbClr val="FFFFFF"/>
-              </a:clrFrom>
-              <a:clrTo>
-                <a:srgbClr val="FFFFFF">
-                  <a:alpha val="0"/>
-                </a:srgbClr>
-              </a:clrTo>
-            </a:clrChange>
-            <a:duotone>
-              <a:schemeClr val="accent1">
-                <a:shade val="45000"/>
-                <a:satMod val="135000"/>
-              </a:schemeClr>
-              <a:prstClr val="white"/>
-            </a:duotone>
-            <a:extLst>
-              <a:ext uri="{28A0092B-C50C-407E-A947-70E740481C1C}">
-                <a14:useLocalDpi xmlns:a14="http://schemas.microsoft.com/office/drawing/2010/main" val="0"/>
-              </a:ext>
-            </a:extLst>
-          </a:blip>
-          <a:stretch>
-            <a:fillRect/>
-          </a:stretch>
-        </p:blipFill>
-        <p:spPr>
-          <a:xfrm>
-            <a:off x="6073135" y="1866001"/>
-            <a:ext cx="513047" cy="513047"/>
-          </a:xfrm>
-          <a:prstGeom prst="rect">
-            <a:avLst/>
-          </a:prstGeom>
-        </p:spPr>
-      </p:pic>
-      <p:cxnSp>
-        <p:nvCxnSpPr>
-          <p:cNvPr id="81" name="Connecteur droit 80">
-            <a:extLst>
-              <a:ext uri="{FF2B5EF4-FFF2-40B4-BE49-F238E27FC236}">
-                <a16:creationId xmlns:a16="http://schemas.microsoft.com/office/drawing/2014/main" id="{185DBD48-5859-44B2-9E49-D3B66F2FA41A}"/>
-              </a:ext>
-            </a:extLst>
-          </p:cNvPr>
-          <p:cNvCxnSpPr>
-            <a:cxnSpLocks/>
-          </p:cNvCxnSpPr>
-          <p:nvPr/>
-        </p:nvCxnSpPr>
-        <p:spPr>
-          <a:xfrm>
-            <a:off x="6586182" y="1949327"/>
-            <a:ext cx="0" cy="1063877"/>
-          </a:xfrm>
-          <a:prstGeom prst="line">
-            <a:avLst/>
-          </a:prstGeom>
-        </p:spPr>
-        <p:style>
-          <a:lnRef idx="1">
-            <a:schemeClr val="accent2"/>
-          </a:lnRef>
-          <a:fillRef idx="0">
-            <a:schemeClr val="accent2"/>
-          </a:fillRef>
-          <a:effectRef idx="0">
-            <a:schemeClr val="accent2"/>
-          </a:effectRef>
-          <a:fontRef idx="minor">
-            <a:schemeClr val="tx1"/>
-          </a:fontRef>
-        </p:style>
-      </p:cxnSp>
-      <p:pic>
-        <p:nvPicPr>
-          <p:cNvPr id="82" name="Image 81">
-            <a:extLst>
-              <a:ext uri="{FF2B5EF4-FFF2-40B4-BE49-F238E27FC236}">
-                <a16:creationId xmlns:a16="http://schemas.microsoft.com/office/drawing/2014/main" id="{BA49DDEF-D3DF-4FBA-983A-428F80558EF8}"/>
-              </a:ext>
-            </a:extLst>
-          </p:cNvPr>
-          <p:cNvPicPr>
-            <a:picLocks noChangeAspect="1"/>
-          </p:cNvPicPr>
-          <p:nvPr/>
-        </p:nvPicPr>
-        <p:blipFill>
-          <a:blip r:embed="rId2">
-            <a:clrChange>
-              <a:clrFrom>
-                <a:srgbClr val="FFFFFF"/>
-              </a:clrFrom>
-              <a:clrTo>
-                <a:srgbClr val="FFFFFF">
-                  <a:alpha val="0"/>
-                </a:srgbClr>
-              </a:clrTo>
-            </a:clrChange>
-            <a:duotone>
-              <a:schemeClr val="accent2">
-                <a:shade val="45000"/>
-                <a:satMod val="135000"/>
-              </a:schemeClr>
-              <a:prstClr val="white"/>
-            </a:duotone>
-            <a:extLst>
-              <a:ext uri="{28A0092B-C50C-407E-A947-70E740481C1C}">
-                <a14:useLocalDpi xmlns:a14="http://schemas.microsoft.com/office/drawing/2010/main" val="0"/>
-              </a:ext>
-            </a:extLst>
-          </a:blip>
-          <a:stretch>
-            <a:fillRect/>
-          </a:stretch>
-        </p:blipFill>
-        <p:spPr>
-          <a:xfrm>
-            <a:off x="6073135" y="2122524"/>
-            <a:ext cx="513047" cy="513047"/>
-          </a:xfrm>
-          <a:prstGeom prst="rect">
-            <a:avLst/>
-          </a:prstGeom>
-        </p:spPr>
-      </p:pic>
-      <p:pic>
-        <p:nvPicPr>
-          <p:cNvPr id="83" name="Image 82">
-            <a:extLst>
-              <a:ext uri="{FF2B5EF4-FFF2-40B4-BE49-F238E27FC236}">
-                <a16:creationId xmlns:a16="http://schemas.microsoft.com/office/drawing/2014/main" id="{7F553A8E-5A6C-4567-8C4C-901B8F73F853}"/>
-              </a:ext>
-            </a:extLst>
-          </p:cNvPr>
-          <p:cNvPicPr>
-            <a:picLocks noChangeAspect="1"/>
-          </p:cNvPicPr>
-          <p:nvPr/>
-        </p:nvPicPr>
-        <p:blipFill>
-          <a:blip r:embed="rId2">
-            <a:clrChange>
-              <a:clrFrom>
-                <a:srgbClr val="FFFFFF"/>
-              </a:clrFrom>
-              <a:clrTo>
-                <a:srgbClr val="FFFFFF">
-                  <a:alpha val="0"/>
-                </a:srgbClr>
-              </a:clrTo>
-            </a:clrChange>
-            <a:duotone>
-              <a:schemeClr val="accent4">
-                <a:shade val="45000"/>
-                <a:satMod val="135000"/>
-              </a:schemeClr>
-              <a:prstClr val="white"/>
-            </a:duotone>
-            <a:extLst>
-              <a:ext uri="{28A0092B-C50C-407E-A947-70E740481C1C}">
-                <a14:useLocalDpi xmlns:a14="http://schemas.microsoft.com/office/drawing/2010/main" val="0"/>
-              </a:ext>
-            </a:extLst>
-          </a:blip>
-          <a:stretch>
-            <a:fillRect/>
-          </a:stretch>
-        </p:blipFill>
-        <p:spPr>
-          <a:xfrm>
-            <a:off x="6073135" y="2379047"/>
-            <a:ext cx="513047" cy="513047"/>
-          </a:xfrm>
-          <a:prstGeom prst="rect">
-            <a:avLst/>
-          </a:prstGeom>
-        </p:spPr>
-      </p:pic>
-      <p:pic>
-        <p:nvPicPr>
-          <p:cNvPr id="84" name="Image 83">
-            <a:extLst>
-              <a:ext uri="{FF2B5EF4-FFF2-40B4-BE49-F238E27FC236}">
-                <a16:creationId xmlns:a16="http://schemas.microsoft.com/office/drawing/2014/main" id="{13464B2C-FD76-4E94-9C66-6AF2333116E7}"/>
-              </a:ext>
-            </a:extLst>
-          </p:cNvPr>
-          <p:cNvPicPr>
-            <a:picLocks noChangeAspect="1"/>
-          </p:cNvPicPr>
-          <p:nvPr/>
-        </p:nvPicPr>
-        <p:blipFill>
-          <a:blip r:embed="rId2">
-            <a:clrChange>
-              <a:clrFrom>
-                <a:srgbClr val="FFFFFF"/>
-              </a:clrFrom>
-              <a:clrTo>
-                <a:srgbClr val="FFFFFF">
-                  <a:alpha val="0"/>
-                </a:srgbClr>
-              </a:clrTo>
-            </a:clrChange>
-            <a:duotone>
-              <a:schemeClr val="accent6">
-                <a:shade val="45000"/>
-                <a:satMod val="135000"/>
-              </a:schemeClr>
-              <a:prstClr val="white"/>
-            </a:duotone>
-            <a:extLst>
-              <a:ext uri="{28A0092B-C50C-407E-A947-70E740481C1C}">
-                <a14:useLocalDpi xmlns:a14="http://schemas.microsoft.com/office/drawing/2010/main" val="0"/>
-              </a:ext>
-            </a:extLst>
-          </a:blip>
-          <a:stretch>
-            <a:fillRect/>
-          </a:stretch>
-        </p:blipFill>
-        <p:spPr>
-          <a:xfrm>
-            <a:off x="6073135" y="2635570"/>
-            <a:ext cx="513047" cy="513047"/>
-          </a:xfrm>
-          <a:prstGeom prst="rect">
-            <a:avLst/>
-          </a:prstGeom>
-        </p:spPr>
-      </p:pic>
-      <p:sp>
-        <p:nvSpPr>
-          <p:cNvPr id="85" name="Forme libre : forme 84">
-            <a:extLst>
-              <a:ext uri="{FF2B5EF4-FFF2-40B4-BE49-F238E27FC236}">
-                <a16:creationId xmlns:a16="http://schemas.microsoft.com/office/drawing/2014/main" id="{AB046A03-BE7F-47BA-8452-E5E334BC99A0}"/>
-              </a:ext>
-            </a:extLst>
-          </p:cNvPr>
-          <p:cNvSpPr/>
-          <p:nvPr/>
-        </p:nvSpPr>
-        <p:spPr>
-          <a:xfrm>
-            <a:off x="1684712" y="2981443"/>
-            <a:ext cx="825732" cy="382441"/>
-          </a:xfrm>
-          <a:custGeom>
-            <a:avLst/>
-            <a:gdLst>
-              <a:gd name="connsiteX0" fmla="*/ 0 w 1889760"/>
-              <a:gd name="connsiteY0" fmla="*/ 382441 h 382441"/>
-              <a:gd name="connsiteX1" fmla="*/ 958735 w 1889760"/>
-              <a:gd name="connsiteY1" fmla="*/ 55 h 382441"/>
-              <a:gd name="connsiteX2" fmla="*/ 1889760 w 1889760"/>
-              <a:gd name="connsiteY2" fmla="*/ 360273 h 382441"/>
-            </a:gdLst>
-            <a:ahLst/>
-            <a:cxnLst>
-              <a:cxn ang="0">
-                <a:pos x="connsiteX0" y="connsiteY0"/>
-              </a:cxn>
-              <a:cxn ang="0">
-                <a:pos x="connsiteX1" y="connsiteY1"/>
-              </a:cxn>
-              <a:cxn ang="0">
-                <a:pos x="connsiteX2" y="connsiteY2"/>
-              </a:cxn>
-            </a:cxnLst>
-            <a:rect l="l" t="t" r="r" b="b"/>
-            <a:pathLst>
-              <a:path w="1889760" h="382441">
-                <a:moveTo>
-                  <a:pt x="0" y="382441"/>
-                </a:moveTo>
-                <a:cubicBezTo>
-                  <a:pt x="321887" y="193095"/>
-                  <a:pt x="643775" y="3750"/>
-                  <a:pt x="958735" y="55"/>
-                </a:cubicBezTo>
-                <a:cubicBezTo>
-                  <a:pt x="1273695" y="-3640"/>
-                  <a:pt x="1581727" y="178316"/>
-                  <a:pt x="1889760" y="360273"/>
-                </a:cubicBezTo>
-              </a:path>
-            </a:pathLst>
-          </a:custGeom>
-          <a:ln w="9525" cap="flat" cmpd="sng" algn="ctr">
-            <a:solidFill>
-              <a:schemeClr val="dk1"/>
-            </a:solidFill>
-            <a:prstDash val="solid"/>
-            <a:round/>
-            <a:headEnd type="none" w="med" len="med"/>
-            <a:tailEnd type="arrow" w="med" len="med"/>
-          </a:ln>
-        </p:spPr>
-        <p:style>
-          <a:lnRef idx="0">
-            <a:scrgbClr r="0" g="0" b="0"/>
-          </a:lnRef>
-          <a:fillRef idx="0">
-            <a:scrgbClr r="0" g="0" b="0"/>
-          </a:fillRef>
-          <a:effectRef idx="0">
-            <a:scrgbClr r="0" g="0" b="0"/>
-          </a:effectRef>
-          <a:fontRef idx="minor">
-            <a:schemeClr val="tx1"/>
-          </a:fontRef>
-        </p:style>
-        <p:txBody>
-          <a:bodyPr rtlCol="0" anchor="ctr"/>
-          <a:lstStyle/>
-          <a:p>
-            <a:pPr algn="ctr"/>
-            <a:endParaRPr lang="fr-FR"/>
-          </a:p>
-        </p:txBody>
-      </p:sp>
-      <p:sp>
-        <p:nvSpPr>
-          <p:cNvPr id="87" name="Forme libre : forme 86">
-            <a:extLst>
-              <a:ext uri="{FF2B5EF4-FFF2-40B4-BE49-F238E27FC236}">
-                <a16:creationId xmlns:a16="http://schemas.microsoft.com/office/drawing/2014/main" id="{D55CC1EF-DC2E-4FB0-96AA-1264ECA9B47F}"/>
-              </a:ext>
-            </a:extLst>
-          </p:cNvPr>
-          <p:cNvSpPr/>
-          <p:nvPr/>
-        </p:nvSpPr>
-        <p:spPr>
-          <a:xfrm>
-            <a:off x="4910051" y="2976826"/>
-            <a:ext cx="631767" cy="1534214"/>
-          </a:xfrm>
-          <a:custGeom>
-            <a:avLst/>
-            <a:gdLst>
-              <a:gd name="connsiteX0" fmla="*/ 0 w 631767"/>
-              <a:gd name="connsiteY0" fmla="*/ 392599 h 1534214"/>
-              <a:gd name="connsiteX1" fmla="*/ 288174 w 631767"/>
-              <a:gd name="connsiteY1" fmla="*/ 65632 h 1534214"/>
-              <a:gd name="connsiteX2" fmla="*/ 631767 w 631767"/>
-              <a:gd name="connsiteY2" fmla="*/ 1534214 h 1534214"/>
-            </a:gdLst>
-            <a:ahLst/>
-            <a:cxnLst>
-              <a:cxn ang="0">
-                <a:pos x="connsiteX0" y="connsiteY0"/>
-              </a:cxn>
-              <a:cxn ang="0">
-                <a:pos x="connsiteX1" y="connsiteY1"/>
-              </a:cxn>
-              <a:cxn ang="0">
-                <a:pos x="connsiteX2" y="connsiteY2"/>
-              </a:cxn>
-            </a:cxnLst>
-            <a:rect l="l" t="t" r="r" b="b"/>
-            <a:pathLst>
-              <a:path w="631767" h="1534214">
-                <a:moveTo>
-                  <a:pt x="0" y="392599"/>
-                </a:moveTo>
-                <a:cubicBezTo>
-                  <a:pt x="91440" y="133981"/>
-                  <a:pt x="182880" y="-124637"/>
-                  <a:pt x="288174" y="65632"/>
-                </a:cubicBezTo>
-                <a:cubicBezTo>
-                  <a:pt x="393468" y="255901"/>
-                  <a:pt x="512617" y="895057"/>
-                  <a:pt x="631767" y="1534214"/>
-                </a:cubicBezTo>
-              </a:path>
-            </a:pathLst>
-          </a:custGeom>
-          <a:ln w="9525" cap="flat" cmpd="sng" algn="ctr">
-            <a:solidFill>
-              <a:schemeClr val="dk1"/>
-            </a:solidFill>
-            <a:prstDash val="solid"/>
-            <a:round/>
-            <a:headEnd type="none" w="med" len="med"/>
-            <a:tailEnd type="arrow" w="med" len="med"/>
-          </a:ln>
-        </p:spPr>
-        <p:style>
-          <a:lnRef idx="0">
-            <a:scrgbClr r="0" g="0" b="0"/>
-          </a:lnRef>
-          <a:fillRef idx="0">
-            <a:scrgbClr r="0" g="0" b="0"/>
-          </a:fillRef>
-          <a:effectRef idx="0">
-            <a:scrgbClr r="0" g="0" b="0"/>
-          </a:effectRef>
-          <a:fontRef idx="minor">
-            <a:schemeClr val="tx1"/>
-          </a:fontRef>
-        </p:style>
-        <p:txBody>
-          <a:bodyPr rtlCol="0" anchor="ctr"/>
-          <a:lstStyle/>
-          <a:p>
-            <a:pPr algn="ctr"/>
-            <a:endParaRPr lang="fr-FR"/>
-          </a:p>
-        </p:txBody>
-      </p:sp>
-      <p:sp>
-        <p:nvSpPr>
-          <p:cNvPr id="88" name="ZoneTexte 87">
-            <a:extLst>
-              <a:ext uri="{FF2B5EF4-FFF2-40B4-BE49-F238E27FC236}">
-                <a16:creationId xmlns:a16="http://schemas.microsoft.com/office/drawing/2014/main" id="{2D6BEAAF-0323-4E4B-B0B2-018643F2BE4B}"/>
-              </a:ext>
-            </a:extLst>
-          </p:cNvPr>
-          <p:cNvSpPr txBox="1"/>
-          <p:nvPr/>
-        </p:nvSpPr>
-        <p:spPr>
-          <a:xfrm>
-            <a:off x="1250028" y="2687363"/>
-            <a:ext cx="1695100" cy="307777"/>
-          </a:xfrm>
-          <a:prstGeom prst="rect">
-            <a:avLst/>
-          </a:prstGeom>
-          <a:noFill/>
-        </p:spPr>
-        <p:txBody>
-          <a:bodyPr wrap="square">
-            <a:spAutoFit/>
-          </a:bodyPr>
-          <a:lstStyle/>
-          <a:p>
-            <a:pPr algn="ctr"/>
-            <a:r>
-              <a:rPr lang="fr-FR" sz="1400" dirty="0" err="1">
-                <a:latin typeface="Arial" panose="020B0604020202020204" pitchFamily="34" charset="0"/>
-                <a:cs typeface="Arial" panose="020B0604020202020204" pitchFamily="34" charset="0"/>
-              </a:rPr>
-              <a:t>OneHotEncoder</a:t>
-            </a:r>
-            <a:endParaRPr lang="fr-FR" sz="1400" dirty="0">
-              <a:latin typeface="Arial" panose="020B0604020202020204" pitchFamily="34" charset="0"/>
-              <a:cs typeface="Arial" panose="020B0604020202020204" pitchFamily="34" charset="0"/>
-            </a:endParaRPr>
-          </a:p>
-        </p:txBody>
-      </p:sp>
-      <p:sp>
-        <p:nvSpPr>
-          <p:cNvPr id="89" name="ZoneTexte 88">
-            <a:extLst>
-              <a:ext uri="{FF2B5EF4-FFF2-40B4-BE49-F238E27FC236}">
-                <a16:creationId xmlns:a16="http://schemas.microsoft.com/office/drawing/2014/main" id="{5C9FBC85-738F-4F06-81B2-B4750C464C3E}"/>
-              </a:ext>
-            </a:extLst>
-          </p:cNvPr>
-          <p:cNvSpPr txBox="1"/>
-          <p:nvPr/>
-        </p:nvSpPr>
-        <p:spPr>
-          <a:xfrm>
-            <a:off x="4742673" y="2676722"/>
-            <a:ext cx="1064024" cy="307777"/>
-          </a:xfrm>
-          <a:prstGeom prst="rect">
-            <a:avLst/>
-          </a:prstGeom>
-          <a:noFill/>
-        </p:spPr>
-        <p:txBody>
-          <a:bodyPr wrap="square">
-            <a:spAutoFit/>
-          </a:bodyPr>
-          <a:lstStyle/>
-          <a:p>
-            <a:pPr algn="ctr"/>
-            <a:r>
-              <a:rPr lang="fr-FR" sz="1400" dirty="0" err="1">
-                <a:latin typeface="Arial" panose="020B0604020202020204" pitchFamily="34" charset="0"/>
-                <a:cs typeface="Arial" panose="020B0604020202020204" pitchFamily="34" charset="0"/>
-              </a:rPr>
-              <a:t>groupby</a:t>
-            </a:r>
-            <a:endParaRPr lang="fr-FR" sz="1400" dirty="0">
-              <a:latin typeface="Arial" panose="020B0604020202020204" pitchFamily="34" charset="0"/>
-              <a:cs typeface="Arial" panose="020B0604020202020204" pitchFamily="34" charset="0"/>
-            </a:endParaRPr>
-          </a:p>
-        </p:txBody>
-      </p:sp>
-      <p:sp>
-        <p:nvSpPr>
-          <p:cNvPr id="90" name="Rectangle 89">
-            <a:extLst>
-              <a:ext uri="{FF2B5EF4-FFF2-40B4-BE49-F238E27FC236}">
-                <a16:creationId xmlns:a16="http://schemas.microsoft.com/office/drawing/2014/main" id="{ECCF058B-1447-48D3-BF54-038AB6CC4E52}"/>
-              </a:ext>
-            </a:extLst>
-          </p:cNvPr>
-          <p:cNvSpPr/>
-          <p:nvPr/>
-        </p:nvSpPr>
-        <p:spPr>
-          <a:xfrm>
-            <a:off x="7146256" y="1949326"/>
-            <a:ext cx="1881803" cy="1080000"/>
-          </a:xfrm>
-          <a:prstGeom prst="rect">
-            <a:avLst/>
-          </a:prstGeom>
-        </p:spPr>
-        <p:style>
-          <a:lnRef idx="1">
-            <a:schemeClr val="accent1"/>
-          </a:lnRef>
-          <a:fillRef idx="2">
-            <a:schemeClr val="accent1"/>
-          </a:fillRef>
-          <a:effectRef idx="1">
-            <a:schemeClr val="accent1"/>
-          </a:effectRef>
-          <a:fontRef idx="minor">
-            <a:schemeClr val="dk1"/>
-          </a:fontRef>
-        </p:style>
-        <p:txBody>
-          <a:bodyPr rtlCol="0" anchor="ctr"/>
-          <a:lstStyle/>
-          <a:p>
-            <a:pPr algn="ctr"/>
-            <a:endParaRPr lang="fr-FR"/>
-          </a:p>
-        </p:txBody>
-      </p:sp>
-      <p:cxnSp>
-        <p:nvCxnSpPr>
-          <p:cNvPr id="92" name="Connecteur droit avec flèche 91">
-            <a:extLst>
-              <a:ext uri="{FF2B5EF4-FFF2-40B4-BE49-F238E27FC236}">
-                <a16:creationId xmlns:a16="http://schemas.microsoft.com/office/drawing/2014/main" id="{50B27562-EA17-4DEE-A1F3-5E69C28C94A2}"/>
-              </a:ext>
-            </a:extLst>
-          </p:cNvPr>
-          <p:cNvCxnSpPr>
-            <a:cxnSpLocks/>
-          </p:cNvCxnSpPr>
-          <p:nvPr/>
-        </p:nvCxnSpPr>
-        <p:spPr>
-          <a:xfrm flipV="1">
-            <a:off x="7094607" y="3227432"/>
-            <a:ext cx="0" cy="1232209"/>
-          </a:xfrm>
-          <a:prstGeom prst="straightConnector1">
-            <a:avLst/>
-          </a:prstGeom>
-          <a:ln w="9525" cap="flat" cmpd="sng" algn="ctr">
-            <a:solidFill>
-              <a:schemeClr val="dk1"/>
-            </a:solidFill>
-            <a:prstDash val="solid"/>
-            <a:round/>
-            <a:headEnd type="none" w="med" len="med"/>
-            <a:tailEnd type="arrow" w="med" len="med"/>
-          </a:ln>
-        </p:spPr>
-        <p:style>
-          <a:lnRef idx="0">
-            <a:scrgbClr r="0" g="0" b="0"/>
-          </a:lnRef>
-          <a:fillRef idx="0">
-            <a:scrgbClr r="0" g="0" b="0"/>
-          </a:fillRef>
-          <a:effectRef idx="0">
-            <a:scrgbClr r="0" g="0" b="0"/>
-          </a:effectRef>
-          <a:fontRef idx="minor">
-            <a:schemeClr val="tx1"/>
-          </a:fontRef>
-        </p:style>
-      </p:cxnSp>
-      <p:sp>
-        <p:nvSpPr>
-          <p:cNvPr id="93" name="ZoneTexte 92">
-            <a:extLst>
-              <a:ext uri="{FF2B5EF4-FFF2-40B4-BE49-F238E27FC236}">
-                <a16:creationId xmlns:a16="http://schemas.microsoft.com/office/drawing/2014/main" id="{5EA83C9A-C612-4BE4-93FC-D4F8368CF9E1}"/>
-              </a:ext>
-            </a:extLst>
-          </p:cNvPr>
-          <p:cNvSpPr txBox="1"/>
-          <p:nvPr/>
-        </p:nvSpPr>
-        <p:spPr>
-          <a:xfrm>
-            <a:off x="6902690" y="3723060"/>
-            <a:ext cx="1064024" cy="307777"/>
-          </a:xfrm>
-          <a:prstGeom prst="rect">
-            <a:avLst/>
-          </a:prstGeom>
-          <a:noFill/>
-        </p:spPr>
-        <p:txBody>
-          <a:bodyPr wrap="square">
-            <a:spAutoFit/>
-          </a:bodyPr>
-          <a:lstStyle/>
-          <a:p>
-            <a:pPr algn="ctr"/>
-            <a:r>
-              <a:rPr lang="fr-FR" sz="1400" dirty="0">
-                <a:latin typeface="Arial" panose="020B0604020202020204" pitchFamily="34" charset="0"/>
-                <a:cs typeface="Arial" panose="020B0604020202020204" pitchFamily="34" charset="0"/>
-              </a:rPr>
-              <a:t>merge</a:t>
-            </a:r>
-          </a:p>
-        </p:txBody>
-      </p:sp>
-      <p:cxnSp>
-        <p:nvCxnSpPr>
-          <p:cNvPr id="94" name="Connecteur droit 93">
-            <a:extLst>
-              <a:ext uri="{FF2B5EF4-FFF2-40B4-BE49-F238E27FC236}">
-                <a16:creationId xmlns:a16="http://schemas.microsoft.com/office/drawing/2014/main" id="{390697D3-24D9-4BA3-8902-BA20696B6959}"/>
-              </a:ext>
-            </a:extLst>
-          </p:cNvPr>
-          <p:cNvCxnSpPr>
-            <a:cxnSpLocks/>
-          </p:cNvCxnSpPr>
-          <p:nvPr/>
-        </p:nvCxnSpPr>
-        <p:spPr>
-          <a:xfrm>
-            <a:off x="4219741" y="3429000"/>
-            <a:ext cx="0" cy="3208770"/>
-          </a:xfrm>
-          <a:prstGeom prst="line">
-            <a:avLst/>
-          </a:prstGeom>
-        </p:spPr>
-        <p:style>
-          <a:lnRef idx="1">
-            <a:schemeClr val="accent1"/>
-          </a:lnRef>
-          <a:fillRef idx="0">
-            <a:schemeClr val="accent1"/>
-          </a:fillRef>
-          <a:effectRef idx="0">
-            <a:schemeClr val="accent1"/>
-          </a:effectRef>
-          <a:fontRef idx="minor">
-            <a:schemeClr val="tx1"/>
-          </a:fontRef>
-        </p:style>
-      </p:cxnSp>
-      <p:sp>
-        <p:nvSpPr>
-          <p:cNvPr id="95" name="ZoneTexte 94">
-            <a:extLst>
-              <a:ext uri="{FF2B5EF4-FFF2-40B4-BE49-F238E27FC236}">
-                <a16:creationId xmlns:a16="http://schemas.microsoft.com/office/drawing/2014/main" id="{78022E5C-EFFC-430D-AA45-C6224EA0EBB6}"/>
-              </a:ext>
-            </a:extLst>
-          </p:cNvPr>
-          <p:cNvSpPr txBox="1"/>
-          <p:nvPr/>
-        </p:nvSpPr>
-        <p:spPr>
-          <a:xfrm rot="17392727">
-            <a:off x="4008509" y="4771775"/>
-            <a:ext cx="1149322" cy="523220"/>
-          </a:xfrm>
-          <a:prstGeom prst="rect">
-            <a:avLst/>
-          </a:prstGeom>
-          <a:noFill/>
-        </p:spPr>
-        <p:txBody>
-          <a:bodyPr wrap="square">
-            <a:spAutoFit/>
-          </a:bodyPr>
-          <a:lstStyle/>
-          <a:p>
-            <a:pPr algn="ctr"/>
-            <a:r>
-              <a:rPr lang="fr-FR" sz="1400" dirty="0">
-                <a:latin typeface="Arial" panose="020B0604020202020204" pitchFamily="34" charset="0"/>
-                <a:cs typeface="Arial" panose="020B0604020202020204" pitchFamily="34" charset="0"/>
-              </a:rPr>
-              <a:t>Données</a:t>
-            </a:r>
-          </a:p>
-          <a:p>
-            <a:pPr algn="ctr"/>
-            <a:r>
-              <a:rPr lang="fr-FR" sz="1400" dirty="0">
-                <a:latin typeface="Arial" panose="020B0604020202020204" pitchFamily="34" charset="0"/>
-                <a:cs typeface="Arial" panose="020B0604020202020204" pitchFamily="34" charset="0"/>
-              </a:rPr>
-              <a:t>encodées</a:t>
-            </a:r>
-          </a:p>
-        </p:txBody>
-      </p:sp>
-      <p:cxnSp>
-        <p:nvCxnSpPr>
-          <p:cNvPr id="96" name="Connecteur droit 95">
-            <a:extLst>
-              <a:ext uri="{FF2B5EF4-FFF2-40B4-BE49-F238E27FC236}">
-                <a16:creationId xmlns:a16="http://schemas.microsoft.com/office/drawing/2014/main" id="{658BCADB-79A0-4ABE-B768-1035B0694321}"/>
-              </a:ext>
-            </a:extLst>
-          </p:cNvPr>
-          <p:cNvCxnSpPr>
-            <a:cxnSpLocks/>
-          </p:cNvCxnSpPr>
-          <p:nvPr/>
-        </p:nvCxnSpPr>
-        <p:spPr>
-          <a:xfrm>
-            <a:off x="7212323" y="4592367"/>
-            <a:ext cx="0" cy="1080000"/>
-          </a:xfrm>
-          <a:prstGeom prst="line">
-            <a:avLst/>
-          </a:prstGeom>
-        </p:spPr>
-        <p:style>
-          <a:lnRef idx="1">
-            <a:schemeClr val="accent1"/>
-          </a:lnRef>
-          <a:fillRef idx="0">
-            <a:schemeClr val="accent1"/>
-          </a:fillRef>
-          <a:effectRef idx="0">
-            <a:schemeClr val="accent1"/>
-          </a:effectRef>
-          <a:fontRef idx="minor">
-            <a:schemeClr val="tx1"/>
-          </a:fontRef>
-        </p:style>
-      </p:cxnSp>
-      <p:sp>
-        <p:nvSpPr>
-          <p:cNvPr id="99" name="ZoneTexte 98">
-            <a:extLst>
-              <a:ext uri="{FF2B5EF4-FFF2-40B4-BE49-F238E27FC236}">
-                <a16:creationId xmlns:a16="http://schemas.microsoft.com/office/drawing/2014/main" id="{FD9EB435-69EF-4800-AD16-CB9CE10A7A26}"/>
-              </a:ext>
-            </a:extLst>
-          </p:cNvPr>
-          <p:cNvSpPr txBox="1"/>
-          <p:nvPr/>
-        </p:nvSpPr>
-        <p:spPr>
-          <a:xfrm rot="17392727">
-            <a:off x="6939733" y="4770504"/>
-            <a:ext cx="1214894" cy="738664"/>
-          </a:xfrm>
-          <a:prstGeom prst="rect">
-            <a:avLst/>
-          </a:prstGeom>
-          <a:noFill/>
-        </p:spPr>
-        <p:txBody>
-          <a:bodyPr wrap="square">
-            <a:spAutoFit/>
-          </a:bodyPr>
-          <a:lstStyle/>
-          <a:p>
-            <a:pPr algn="ctr"/>
-            <a:r>
-              <a:rPr lang="fr-FR" sz="1400" dirty="0">
-                <a:latin typeface="Arial" panose="020B0604020202020204" pitchFamily="34" charset="0"/>
-                <a:cs typeface="Arial" panose="020B0604020202020204" pitchFamily="34" charset="0"/>
-              </a:rPr>
-              <a:t>Données</a:t>
-            </a:r>
-          </a:p>
-          <a:p>
-            <a:pPr algn="ctr"/>
-            <a:r>
-              <a:rPr lang="fr-FR" sz="1400" dirty="0">
-                <a:latin typeface="Arial" panose="020B0604020202020204" pitchFamily="34" charset="0"/>
-                <a:cs typeface="Arial" panose="020B0604020202020204" pitchFamily="34" charset="0"/>
-              </a:rPr>
-              <a:t>encodées et sommées</a:t>
-            </a:r>
-          </a:p>
-        </p:txBody>
-      </p:sp>
-      <p:cxnSp>
-        <p:nvCxnSpPr>
-          <p:cNvPr id="100" name="Connecteur droit 99">
-            <a:extLst>
-              <a:ext uri="{FF2B5EF4-FFF2-40B4-BE49-F238E27FC236}">
-                <a16:creationId xmlns:a16="http://schemas.microsoft.com/office/drawing/2014/main" id="{884C27D9-060D-4786-8958-4BF9CDC6B634}"/>
-              </a:ext>
-            </a:extLst>
-          </p:cNvPr>
-          <p:cNvCxnSpPr>
-            <a:cxnSpLocks/>
-          </p:cNvCxnSpPr>
-          <p:nvPr/>
-        </p:nvCxnSpPr>
-        <p:spPr>
-          <a:xfrm>
-            <a:off x="8385726" y="1953112"/>
-            <a:ext cx="0" cy="1080000"/>
-          </a:xfrm>
-          <a:prstGeom prst="line">
-            <a:avLst/>
-          </a:prstGeom>
-        </p:spPr>
-        <p:style>
-          <a:lnRef idx="1">
-            <a:schemeClr val="accent1"/>
-          </a:lnRef>
-          <a:fillRef idx="0">
-            <a:schemeClr val="accent1"/>
-          </a:fillRef>
-          <a:effectRef idx="0">
-            <a:schemeClr val="accent1"/>
-          </a:effectRef>
-          <a:fontRef idx="minor">
-            <a:schemeClr val="tx1"/>
-          </a:fontRef>
-        </p:style>
-      </p:cxnSp>
-      <p:sp>
-        <p:nvSpPr>
-          <p:cNvPr id="101" name="ZoneTexte 100">
-            <a:extLst>
-              <a:ext uri="{FF2B5EF4-FFF2-40B4-BE49-F238E27FC236}">
-                <a16:creationId xmlns:a16="http://schemas.microsoft.com/office/drawing/2014/main" id="{84E37726-C0B0-4882-B016-EE847A61FBCD}"/>
-              </a:ext>
-            </a:extLst>
-          </p:cNvPr>
-          <p:cNvSpPr txBox="1"/>
-          <p:nvPr/>
-        </p:nvSpPr>
-        <p:spPr>
-          <a:xfrm rot="17392727">
-            <a:off x="8054994" y="2131249"/>
-            <a:ext cx="1331178" cy="738664"/>
-          </a:xfrm>
-          <a:prstGeom prst="rect">
-            <a:avLst/>
-          </a:prstGeom>
-          <a:noFill/>
-        </p:spPr>
-        <p:txBody>
-          <a:bodyPr wrap="square">
-            <a:spAutoFit/>
-          </a:bodyPr>
-          <a:lstStyle/>
-          <a:p>
-            <a:pPr algn="ctr"/>
-            <a:r>
-              <a:rPr lang="fr-FR" sz="1400" dirty="0">
-                <a:latin typeface="Arial" panose="020B0604020202020204" pitchFamily="34" charset="0"/>
-                <a:cs typeface="Arial" panose="020B0604020202020204" pitchFamily="34" charset="0"/>
-              </a:rPr>
-              <a:t>Données</a:t>
-            </a:r>
-          </a:p>
-          <a:p>
-            <a:pPr algn="ctr"/>
-            <a:r>
-              <a:rPr lang="fr-FR" sz="1400" dirty="0">
-                <a:latin typeface="Arial" panose="020B0604020202020204" pitchFamily="34" charset="0"/>
-                <a:cs typeface="Arial" panose="020B0604020202020204" pitchFamily="34" charset="0"/>
-              </a:rPr>
-              <a:t>encodées et sommées</a:t>
-            </a:r>
-          </a:p>
-        </p:txBody>
-      </p:sp>
-      <p:sp>
-        <p:nvSpPr>
-          <p:cNvPr id="102" name="ZoneTexte 101">
-            <a:extLst>
-              <a:ext uri="{FF2B5EF4-FFF2-40B4-BE49-F238E27FC236}">
-                <a16:creationId xmlns:a16="http://schemas.microsoft.com/office/drawing/2014/main" id="{B95908C0-5884-4C8E-B9F9-7D31F9215FA3}"/>
-              </a:ext>
-            </a:extLst>
-          </p:cNvPr>
-          <p:cNvSpPr txBox="1"/>
-          <p:nvPr/>
-        </p:nvSpPr>
-        <p:spPr>
-          <a:xfrm>
-            <a:off x="160718" y="1596219"/>
-            <a:ext cx="1064024" cy="307777"/>
-          </a:xfrm>
-          <a:prstGeom prst="rect">
-            <a:avLst/>
-          </a:prstGeom>
-          <a:noFill/>
-        </p:spPr>
-        <p:txBody>
-          <a:bodyPr wrap="square">
-            <a:spAutoFit/>
-          </a:bodyPr>
-          <a:lstStyle/>
-          <a:p>
-            <a:pPr algn="ctr"/>
-            <a:r>
-              <a:rPr lang="fr-FR" sz="1400" dirty="0" err="1">
-                <a:latin typeface="Arial" panose="020B0604020202020204" pitchFamily="34" charset="0"/>
-                <a:cs typeface="Arial" panose="020B0604020202020204" pitchFamily="34" charset="0"/>
-              </a:rPr>
-              <a:t>df</a:t>
-            </a:r>
-            <a:r>
-              <a:rPr lang="fr-FR" sz="1400" dirty="0">
-                <a:latin typeface="Arial" panose="020B0604020202020204" pitchFamily="34" charset="0"/>
-                <a:cs typeface="Arial" panose="020B0604020202020204" pitchFamily="34" charset="0"/>
-              </a:rPr>
-              <a:t> principal</a:t>
-            </a:r>
-          </a:p>
-        </p:txBody>
-      </p:sp>
-      <p:sp>
-        <p:nvSpPr>
-          <p:cNvPr id="103" name="ZoneTexte 102">
-            <a:extLst>
-              <a:ext uri="{FF2B5EF4-FFF2-40B4-BE49-F238E27FC236}">
-                <a16:creationId xmlns:a16="http://schemas.microsoft.com/office/drawing/2014/main" id="{9FDC9B54-BD46-4795-A2D0-F3C8E8ADABAD}"/>
-              </a:ext>
-            </a:extLst>
-          </p:cNvPr>
-          <p:cNvSpPr txBox="1"/>
-          <p:nvPr/>
-        </p:nvSpPr>
-        <p:spPr>
-          <a:xfrm>
-            <a:off x="160718" y="3086993"/>
-            <a:ext cx="1064024" cy="307777"/>
-          </a:xfrm>
-          <a:prstGeom prst="rect">
-            <a:avLst/>
-          </a:prstGeom>
-          <a:noFill/>
-        </p:spPr>
-        <p:txBody>
-          <a:bodyPr wrap="square">
-            <a:spAutoFit/>
-          </a:bodyPr>
-          <a:lstStyle/>
-          <a:p>
-            <a:pPr algn="ctr"/>
-            <a:r>
-              <a:rPr lang="fr-FR" sz="1400" dirty="0" err="1">
-                <a:latin typeface="Arial" panose="020B0604020202020204" pitchFamily="34" charset="0"/>
-                <a:cs typeface="Arial" panose="020B0604020202020204" pitchFamily="34" charset="0"/>
-              </a:rPr>
-              <a:t>df</a:t>
-            </a:r>
-            <a:r>
-              <a:rPr lang="fr-FR" sz="1400" dirty="0">
-                <a:latin typeface="Arial" panose="020B0604020202020204" pitchFamily="34" charset="0"/>
-                <a:cs typeface="Arial" panose="020B0604020202020204" pitchFamily="34" charset="0"/>
-              </a:rPr>
-              <a:t> annexe</a:t>
-            </a:r>
-          </a:p>
-        </p:txBody>
-      </p:sp>
-      <p:sp>
-        <p:nvSpPr>
-          <p:cNvPr id="114" name="ZoneTexte 113">
-            <a:extLst>
-              <a:ext uri="{FF2B5EF4-FFF2-40B4-BE49-F238E27FC236}">
-                <a16:creationId xmlns:a16="http://schemas.microsoft.com/office/drawing/2014/main" id="{82B53741-E4DA-4688-9384-547FFE1F83A8}"/>
-              </a:ext>
-            </a:extLst>
-          </p:cNvPr>
-          <p:cNvSpPr txBox="1"/>
-          <p:nvPr/>
-        </p:nvSpPr>
-        <p:spPr>
-          <a:xfrm>
-            <a:off x="5936672" y="881153"/>
-            <a:ext cx="3091388" cy="738664"/>
-          </a:xfrm>
-          <a:prstGeom prst="rect">
-            <a:avLst/>
-          </a:prstGeom>
-          <a:noFill/>
-        </p:spPr>
-        <p:txBody>
-          <a:bodyPr wrap="square">
-            <a:spAutoFit/>
-          </a:bodyPr>
-          <a:lstStyle/>
-          <a:p>
-            <a:r>
-              <a:rPr lang="fr-FR" sz="1400" dirty="0">
-                <a:solidFill>
-                  <a:srgbClr val="FF0000"/>
-                </a:solidFill>
-                <a:latin typeface="Arial" panose="020B0604020202020204" pitchFamily="34" charset="0"/>
-                <a:cs typeface="Arial" panose="020B0604020202020204" pitchFamily="34" charset="0"/>
-              </a:rPr>
-              <a:t>On a pas un </a:t>
-            </a:r>
-            <a:r>
-              <a:rPr lang="fr-FR" sz="1400" dirty="0" err="1">
-                <a:solidFill>
-                  <a:srgbClr val="FF0000"/>
-                </a:solidFill>
-                <a:latin typeface="Arial" panose="020B0604020202020204" pitchFamily="34" charset="0"/>
-                <a:cs typeface="Arial" panose="020B0604020202020204" pitchFamily="34" charset="0"/>
-              </a:rPr>
-              <a:t>dataframe</a:t>
-            </a:r>
-            <a:r>
-              <a:rPr lang="fr-FR" sz="1400" dirty="0">
-                <a:solidFill>
-                  <a:srgbClr val="FF0000"/>
-                </a:solidFill>
-                <a:latin typeface="Arial" panose="020B0604020202020204" pitchFamily="34" charset="0"/>
-                <a:cs typeface="Arial" panose="020B0604020202020204" pitchFamily="34" charset="0"/>
-              </a:rPr>
-              <a:t> de type quantitatif / qualitatif comme dans la diapo précédente</a:t>
-            </a:r>
-          </a:p>
-        </p:txBody>
-      </p:sp>
-      <p:cxnSp>
-        <p:nvCxnSpPr>
-          <p:cNvPr id="115" name="Connecteur droit avec flèche 114">
-            <a:extLst>
-              <a:ext uri="{FF2B5EF4-FFF2-40B4-BE49-F238E27FC236}">
-                <a16:creationId xmlns:a16="http://schemas.microsoft.com/office/drawing/2014/main" id="{E6243686-06A2-4C6B-9D5C-E67FDFAB0079}"/>
-              </a:ext>
-            </a:extLst>
-          </p:cNvPr>
-          <p:cNvCxnSpPr>
-            <a:cxnSpLocks/>
-          </p:cNvCxnSpPr>
-          <p:nvPr/>
-        </p:nvCxnSpPr>
-        <p:spPr>
-          <a:xfrm flipV="1">
-            <a:off x="7375122" y="1596220"/>
-            <a:ext cx="0" cy="269781"/>
-          </a:xfrm>
-          <a:prstGeom prst="straightConnector1">
-            <a:avLst/>
-          </a:prstGeom>
-          <a:ln w="9525" cap="flat" cmpd="sng" algn="ctr">
-            <a:solidFill>
-              <a:schemeClr val="dk1"/>
-            </a:solidFill>
-            <a:prstDash val="solid"/>
-            <a:round/>
-            <a:headEnd type="none" w="med" len="med"/>
-            <a:tailEnd type="arrow" w="med" len="med"/>
-          </a:ln>
-        </p:spPr>
-        <p:style>
-          <a:lnRef idx="0">
-            <a:scrgbClr r="0" g="0" b="0"/>
-          </a:lnRef>
-          <a:fillRef idx="0">
-            <a:scrgbClr r="0" g="0" b="0"/>
-          </a:fillRef>
-          <a:effectRef idx="0">
-            <a:scrgbClr r="0" g="0" b="0"/>
-          </a:effectRef>
-          <a:fontRef idx="minor">
-            <a:schemeClr val="tx1"/>
-          </a:fontRef>
-        </p:style>
-      </p:cxnSp>
-      <p:cxnSp>
-        <p:nvCxnSpPr>
-          <p:cNvPr id="117" name="Connecteur droit avec flèche 116">
-            <a:extLst>
-              <a:ext uri="{FF2B5EF4-FFF2-40B4-BE49-F238E27FC236}">
-                <a16:creationId xmlns:a16="http://schemas.microsoft.com/office/drawing/2014/main" id="{02766F29-1FA1-41C2-8D7C-7A7CAD1BB8B2}"/>
-              </a:ext>
-            </a:extLst>
-          </p:cNvPr>
-          <p:cNvCxnSpPr>
-            <a:cxnSpLocks/>
-          </p:cNvCxnSpPr>
-          <p:nvPr/>
-        </p:nvCxnSpPr>
-        <p:spPr>
-          <a:xfrm flipV="1">
-            <a:off x="5518866" y="1294831"/>
-            <a:ext cx="366544" cy="6507"/>
-          </a:xfrm>
-          <a:prstGeom prst="straightConnector1">
-            <a:avLst/>
-          </a:prstGeom>
-          <a:ln w="9525" cap="flat" cmpd="sng" algn="ctr">
-            <a:solidFill>
-              <a:schemeClr val="dk1"/>
-            </a:solidFill>
-            <a:prstDash val="solid"/>
-            <a:round/>
-            <a:headEnd type="none" w="med" len="med"/>
-            <a:tailEnd type="arrow" w="med" len="med"/>
-          </a:ln>
-        </p:spPr>
-        <p:style>
-          <a:lnRef idx="0">
-            <a:scrgbClr r="0" g="0" b="0"/>
-          </a:lnRef>
-          <a:fillRef idx="0">
-            <a:scrgbClr r="0" g="0" b="0"/>
-          </a:fillRef>
-          <a:effectRef idx="0">
-            <a:scrgbClr r="0" g="0" b="0"/>
-          </a:effectRef>
-          <a:fontRef idx="minor">
-            <a:schemeClr val="tx1"/>
-          </a:fontRef>
-        </p:style>
-      </p:cxnSp>
-    </p:spTree>
-    <p:extLst>
-      <p:ext uri="{BB962C8B-B14F-4D97-AF65-F5344CB8AC3E}">
-        <p14:creationId xmlns:p14="http://schemas.microsoft.com/office/powerpoint/2010/main" val="3073506592"/>
-      </p:ext>
-    </p:extLst>
-  </p:cSld>
-  <p:clrMapOvr>
-    <a:masterClrMapping/>
-  </p:clrMapOvr>
-</p:sld>
-</file>
-
-<file path=ppt/slides/slide24.xml><?xml version="1.0" encoding="utf-8"?>
-<p:sld xmlns:a="http://schemas.openxmlformats.org/drawingml/2006/main" xmlns:r="http://schemas.openxmlformats.org/officeDocument/2006/relationships" xmlns:p="http://schemas.openxmlformats.org/presentationml/2006/main">
-  <p:cSld>
-    <p:spTree>
-      <p:nvGrpSpPr>
-        <p:cNvPr id="1" name=""/>
-        <p:cNvGrpSpPr/>
-        <p:nvPr/>
-      </p:nvGrpSpPr>
-      <p:grpSpPr>
-        <a:xfrm>
-          <a:off x="0" y="0"/>
-          <a:ext cx="0" cy="0"/>
-          <a:chOff x="0" y="0"/>
-          <a:chExt cx="0" cy="0"/>
-        </a:xfrm>
-      </p:grpSpPr>
-      <p:sp>
-        <p:nvSpPr>
-          <p:cNvPr id="4" name="Espace réservé du numéro de diapositive 3">
-            <a:extLst>
-              <a:ext uri="{FF2B5EF4-FFF2-40B4-BE49-F238E27FC236}">
-                <a16:creationId xmlns:a16="http://schemas.microsoft.com/office/drawing/2014/main" id="{89CF1B10-4513-4931-B546-FF421C34DF1D}"/>
-              </a:ext>
-            </a:extLst>
-          </p:cNvPr>
-          <p:cNvSpPr>
-            <a:spLocks noGrp="1"/>
-          </p:cNvSpPr>
-          <p:nvPr>
-            <p:ph type="sldNum" sz="quarter" idx="12"/>
-          </p:nvPr>
-        </p:nvSpPr>
-        <p:spPr/>
-        <p:txBody>
-          <a:bodyPr/>
-          <a:lstStyle/>
-          <a:p>
-            <a:fld id="{50902F5D-93A0-47DA-BFBC-C6664F86D8C4}" type="slidenum">
-              <a:rPr lang="fr-FR" smtClean="0"/>
-              <a:t>24</a:t>
-            </a:fld>
-            <a:endParaRPr lang="fr-FR"/>
-          </a:p>
-        </p:txBody>
-      </p:sp>
-      <p:sp>
-        <p:nvSpPr>
-          <p:cNvPr id="5" name="ZoneTexte 4">
-            <a:extLst>
-              <a:ext uri="{FF2B5EF4-FFF2-40B4-BE49-F238E27FC236}">
-                <a16:creationId xmlns:a16="http://schemas.microsoft.com/office/drawing/2014/main" id="{8A05E6FB-BED3-4E17-8B32-968D62BE8D7B}"/>
-              </a:ext>
-            </a:extLst>
-          </p:cNvPr>
-          <p:cNvSpPr txBox="1"/>
-          <p:nvPr/>
-        </p:nvSpPr>
-        <p:spPr>
-          <a:xfrm>
-            <a:off x="411478" y="203306"/>
-            <a:ext cx="8321041" cy="369332"/>
-          </a:xfrm>
-          <a:prstGeom prst="rect">
-            <a:avLst/>
-          </a:prstGeom>
-          <a:noFill/>
-        </p:spPr>
-        <p:txBody>
-          <a:bodyPr wrap="square">
-            <a:spAutoFit/>
-          </a:bodyPr>
-          <a:lstStyle/>
-          <a:p>
-            <a:r>
-              <a:rPr lang="fr-FR" b="1" dirty="0">
-                <a:latin typeface="Arial" panose="020B0604020202020204" pitchFamily="34" charset="0"/>
-                <a:cs typeface="Arial" panose="020B0604020202020204" pitchFamily="34" charset="0"/>
-              </a:rPr>
-              <a:t>Difficultés à utiliser LIME</a:t>
-            </a:r>
-          </a:p>
-        </p:txBody>
-      </p:sp>
-      <p:cxnSp>
-        <p:nvCxnSpPr>
-          <p:cNvPr id="6" name="Connecteur droit 5">
-            <a:extLst>
-              <a:ext uri="{FF2B5EF4-FFF2-40B4-BE49-F238E27FC236}">
-                <a16:creationId xmlns:a16="http://schemas.microsoft.com/office/drawing/2014/main" id="{AD05D6F9-3FD9-4A54-9FFA-F52E1ABAF6AA}"/>
-              </a:ext>
-            </a:extLst>
-          </p:cNvPr>
-          <p:cNvCxnSpPr/>
-          <p:nvPr/>
-        </p:nvCxnSpPr>
-        <p:spPr>
-          <a:xfrm>
-            <a:off x="354676" y="703811"/>
-            <a:ext cx="8379229" cy="0"/>
-          </a:xfrm>
-          <a:prstGeom prst="line">
-            <a:avLst/>
-          </a:prstGeom>
-        </p:spPr>
-        <p:style>
-          <a:lnRef idx="1">
-            <a:schemeClr val="accent2"/>
-          </a:lnRef>
-          <a:fillRef idx="0">
-            <a:schemeClr val="accent2"/>
-          </a:fillRef>
-          <a:effectRef idx="0">
-            <a:schemeClr val="accent2"/>
-          </a:effectRef>
-          <a:fontRef idx="minor">
-            <a:schemeClr val="tx1"/>
-          </a:fontRef>
-        </p:style>
-      </p:cxnSp>
-      <p:sp>
-        <p:nvSpPr>
-          <p:cNvPr id="7" name="ZoneTexte 6">
-            <a:extLst>
-              <a:ext uri="{FF2B5EF4-FFF2-40B4-BE49-F238E27FC236}">
-                <a16:creationId xmlns:a16="http://schemas.microsoft.com/office/drawing/2014/main" id="{1CDC92C4-AAB9-4356-A228-743FB24D144F}"/>
-              </a:ext>
-            </a:extLst>
-          </p:cNvPr>
-          <p:cNvSpPr txBox="1"/>
-          <p:nvPr/>
-        </p:nvSpPr>
-        <p:spPr>
-          <a:xfrm>
-            <a:off x="411478" y="834985"/>
-            <a:ext cx="8321041" cy="954107"/>
-          </a:xfrm>
-          <a:prstGeom prst="rect">
-            <a:avLst/>
-          </a:prstGeom>
-          <a:noFill/>
-        </p:spPr>
-        <p:txBody>
-          <a:bodyPr wrap="square">
-            <a:spAutoFit/>
-          </a:bodyPr>
-          <a:lstStyle/>
-          <a:p>
-            <a:r>
-              <a:rPr lang="fr-FR" sz="1400" dirty="0">
-                <a:latin typeface="Arial" panose="020B0604020202020204" pitchFamily="34" charset="0"/>
-                <a:cs typeface="Arial" panose="020B0604020202020204" pitchFamily="34" charset="0"/>
-              </a:rPr>
-              <a:t>Alternative imaginée : n’utiliser que les </a:t>
-            </a:r>
-            <a:r>
-              <a:rPr lang="fr-FR" sz="1400" dirty="0" err="1">
-                <a:latin typeface="Arial" panose="020B0604020202020204" pitchFamily="34" charset="0"/>
-                <a:cs typeface="Arial" panose="020B0604020202020204" pitchFamily="34" charset="0"/>
-              </a:rPr>
-              <a:t>features</a:t>
-            </a:r>
-            <a:r>
-              <a:rPr lang="fr-FR" sz="1400" dirty="0">
-                <a:latin typeface="Arial" panose="020B0604020202020204" pitchFamily="34" charset="0"/>
-                <a:cs typeface="Arial" panose="020B0604020202020204" pitchFamily="34" charset="0"/>
-              </a:rPr>
-              <a:t> du </a:t>
-            </a:r>
-            <a:r>
-              <a:rPr lang="fr-FR" sz="1400" dirty="0" err="1">
-                <a:latin typeface="Arial" panose="020B0604020202020204" pitchFamily="34" charset="0"/>
-                <a:cs typeface="Arial" panose="020B0604020202020204" pitchFamily="34" charset="0"/>
-              </a:rPr>
-              <a:t>dataframe</a:t>
-            </a:r>
-            <a:r>
-              <a:rPr lang="fr-FR" sz="1400" dirty="0">
-                <a:latin typeface="Arial" panose="020B0604020202020204" pitchFamily="34" charset="0"/>
-                <a:cs typeface="Arial" panose="020B0604020202020204" pitchFamily="34" charset="0"/>
-              </a:rPr>
-              <a:t> principal.</a:t>
-            </a:r>
-          </a:p>
-          <a:p>
-            <a:r>
-              <a:rPr lang="fr-FR" sz="1400" b="1" dirty="0">
-                <a:latin typeface="Arial" panose="020B0604020202020204" pitchFamily="34" charset="0"/>
-                <a:cs typeface="Arial" panose="020B0604020202020204" pitchFamily="34" charset="0"/>
-              </a:rPr>
-              <a:t>Avantage</a:t>
-            </a:r>
-            <a:r>
-              <a:rPr lang="fr-FR" sz="1400" dirty="0">
-                <a:latin typeface="Arial" panose="020B0604020202020204" pitchFamily="34" charset="0"/>
-                <a:cs typeface="Arial" panose="020B0604020202020204" pitchFamily="34" charset="0"/>
-              </a:rPr>
-              <a:t> : on peut utiliser LIME,</a:t>
-            </a:r>
-          </a:p>
-          <a:p>
-            <a:r>
-              <a:rPr lang="fr-FR" sz="1400" b="1" dirty="0">
-                <a:latin typeface="Arial" panose="020B0604020202020204" pitchFamily="34" charset="0"/>
-                <a:cs typeface="Arial" panose="020B0604020202020204" pitchFamily="34" charset="0"/>
-              </a:rPr>
-              <a:t>Inconvénient </a:t>
-            </a:r>
-            <a:r>
-              <a:rPr lang="fr-FR" sz="1400" dirty="0">
-                <a:latin typeface="Arial" panose="020B0604020202020204" pitchFamily="34" charset="0"/>
-                <a:cs typeface="Arial" panose="020B0604020202020204" pitchFamily="34" charset="0"/>
-              </a:rPr>
-              <a:t>: on perd les informations contenues dans les </a:t>
-            </a:r>
-            <a:r>
-              <a:rPr lang="fr-FR" sz="1400" dirty="0" err="1">
-                <a:latin typeface="Arial" panose="020B0604020202020204" pitchFamily="34" charset="0"/>
-                <a:cs typeface="Arial" panose="020B0604020202020204" pitchFamily="34" charset="0"/>
-              </a:rPr>
-              <a:t>dataframes</a:t>
-            </a:r>
-            <a:r>
-              <a:rPr lang="fr-FR" sz="1400" dirty="0">
-                <a:latin typeface="Arial" panose="020B0604020202020204" pitchFamily="34" charset="0"/>
-                <a:cs typeface="Arial" panose="020B0604020202020204" pitchFamily="34" charset="0"/>
-              </a:rPr>
-              <a:t> annexes, qui sont </a:t>
-            </a:r>
-            <a:r>
-              <a:rPr lang="fr-FR" sz="1400">
-                <a:latin typeface="Arial" panose="020B0604020202020204" pitchFamily="34" charset="0"/>
-                <a:cs typeface="Arial" panose="020B0604020202020204" pitchFamily="34" charset="0"/>
-              </a:rPr>
-              <a:t>pourtant utilisées dans </a:t>
-            </a:r>
-            <a:r>
-              <a:rPr lang="fr-FR" sz="1400" dirty="0">
-                <a:latin typeface="Arial" panose="020B0604020202020204" pitchFamily="34" charset="0"/>
-                <a:cs typeface="Arial" panose="020B0604020202020204" pitchFamily="34" charset="0"/>
-              </a:rPr>
-              <a:t>la classification.</a:t>
-            </a:r>
-          </a:p>
-        </p:txBody>
-      </p:sp>
-      <p:sp>
-        <p:nvSpPr>
-          <p:cNvPr id="8" name="Rectangle 7">
-            <a:extLst>
-              <a:ext uri="{FF2B5EF4-FFF2-40B4-BE49-F238E27FC236}">
-                <a16:creationId xmlns:a16="http://schemas.microsoft.com/office/drawing/2014/main" id="{CCAB6171-ACC5-4640-B369-89EEACA2464B}"/>
-              </a:ext>
-            </a:extLst>
-          </p:cNvPr>
-          <p:cNvSpPr/>
-          <p:nvPr/>
-        </p:nvSpPr>
-        <p:spPr>
-          <a:xfrm>
-            <a:off x="2112173" y="2141660"/>
-            <a:ext cx="1073121" cy="1063877"/>
-          </a:xfrm>
-          <a:prstGeom prst="rect">
-            <a:avLst/>
-          </a:prstGeom>
-        </p:spPr>
-        <p:style>
-          <a:lnRef idx="1">
-            <a:schemeClr val="accent2"/>
-          </a:lnRef>
-          <a:fillRef idx="2">
-            <a:schemeClr val="accent2"/>
-          </a:fillRef>
-          <a:effectRef idx="1">
-            <a:schemeClr val="accent2"/>
-          </a:effectRef>
-          <a:fontRef idx="minor">
-            <a:schemeClr val="dk1"/>
-          </a:fontRef>
-        </p:style>
-        <p:txBody>
-          <a:bodyPr rtlCol="0" anchor="ctr"/>
-          <a:lstStyle/>
-          <a:p>
-            <a:pPr algn="ctr"/>
-            <a:endParaRPr lang="fr-FR"/>
-          </a:p>
-        </p:txBody>
-      </p:sp>
-      <p:sp>
-        <p:nvSpPr>
-          <p:cNvPr id="9" name="Rectangle 8">
-            <a:extLst>
-              <a:ext uri="{FF2B5EF4-FFF2-40B4-BE49-F238E27FC236}">
-                <a16:creationId xmlns:a16="http://schemas.microsoft.com/office/drawing/2014/main" id="{3FB3C067-FB78-49F2-82CD-9501FA225A38}"/>
-              </a:ext>
-            </a:extLst>
-          </p:cNvPr>
-          <p:cNvSpPr/>
-          <p:nvPr/>
-        </p:nvSpPr>
-        <p:spPr>
-          <a:xfrm>
-            <a:off x="239135" y="3490624"/>
-            <a:ext cx="1533087" cy="3208770"/>
-          </a:xfrm>
-          <a:prstGeom prst="rect">
-            <a:avLst/>
-          </a:prstGeom>
-        </p:spPr>
-        <p:style>
-          <a:lnRef idx="1">
-            <a:schemeClr val="accent3"/>
-          </a:lnRef>
-          <a:fillRef idx="2">
-            <a:schemeClr val="accent3"/>
-          </a:fillRef>
-          <a:effectRef idx="1">
-            <a:schemeClr val="accent3"/>
-          </a:effectRef>
-          <a:fontRef idx="minor">
-            <a:schemeClr val="dk1"/>
-          </a:fontRef>
-        </p:style>
-        <p:txBody>
-          <a:bodyPr rtlCol="0" anchor="ctr"/>
-          <a:lstStyle/>
-          <a:p>
-            <a:pPr algn="ctr"/>
-            <a:endParaRPr lang="fr-FR"/>
-          </a:p>
-        </p:txBody>
-      </p:sp>
-      <p:pic>
-        <p:nvPicPr>
-          <p:cNvPr id="11" name="Image 10">
-            <a:extLst>
-              <a:ext uri="{FF2B5EF4-FFF2-40B4-BE49-F238E27FC236}">
-                <a16:creationId xmlns:a16="http://schemas.microsoft.com/office/drawing/2014/main" id="{97F235AD-73A3-4CEB-8FAD-9A6D7893A88E}"/>
-              </a:ext>
-            </a:extLst>
-          </p:cNvPr>
-          <p:cNvPicPr>
-            <a:picLocks noChangeAspect="1"/>
-          </p:cNvPicPr>
-          <p:nvPr/>
-        </p:nvPicPr>
-        <p:blipFill>
-          <a:blip r:embed="rId2">
-            <a:clrChange>
-              <a:clrFrom>
-                <a:srgbClr val="FFFFFF"/>
-              </a:clrFrom>
-              <a:clrTo>
-                <a:srgbClr val="FFFFFF">
-                  <a:alpha val="0"/>
-                </a:srgbClr>
-              </a:clrTo>
-            </a:clrChange>
-            <a:duotone>
-              <a:schemeClr val="accent1">
-                <a:shade val="45000"/>
-                <a:satMod val="135000"/>
-              </a:schemeClr>
-              <a:prstClr val="white"/>
-            </a:duotone>
-            <a:extLst>
-              <a:ext uri="{28A0092B-C50C-407E-A947-70E740481C1C}">
-                <a14:useLocalDpi xmlns:a14="http://schemas.microsoft.com/office/drawing/2010/main" val="0"/>
-              </a:ext>
-            </a:extLst>
-          </a:blip>
-          <a:stretch>
-            <a:fillRect/>
-          </a:stretch>
-        </p:blipFill>
-        <p:spPr>
-          <a:xfrm>
-            <a:off x="2112173" y="2058334"/>
-            <a:ext cx="513047" cy="513047"/>
-          </a:xfrm>
-          <a:prstGeom prst="rect">
-            <a:avLst/>
-          </a:prstGeom>
-        </p:spPr>
-      </p:pic>
-      <p:cxnSp>
-        <p:nvCxnSpPr>
-          <p:cNvPr id="13" name="Connecteur droit 12">
-            <a:extLst>
-              <a:ext uri="{FF2B5EF4-FFF2-40B4-BE49-F238E27FC236}">
-                <a16:creationId xmlns:a16="http://schemas.microsoft.com/office/drawing/2014/main" id="{2771FB39-81E7-4360-A455-FB66DA9EAE55}"/>
-              </a:ext>
-            </a:extLst>
-          </p:cNvPr>
-          <p:cNvCxnSpPr>
-            <a:cxnSpLocks/>
-          </p:cNvCxnSpPr>
-          <p:nvPr/>
-        </p:nvCxnSpPr>
-        <p:spPr>
-          <a:xfrm>
-            <a:off x="2625220" y="2141660"/>
-            <a:ext cx="0" cy="1063877"/>
-          </a:xfrm>
-          <a:prstGeom prst="line">
-            <a:avLst/>
-          </a:prstGeom>
-        </p:spPr>
-        <p:style>
-          <a:lnRef idx="1">
-            <a:schemeClr val="accent2"/>
-          </a:lnRef>
-          <a:fillRef idx="0">
-            <a:schemeClr val="accent2"/>
-          </a:fillRef>
-          <a:effectRef idx="0">
-            <a:schemeClr val="accent2"/>
-          </a:effectRef>
-          <a:fontRef idx="minor">
-            <a:schemeClr val="tx1"/>
-          </a:fontRef>
-        </p:style>
-      </p:cxnSp>
-      <p:cxnSp>
-        <p:nvCxnSpPr>
-          <p:cNvPr id="14" name="Connecteur droit 13">
-            <a:extLst>
-              <a:ext uri="{FF2B5EF4-FFF2-40B4-BE49-F238E27FC236}">
-                <a16:creationId xmlns:a16="http://schemas.microsoft.com/office/drawing/2014/main" id="{C0505A2B-C2B5-4FEE-A29B-4975AEC63968}"/>
-              </a:ext>
-            </a:extLst>
-          </p:cNvPr>
-          <p:cNvCxnSpPr>
-            <a:cxnSpLocks/>
-          </p:cNvCxnSpPr>
-          <p:nvPr/>
-        </p:nvCxnSpPr>
-        <p:spPr>
-          <a:xfrm>
-            <a:off x="752180" y="3490624"/>
-            <a:ext cx="0" cy="3208770"/>
-          </a:xfrm>
-          <a:prstGeom prst="line">
-            <a:avLst/>
-          </a:prstGeom>
-        </p:spPr>
-        <p:style>
-          <a:lnRef idx="1">
-            <a:schemeClr val="accent3"/>
-          </a:lnRef>
-          <a:fillRef idx="0">
-            <a:schemeClr val="accent3"/>
-          </a:fillRef>
-          <a:effectRef idx="0">
-            <a:schemeClr val="accent3"/>
-          </a:effectRef>
-          <a:fontRef idx="minor">
-            <a:schemeClr val="tx1"/>
-          </a:fontRef>
-        </p:style>
-      </p:cxnSp>
-      <p:pic>
-        <p:nvPicPr>
-          <p:cNvPr id="16" name="Image 15">
-            <a:extLst>
-              <a:ext uri="{FF2B5EF4-FFF2-40B4-BE49-F238E27FC236}">
-                <a16:creationId xmlns:a16="http://schemas.microsoft.com/office/drawing/2014/main" id="{38260887-A32C-4AAD-A6BF-F52BA0F5C981}"/>
-              </a:ext>
-            </a:extLst>
-          </p:cNvPr>
-          <p:cNvPicPr>
-            <a:picLocks noChangeAspect="1"/>
-          </p:cNvPicPr>
-          <p:nvPr/>
-        </p:nvPicPr>
-        <p:blipFill>
-          <a:blip r:embed="rId2">
-            <a:clrChange>
-              <a:clrFrom>
-                <a:srgbClr val="FFFFFF"/>
-              </a:clrFrom>
-              <a:clrTo>
-                <a:srgbClr val="FFFFFF">
-                  <a:alpha val="0"/>
-                </a:srgbClr>
-              </a:clrTo>
-            </a:clrChange>
-            <a:duotone>
-              <a:schemeClr val="accent2">
-                <a:shade val="45000"/>
-                <a:satMod val="135000"/>
-              </a:schemeClr>
-              <a:prstClr val="white"/>
-            </a:duotone>
-            <a:extLst>
-              <a:ext uri="{28A0092B-C50C-407E-A947-70E740481C1C}">
-                <a14:useLocalDpi xmlns:a14="http://schemas.microsoft.com/office/drawing/2010/main" val="0"/>
-              </a:ext>
-            </a:extLst>
-          </a:blip>
-          <a:stretch>
-            <a:fillRect/>
-          </a:stretch>
-        </p:blipFill>
-        <p:spPr>
-          <a:xfrm>
-            <a:off x="2112173" y="2314857"/>
-            <a:ext cx="513047" cy="513047"/>
-          </a:xfrm>
-          <a:prstGeom prst="rect">
-            <a:avLst/>
-          </a:prstGeom>
-        </p:spPr>
-      </p:pic>
-      <p:pic>
-        <p:nvPicPr>
-          <p:cNvPr id="17" name="Image 16">
-            <a:extLst>
-              <a:ext uri="{FF2B5EF4-FFF2-40B4-BE49-F238E27FC236}">
-                <a16:creationId xmlns:a16="http://schemas.microsoft.com/office/drawing/2014/main" id="{B82CF53B-C1D0-473D-9333-99F4F6A85061}"/>
-              </a:ext>
-            </a:extLst>
-          </p:cNvPr>
-          <p:cNvPicPr>
-            <a:picLocks noChangeAspect="1"/>
-          </p:cNvPicPr>
-          <p:nvPr/>
-        </p:nvPicPr>
-        <p:blipFill>
-          <a:blip r:embed="rId2">
-            <a:clrChange>
-              <a:clrFrom>
-                <a:srgbClr val="FFFFFF"/>
-              </a:clrFrom>
-              <a:clrTo>
-                <a:srgbClr val="FFFFFF">
-                  <a:alpha val="0"/>
-                </a:srgbClr>
-              </a:clrTo>
-            </a:clrChange>
-            <a:duotone>
-              <a:schemeClr val="accent4">
-                <a:shade val="45000"/>
-                <a:satMod val="135000"/>
-              </a:schemeClr>
-              <a:prstClr val="white"/>
-            </a:duotone>
-            <a:extLst>
-              <a:ext uri="{28A0092B-C50C-407E-A947-70E740481C1C}">
-                <a14:useLocalDpi xmlns:a14="http://schemas.microsoft.com/office/drawing/2010/main" val="0"/>
-              </a:ext>
-            </a:extLst>
-          </a:blip>
-          <a:stretch>
-            <a:fillRect/>
-          </a:stretch>
-        </p:blipFill>
-        <p:spPr>
-          <a:xfrm>
-            <a:off x="2112173" y="2571380"/>
-            <a:ext cx="513047" cy="513047"/>
-          </a:xfrm>
-          <a:prstGeom prst="rect">
-            <a:avLst/>
-          </a:prstGeom>
-        </p:spPr>
-      </p:pic>
-      <p:pic>
-        <p:nvPicPr>
-          <p:cNvPr id="18" name="Image 17">
-            <a:extLst>
-              <a:ext uri="{FF2B5EF4-FFF2-40B4-BE49-F238E27FC236}">
-                <a16:creationId xmlns:a16="http://schemas.microsoft.com/office/drawing/2014/main" id="{03C8D1F5-FC78-4A0B-A575-4D921DDAC29E}"/>
-              </a:ext>
-            </a:extLst>
-          </p:cNvPr>
-          <p:cNvPicPr>
-            <a:picLocks noChangeAspect="1"/>
-          </p:cNvPicPr>
-          <p:nvPr/>
-        </p:nvPicPr>
-        <p:blipFill>
-          <a:blip r:embed="rId2">
-            <a:clrChange>
-              <a:clrFrom>
-                <a:srgbClr val="FFFFFF"/>
-              </a:clrFrom>
-              <a:clrTo>
-                <a:srgbClr val="FFFFFF">
-                  <a:alpha val="0"/>
-                </a:srgbClr>
-              </a:clrTo>
-            </a:clrChange>
-            <a:duotone>
-              <a:schemeClr val="accent6">
-                <a:shade val="45000"/>
-                <a:satMod val="135000"/>
-              </a:schemeClr>
-              <a:prstClr val="white"/>
-            </a:duotone>
-            <a:extLst>
-              <a:ext uri="{28A0092B-C50C-407E-A947-70E740481C1C}">
-                <a14:useLocalDpi xmlns:a14="http://schemas.microsoft.com/office/drawing/2010/main" val="0"/>
-              </a:ext>
-            </a:extLst>
-          </a:blip>
-          <a:stretch>
-            <a:fillRect/>
-          </a:stretch>
-        </p:blipFill>
-        <p:spPr>
-          <a:xfrm>
-            <a:off x="2112173" y="2827903"/>
-            <a:ext cx="513047" cy="513047"/>
-          </a:xfrm>
-          <a:prstGeom prst="rect">
-            <a:avLst/>
-          </a:prstGeom>
-        </p:spPr>
-      </p:pic>
-      <p:pic>
-        <p:nvPicPr>
-          <p:cNvPr id="20" name="Image 19">
-            <a:extLst>
-              <a:ext uri="{FF2B5EF4-FFF2-40B4-BE49-F238E27FC236}">
-                <a16:creationId xmlns:a16="http://schemas.microsoft.com/office/drawing/2014/main" id="{4F92C752-7248-43F2-93EE-38C290BEE43B}"/>
-              </a:ext>
-            </a:extLst>
-          </p:cNvPr>
-          <p:cNvPicPr>
-            <a:picLocks noChangeAspect="1"/>
-          </p:cNvPicPr>
-          <p:nvPr/>
-        </p:nvPicPr>
-        <p:blipFill>
-          <a:blip r:embed="rId2">
-            <a:clrChange>
-              <a:clrFrom>
-                <a:srgbClr val="FFFFFF"/>
-              </a:clrFrom>
-              <a:clrTo>
-                <a:srgbClr val="FFFFFF">
-                  <a:alpha val="0"/>
-                </a:srgbClr>
-              </a:clrTo>
-            </a:clrChange>
-            <a:duotone>
-              <a:schemeClr val="bg2">
-                <a:shade val="45000"/>
-                <a:satMod val="135000"/>
-              </a:schemeClr>
-              <a:prstClr val="white"/>
-            </a:duotone>
-            <a:extLst>
-              <a:ext uri="{28A0092B-C50C-407E-A947-70E740481C1C}">
-                <a14:useLocalDpi xmlns:a14="http://schemas.microsoft.com/office/drawing/2010/main" val="0"/>
-              </a:ext>
-            </a:extLst>
-          </a:blip>
-          <a:stretch>
-            <a:fillRect/>
-          </a:stretch>
-        </p:blipFill>
-        <p:spPr>
-          <a:xfrm>
-            <a:off x="239133" y="3392115"/>
-            <a:ext cx="513047" cy="513047"/>
-          </a:xfrm>
-          <a:prstGeom prst="rect">
-            <a:avLst/>
-          </a:prstGeom>
-        </p:spPr>
-      </p:pic>
-      <p:pic>
-        <p:nvPicPr>
-          <p:cNvPr id="21" name="Image 20">
-            <a:extLst>
-              <a:ext uri="{FF2B5EF4-FFF2-40B4-BE49-F238E27FC236}">
-                <a16:creationId xmlns:a16="http://schemas.microsoft.com/office/drawing/2014/main" id="{BE25AADA-3D5B-4601-8BEF-02E5CB752643}"/>
-              </a:ext>
-            </a:extLst>
-          </p:cNvPr>
-          <p:cNvPicPr>
-            <a:picLocks noChangeAspect="1"/>
-          </p:cNvPicPr>
-          <p:nvPr/>
-        </p:nvPicPr>
-        <p:blipFill>
-          <a:blip r:embed="rId2">
-            <a:clrChange>
-              <a:clrFrom>
-                <a:srgbClr val="FFFFFF"/>
-              </a:clrFrom>
-              <a:clrTo>
-                <a:srgbClr val="FFFFFF">
-                  <a:alpha val="0"/>
-                </a:srgbClr>
-              </a:clrTo>
-            </a:clrChange>
-            <a:duotone>
-              <a:schemeClr val="bg2">
-                <a:shade val="45000"/>
-                <a:satMod val="135000"/>
-              </a:schemeClr>
-              <a:prstClr val="white"/>
-            </a:duotone>
-            <a:extLst>
-              <a:ext uri="{28A0092B-C50C-407E-A947-70E740481C1C}">
-                <a14:useLocalDpi xmlns:a14="http://schemas.microsoft.com/office/drawing/2010/main" val="0"/>
-              </a:ext>
-            </a:extLst>
-          </a:blip>
-          <a:stretch>
-            <a:fillRect/>
-          </a:stretch>
-        </p:blipFill>
-        <p:spPr>
-          <a:xfrm>
-            <a:off x="239132" y="3648638"/>
-            <a:ext cx="513047" cy="513047"/>
-          </a:xfrm>
-          <a:prstGeom prst="rect">
-            <a:avLst/>
-          </a:prstGeom>
-        </p:spPr>
-      </p:pic>
-      <p:pic>
-        <p:nvPicPr>
-          <p:cNvPr id="22" name="Image 21">
-            <a:extLst>
-              <a:ext uri="{FF2B5EF4-FFF2-40B4-BE49-F238E27FC236}">
-                <a16:creationId xmlns:a16="http://schemas.microsoft.com/office/drawing/2014/main" id="{C203825B-8372-4C74-9EB1-ABCDBC94491C}"/>
-              </a:ext>
-            </a:extLst>
-          </p:cNvPr>
-          <p:cNvPicPr>
-            <a:picLocks noChangeAspect="1"/>
-          </p:cNvPicPr>
-          <p:nvPr/>
-        </p:nvPicPr>
-        <p:blipFill>
-          <a:blip r:embed="rId2">
-            <a:clrChange>
-              <a:clrFrom>
-                <a:srgbClr val="FFFFFF"/>
-              </a:clrFrom>
-              <a:clrTo>
-                <a:srgbClr val="FFFFFF">
-                  <a:alpha val="0"/>
-                </a:srgbClr>
-              </a:clrTo>
-            </a:clrChange>
-            <a:duotone>
-              <a:schemeClr val="bg2">
-                <a:shade val="45000"/>
-                <a:satMod val="135000"/>
-              </a:schemeClr>
-              <a:prstClr val="white"/>
-            </a:duotone>
-            <a:extLst>
-              <a:ext uri="{28A0092B-C50C-407E-A947-70E740481C1C}">
-                <a14:useLocalDpi xmlns:a14="http://schemas.microsoft.com/office/drawing/2010/main" val="0"/>
-              </a:ext>
-            </a:extLst>
-          </a:blip>
-          <a:stretch>
-            <a:fillRect/>
-          </a:stretch>
-        </p:blipFill>
-        <p:spPr>
-          <a:xfrm>
-            <a:off x="239132" y="3894791"/>
-            <a:ext cx="513047" cy="513047"/>
-          </a:xfrm>
-          <a:prstGeom prst="rect">
-            <a:avLst/>
-          </a:prstGeom>
-        </p:spPr>
-      </p:pic>
-      <p:pic>
-        <p:nvPicPr>
-          <p:cNvPr id="24" name="Image 23">
-            <a:extLst>
-              <a:ext uri="{FF2B5EF4-FFF2-40B4-BE49-F238E27FC236}">
-                <a16:creationId xmlns:a16="http://schemas.microsoft.com/office/drawing/2014/main" id="{73F714EB-173F-47B1-A916-7B2D337283C9}"/>
-              </a:ext>
-            </a:extLst>
-          </p:cNvPr>
-          <p:cNvPicPr>
-            <a:picLocks noChangeAspect="1"/>
-          </p:cNvPicPr>
-          <p:nvPr/>
-        </p:nvPicPr>
-        <p:blipFill>
-          <a:blip r:embed="rId2">
-            <a:clrChange>
-              <a:clrFrom>
-                <a:srgbClr val="FFFFFF"/>
-              </a:clrFrom>
-              <a:clrTo>
-                <a:srgbClr val="FFFFFF">
-                  <a:alpha val="0"/>
-                </a:srgbClr>
-              </a:clrTo>
-            </a:clrChange>
-            <a:duotone>
-              <a:schemeClr val="bg2">
-                <a:shade val="45000"/>
-                <a:satMod val="135000"/>
-              </a:schemeClr>
-              <a:prstClr val="white"/>
-            </a:duotone>
-            <a:extLst>
-              <a:ext uri="{28A0092B-C50C-407E-A947-70E740481C1C}">
-                <a14:useLocalDpi xmlns:a14="http://schemas.microsoft.com/office/drawing/2010/main" val="0"/>
-              </a:ext>
-            </a:extLst>
-          </a:blip>
-          <a:stretch>
-            <a:fillRect/>
-          </a:stretch>
-        </p:blipFill>
-        <p:spPr>
-          <a:xfrm>
-            <a:off x="239131" y="4140944"/>
-            <a:ext cx="513047" cy="513047"/>
-          </a:xfrm>
-          <a:prstGeom prst="rect">
-            <a:avLst/>
-          </a:prstGeom>
-        </p:spPr>
-      </p:pic>
-      <p:pic>
-        <p:nvPicPr>
-          <p:cNvPr id="25" name="Image 24">
-            <a:extLst>
-              <a:ext uri="{FF2B5EF4-FFF2-40B4-BE49-F238E27FC236}">
-                <a16:creationId xmlns:a16="http://schemas.microsoft.com/office/drawing/2014/main" id="{5FE78579-98B5-4C77-92E6-C0A360DF6B1E}"/>
-              </a:ext>
-            </a:extLst>
-          </p:cNvPr>
-          <p:cNvPicPr>
-            <a:picLocks noChangeAspect="1"/>
-          </p:cNvPicPr>
-          <p:nvPr/>
-        </p:nvPicPr>
-        <p:blipFill>
-          <a:blip r:embed="rId2">
-            <a:clrChange>
-              <a:clrFrom>
-                <a:srgbClr val="FFFFFF"/>
-              </a:clrFrom>
-              <a:clrTo>
-                <a:srgbClr val="FFFFFF">
-                  <a:alpha val="0"/>
-                </a:srgbClr>
-              </a:clrTo>
-            </a:clrChange>
-            <a:duotone>
-              <a:schemeClr val="bg2">
-                <a:shade val="45000"/>
-                <a:satMod val="135000"/>
-              </a:schemeClr>
-              <a:prstClr val="white"/>
-            </a:duotone>
-            <a:extLst>
-              <a:ext uri="{28A0092B-C50C-407E-A947-70E740481C1C}">
-                <a14:useLocalDpi xmlns:a14="http://schemas.microsoft.com/office/drawing/2010/main" val="0"/>
-              </a:ext>
-            </a:extLst>
-          </a:blip>
-          <a:stretch>
-            <a:fillRect/>
-          </a:stretch>
-        </p:blipFill>
-        <p:spPr>
-          <a:xfrm>
-            <a:off x="239131" y="4402969"/>
-            <a:ext cx="513047" cy="513047"/>
-          </a:xfrm>
-          <a:prstGeom prst="rect">
-            <a:avLst/>
-          </a:prstGeom>
-        </p:spPr>
-      </p:pic>
-      <p:pic>
-        <p:nvPicPr>
-          <p:cNvPr id="26" name="Image 25">
-            <a:extLst>
-              <a:ext uri="{FF2B5EF4-FFF2-40B4-BE49-F238E27FC236}">
-                <a16:creationId xmlns:a16="http://schemas.microsoft.com/office/drawing/2014/main" id="{7FE562E3-A36C-45F0-B14A-B0CAE1C1C62F}"/>
-              </a:ext>
-            </a:extLst>
-          </p:cNvPr>
-          <p:cNvPicPr>
-            <a:picLocks noChangeAspect="1"/>
-          </p:cNvPicPr>
-          <p:nvPr/>
-        </p:nvPicPr>
-        <p:blipFill>
-          <a:blip r:embed="rId2">
-            <a:clrChange>
-              <a:clrFrom>
-                <a:srgbClr val="FFFFFF"/>
-              </a:clrFrom>
-              <a:clrTo>
-                <a:srgbClr val="FFFFFF">
-                  <a:alpha val="0"/>
-                </a:srgbClr>
-              </a:clrTo>
-            </a:clrChange>
-            <a:duotone>
-              <a:schemeClr val="bg2">
-                <a:shade val="45000"/>
-                <a:satMod val="135000"/>
-              </a:schemeClr>
-              <a:prstClr val="white"/>
-            </a:duotone>
-            <a:extLst>
-              <a:ext uri="{28A0092B-C50C-407E-A947-70E740481C1C}">
-                <a14:useLocalDpi xmlns:a14="http://schemas.microsoft.com/office/drawing/2010/main" val="0"/>
-              </a:ext>
-            </a:extLst>
-          </a:blip>
-          <a:stretch>
-            <a:fillRect/>
-          </a:stretch>
-        </p:blipFill>
-        <p:spPr>
-          <a:xfrm>
-            <a:off x="239131" y="4644537"/>
-            <a:ext cx="513047" cy="513047"/>
-          </a:xfrm>
-          <a:prstGeom prst="rect">
-            <a:avLst/>
-          </a:prstGeom>
-        </p:spPr>
-      </p:pic>
-      <p:pic>
-        <p:nvPicPr>
-          <p:cNvPr id="28" name="Image 27">
-            <a:extLst>
-              <a:ext uri="{FF2B5EF4-FFF2-40B4-BE49-F238E27FC236}">
-                <a16:creationId xmlns:a16="http://schemas.microsoft.com/office/drawing/2014/main" id="{77B14E15-AB6E-4DB7-8F25-998E6BAAAE36}"/>
-              </a:ext>
-            </a:extLst>
-          </p:cNvPr>
-          <p:cNvPicPr>
-            <a:picLocks noChangeAspect="1"/>
-          </p:cNvPicPr>
-          <p:nvPr/>
-        </p:nvPicPr>
-        <p:blipFill>
-          <a:blip r:embed="rId2">
-            <a:clrChange>
-              <a:clrFrom>
-                <a:srgbClr val="FFFFFF"/>
-              </a:clrFrom>
-              <a:clrTo>
-                <a:srgbClr val="FFFFFF">
-                  <a:alpha val="0"/>
-                </a:srgbClr>
-              </a:clrTo>
-            </a:clrChange>
-            <a:duotone>
-              <a:schemeClr val="bg2">
-                <a:shade val="45000"/>
-                <a:satMod val="135000"/>
-              </a:schemeClr>
-              <a:prstClr val="white"/>
-            </a:duotone>
-            <a:extLst>
-              <a:ext uri="{28A0092B-C50C-407E-A947-70E740481C1C}">
-                <a14:useLocalDpi xmlns:a14="http://schemas.microsoft.com/office/drawing/2010/main" val="0"/>
-              </a:ext>
-            </a:extLst>
-          </a:blip>
-          <a:stretch>
-            <a:fillRect/>
-          </a:stretch>
-        </p:blipFill>
-        <p:spPr>
-          <a:xfrm>
-            <a:off x="239131" y="4889773"/>
-            <a:ext cx="513047" cy="513047"/>
-          </a:xfrm>
-          <a:prstGeom prst="rect">
-            <a:avLst/>
-          </a:prstGeom>
-        </p:spPr>
-      </p:pic>
-      <p:pic>
-        <p:nvPicPr>
-          <p:cNvPr id="29" name="Image 28">
-            <a:extLst>
-              <a:ext uri="{FF2B5EF4-FFF2-40B4-BE49-F238E27FC236}">
-                <a16:creationId xmlns:a16="http://schemas.microsoft.com/office/drawing/2014/main" id="{BD529388-4EFA-438D-A62C-661D186A80A5}"/>
-              </a:ext>
-            </a:extLst>
-          </p:cNvPr>
-          <p:cNvPicPr>
-            <a:picLocks noChangeAspect="1"/>
-          </p:cNvPicPr>
-          <p:nvPr/>
-        </p:nvPicPr>
-        <p:blipFill>
-          <a:blip r:embed="rId2">
-            <a:clrChange>
-              <a:clrFrom>
-                <a:srgbClr val="FFFFFF"/>
-              </a:clrFrom>
-              <a:clrTo>
-                <a:srgbClr val="FFFFFF">
-                  <a:alpha val="0"/>
-                </a:srgbClr>
-              </a:clrTo>
-            </a:clrChange>
-            <a:duotone>
-              <a:schemeClr val="bg2">
-                <a:shade val="45000"/>
-                <a:satMod val="135000"/>
-              </a:schemeClr>
-              <a:prstClr val="white"/>
-            </a:duotone>
-            <a:extLst>
-              <a:ext uri="{28A0092B-C50C-407E-A947-70E740481C1C}">
-                <a14:useLocalDpi xmlns:a14="http://schemas.microsoft.com/office/drawing/2010/main" val="0"/>
-              </a:ext>
-            </a:extLst>
-          </a:blip>
-          <a:stretch>
-            <a:fillRect/>
-          </a:stretch>
-        </p:blipFill>
-        <p:spPr>
-          <a:xfrm>
-            <a:off x="239131" y="5132512"/>
-            <a:ext cx="513047" cy="513047"/>
-          </a:xfrm>
-          <a:prstGeom prst="rect">
-            <a:avLst/>
-          </a:prstGeom>
-        </p:spPr>
-      </p:pic>
-      <p:pic>
-        <p:nvPicPr>
-          <p:cNvPr id="30" name="Image 29">
-            <a:extLst>
-              <a:ext uri="{FF2B5EF4-FFF2-40B4-BE49-F238E27FC236}">
-                <a16:creationId xmlns:a16="http://schemas.microsoft.com/office/drawing/2014/main" id="{664C552F-D1DD-443B-9432-C1F6F89295A0}"/>
-              </a:ext>
-            </a:extLst>
-          </p:cNvPr>
-          <p:cNvPicPr>
-            <a:picLocks noChangeAspect="1"/>
-          </p:cNvPicPr>
-          <p:nvPr/>
-        </p:nvPicPr>
-        <p:blipFill>
-          <a:blip r:embed="rId2">
-            <a:clrChange>
-              <a:clrFrom>
-                <a:srgbClr val="FFFFFF"/>
-              </a:clrFrom>
-              <a:clrTo>
-                <a:srgbClr val="FFFFFF">
-                  <a:alpha val="0"/>
-                </a:srgbClr>
-              </a:clrTo>
-            </a:clrChange>
-            <a:duotone>
-              <a:schemeClr val="bg2">
-                <a:shade val="45000"/>
-                <a:satMod val="135000"/>
-              </a:schemeClr>
-              <a:prstClr val="white"/>
-            </a:duotone>
-            <a:extLst>
-              <a:ext uri="{28A0092B-C50C-407E-A947-70E740481C1C}">
-                <a14:useLocalDpi xmlns:a14="http://schemas.microsoft.com/office/drawing/2010/main" val="0"/>
-              </a:ext>
-            </a:extLst>
-          </a:blip>
-          <a:stretch>
-            <a:fillRect/>
-          </a:stretch>
-        </p:blipFill>
-        <p:spPr>
-          <a:xfrm>
-            <a:off x="239131" y="5379418"/>
-            <a:ext cx="513047" cy="513047"/>
-          </a:xfrm>
-          <a:prstGeom prst="rect">
-            <a:avLst/>
-          </a:prstGeom>
-        </p:spPr>
-      </p:pic>
-      <p:sp>
-        <p:nvSpPr>
-          <p:cNvPr id="102" name="ZoneTexte 101">
-            <a:extLst>
-              <a:ext uri="{FF2B5EF4-FFF2-40B4-BE49-F238E27FC236}">
-                <a16:creationId xmlns:a16="http://schemas.microsoft.com/office/drawing/2014/main" id="{B95908C0-5884-4C8E-B9F9-7D31F9215FA3}"/>
-              </a:ext>
-            </a:extLst>
-          </p:cNvPr>
-          <p:cNvSpPr txBox="1"/>
-          <p:nvPr/>
-        </p:nvSpPr>
-        <p:spPr>
-          <a:xfrm>
-            <a:off x="2121270" y="1788552"/>
-            <a:ext cx="1064024" cy="307777"/>
-          </a:xfrm>
-          <a:prstGeom prst="rect">
-            <a:avLst/>
-          </a:prstGeom>
-          <a:noFill/>
-        </p:spPr>
-        <p:txBody>
-          <a:bodyPr wrap="square">
-            <a:spAutoFit/>
-          </a:bodyPr>
-          <a:lstStyle/>
-          <a:p>
-            <a:pPr algn="ctr"/>
-            <a:r>
-              <a:rPr lang="fr-FR" sz="1400" dirty="0" err="1">
-                <a:latin typeface="Arial" panose="020B0604020202020204" pitchFamily="34" charset="0"/>
-                <a:cs typeface="Arial" panose="020B0604020202020204" pitchFamily="34" charset="0"/>
-              </a:rPr>
-              <a:t>df</a:t>
-            </a:r>
-            <a:r>
-              <a:rPr lang="fr-FR" sz="1400" dirty="0">
-                <a:latin typeface="Arial" panose="020B0604020202020204" pitchFamily="34" charset="0"/>
-                <a:cs typeface="Arial" panose="020B0604020202020204" pitchFamily="34" charset="0"/>
-              </a:rPr>
-              <a:t> principal</a:t>
-            </a:r>
-          </a:p>
-        </p:txBody>
-      </p:sp>
-      <p:sp>
-        <p:nvSpPr>
-          <p:cNvPr id="103" name="ZoneTexte 102">
-            <a:extLst>
-              <a:ext uri="{FF2B5EF4-FFF2-40B4-BE49-F238E27FC236}">
-                <a16:creationId xmlns:a16="http://schemas.microsoft.com/office/drawing/2014/main" id="{9FDC9B54-BD46-4795-A2D0-F3C8E8ADABAD}"/>
-              </a:ext>
-            </a:extLst>
-          </p:cNvPr>
-          <p:cNvSpPr txBox="1"/>
-          <p:nvPr/>
-        </p:nvSpPr>
-        <p:spPr>
-          <a:xfrm>
-            <a:off x="248228" y="3148617"/>
-            <a:ext cx="1064024" cy="307777"/>
-          </a:xfrm>
-          <a:prstGeom prst="rect">
-            <a:avLst/>
-          </a:prstGeom>
-          <a:noFill/>
-        </p:spPr>
-        <p:txBody>
-          <a:bodyPr wrap="square">
-            <a:spAutoFit/>
-          </a:bodyPr>
-          <a:lstStyle/>
-          <a:p>
-            <a:pPr algn="ctr"/>
-            <a:r>
-              <a:rPr lang="fr-FR" sz="1400" dirty="0" err="1">
-                <a:latin typeface="Arial" panose="020B0604020202020204" pitchFamily="34" charset="0"/>
-                <a:cs typeface="Arial" panose="020B0604020202020204" pitchFamily="34" charset="0"/>
-              </a:rPr>
-              <a:t>df</a:t>
-            </a:r>
-            <a:r>
-              <a:rPr lang="fr-FR" sz="1400" dirty="0">
-                <a:latin typeface="Arial" panose="020B0604020202020204" pitchFamily="34" charset="0"/>
-                <a:cs typeface="Arial" panose="020B0604020202020204" pitchFamily="34" charset="0"/>
-              </a:rPr>
-              <a:t> annexe</a:t>
-            </a:r>
-          </a:p>
-        </p:txBody>
-      </p:sp>
-      <p:cxnSp>
-        <p:nvCxnSpPr>
-          <p:cNvPr id="71" name="Connecteur droit 70">
-            <a:extLst>
-              <a:ext uri="{FF2B5EF4-FFF2-40B4-BE49-F238E27FC236}">
-                <a16:creationId xmlns:a16="http://schemas.microsoft.com/office/drawing/2014/main" id="{808819CC-3D24-4DBA-87D3-977B1B9F660D}"/>
-              </a:ext>
-            </a:extLst>
-          </p:cNvPr>
-          <p:cNvCxnSpPr>
-            <a:cxnSpLocks/>
-          </p:cNvCxnSpPr>
-          <p:nvPr/>
-        </p:nvCxnSpPr>
-        <p:spPr>
-          <a:xfrm flipH="1">
-            <a:off x="173228" y="3197216"/>
-            <a:ext cx="1738349" cy="3624566"/>
+            <a:off x="3829397" y="3429000"/>
+            <a:ext cx="1485207" cy="0"/>
           </a:xfrm>
           <a:prstGeom prst="line">
             <a:avLst/>
@@ -26472,509 +20898,6 @@
           </a:fontRef>
         </p:style>
       </p:cxnSp>
-      <p:cxnSp>
-        <p:nvCxnSpPr>
-          <p:cNvPr id="72" name="Connecteur droit 71">
-            <a:extLst>
-              <a:ext uri="{FF2B5EF4-FFF2-40B4-BE49-F238E27FC236}">
-                <a16:creationId xmlns:a16="http://schemas.microsoft.com/office/drawing/2014/main" id="{76B5782E-D701-4547-A279-669DF6622D91}"/>
-              </a:ext>
-            </a:extLst>
-          </p:cNvPr>
-          <p:cNvCxnSpPr>
-            <a:cxnSpLocks/>
-          </p:cNvCxnSpPr>
-          <p:nvPr/>
-        </p:nvCxnSpPr>
-        <p:spPr>
-          <a:xfrm>
-            <a:off x="123222" y="3248025"/>
-            <a:ext cx="1707475" cy="3573757"/>
-          </a:xfrm>
-          <a:prstGeom prst="line">
-            <a:avLst/>
-          </a:prstGeom>
-        </p:spPr>
-        <p:style>
-          <a:lnRef idx="1">
-            <a:schemeClr val="dk1"/>
-          </a:lnRef>
-          <a:fillRef idx="0">
-            <a:schemeClr val="dk1"/>
-          </a:fillRef>
-          <a:effectRef idx="0">
-            <a:schemeClr val="dk1"/>
-          </a:effectRef>
-          <a:fontRef idx="minor">
-            <a:schemeClr val="tx1"/>
-          </a:fontRef>
-        </p:style>
-      </p:cxnSp>
-      <p:cxnSp>
-        <p:nvCxnSpPr>
-          <p:cNvPr id="74" name="Connecteur droit avec flèche 73">
-            <a:extLst>
-              <a:ext uri="{FF2B5EF4-FFF2-40B4-BE49-F238E27FC236}">
-                <a16:creationId xmlns:a16="http://schemas.microsoft.com/office/drawing/2014/main" id="{104810F0-9FDD-41D3-A636-21DD35CC19CA}"/>
-              </a:ext>
-            </a:extLst>
-          </p:cNvPr>
-          <p:cNvCxnSpPr>
-            <a:cxnSpLocks/>
-          </p:cNvCxnSpPr>
-          <p:nvPr/>
-        </p:nvCxnSpPr>
-        <p:spPr>
-          <a:xfrm flipV="1">
-            <a:off x="3275216" y="2458441"/>
-            <a:ext cx="2049429" cy="1"/>
-          </a:xfrm>
-          <a:prstGeom prst="straightConnector1">
-            <a:avLst/>
-          </a:prstGeom>
-          <a:ln w="9525" cap="flat" cmpd="sng" algn="ctr">
-            <a:solidFill>
-              <a:schemeClr val="dk1"/>
-            </a:solidFill>
-            <a:prstDash val="solid"/>
-            <a:round/>
-            <a:headEnd type="none" w="med" len="med"/>
-            <a:tailEnd type="arrow" w="med" len="med"/>
-          </a:ln>
-        </p:spPr>
-        <p:style>
-          <a:lnRef idx="0">
-            <a:scrgbClr r="0" g="0" b="0"/>
-          </a:lnRef>
-          <a:fillRef idx="0">
-            <a:scrgbClr r="0" g="0" b="0"/>
-          </a:fillRef>
-          <a:effectRef idx="0">
-            <a:scrgbClr r="0" g="0" b="0"/>
-          </a:effectRef>
-          <a:fontRef idx="minor">
-            <a:schemeClr val="tx1"/>
-          </a:fontRef>
-        </p:style>
-      </p:cxnSp>
-      <p:pic>
-        <p:nvPicPr>
-          <p:cNvPr id="76" name="Image 75">
-            <a:extLst>
-              <a:ext uri="{FF2B5EF4-FFF2-40B4-BE49-F238E27FC236}">
-                <a16:creationId xmlns:a16="http://schemas.microsoft.com/office/drawing/2014/main" id="{90A86BC3-2659-4D8A-9E0C-E3B09C3536B4}"/>
-              </a:ext>
-            </a:extLst>
-          </p:cNvPr>
-          <p:cNvPicPr>
-            <a:picLocks noChangeAspect="1"/>
-          </p:cNvPicPr>
-          <p:nvPr/>
-        </p:nvPicPr>
-        <p:blipFill>
-          <a:blip r:embed="rId3"/>
-          <a:stretch>
-            <a:fillRect/>
-          </a:stretch>
-        </p:blipFill>
-        <p:spPr>
-          <a:xfrm>
-            <a:off x="5408294" y="1827911"/>
-            <a:ext cx="2209299" cy="1261060"/>
-          </a:xfrm>
-          <a:prstGeom prst="rect">
-            <a:avLst/>
-          </a:prstGeom>
-        </p:spPr>
-      </p:pic>
-      <p:sp>
-        <p:nvSpPr>
-          <p:cNvPr id="77" name="ZoneTexte 76">
-            <a:extLst>
-              <a:ext uri="{FF2B5EF4-FFF2-40B4-BE49-F238E27FC236}">
-                <a16:creationId xmlns:a16="http://schemas.microsoft.com/office/drawing/2014/main" id="{FB166D03-A68A-479E-B7F6-38D7AE285C57}"/>
-              </a:ext>
-            </a:extLst>
-          </p:cNvPr>
-          <p:cNvSpPr txBox="1"/>
-          <p:nvPr/>
-        </p:nvSpPr>
-        <p:spPr>
-          <a:xfrm>
-            <a:off x="3667149" y="4363099"/>
-            <a:ext cx="5148498" cy="1600438"/>
-          </a:xfrm>
-          <a:prstGeom prst="rect">
-            <a:avLst/>
-          </a:prstGeom>
-          <a:noFill/>
-        </p:spPr>
-        <p:txBody>
-          <a:bodyPr wrap="square">
-            <a:spAutoFit/>
-          </a:bodyPr>
-          <a:lstStyle/>
-          <a:p>
-            <a:r>
-              <a:rPr lang="fr-FR" sz="1400" dirty="0">
-                <a:latin typeface="Arial" panose="020B0604020202020204" pitchFamily="34" charset="0"/>
-                <a:cs typeface="Arial" panose="020B0604020202020204" pitchFamily="34" charset="0"/>
-              </a:rPr>
-              <a:t>Mais problème au niveau du </a:t>
-            </a:r>
-            <a:r>
-              <a:rPr lang="fr-FR" sz="1400" dirty="0" err="1">
-                <a:latin typeface="Arial" panose="020B0604020202020204" pitchFamily="34" charset="0"/>
-                <a:cs typeface="Arial" panose="020B0604020202020204" pitchFamily="34" charset="0"/>
-              </a:rPr>
-              <a:t>LabelEncoding</a:t>
-            </a:r>
-            <a:r>
-              <a:rPr lang="fr-FR" sz="1400" dirty="0">
-                <a:latin typeface="Arial" panose="020B0604020202020204" pitchFamily="34" charset="0"/>
-                <a:cs typeface="Arial" panose="020B0604020202020204" pitchFamily="34" charset="0"/>
-              </a:rPr>
-              <a:t> avec quelques </a:t>
-            </a:r>
-            <a:r>
-              <a:rPr lang="fr-FR" sz="1400" dirty="0" err="1">
-                <a:latin typeface="Arial" panose="020B0604020202020204" pitchFamily="34" charset="0"/>
-                <a:cs typeface="Arial" panose="020B0604020202020204" pitchFamily="34" charset="0"/>
-              </a:rPr>
-              <a:t>features</a:t>
-            </a:r>
-            <a:r>
-              <a:rPr lang="fr-FR" sz="1400" dirty="0">
-                <a:latin typeface="Arial" panose="020B0604020202020204" pitchFamily="34" charset="0"/>
-                <a:cs typeface="Arial" panose="020B0604020202020204" pitchFamily="34" charset="0"/>
-              </a:rPr>
-              <a:t>.</a:t>
-            </a:r>
-          </a:p>
-          <a:p>
-            <a:r>
-              <a:rPr lang="fr-FR" sz="1400" dirty="0">
-                <a:latin typeface="Arial" panose="020B0604020202020204" pitchFamily="34" charset="0"/>
-                <a:cs typeface="Arial" panose="020B0604020202020204" pitchFamily="34" charset="0"/>
-              </a:rPr>
-              <a:t>Origine du problème inconnue :</a:t>
-            </a:r>
-          </a:p>
-          <a:p>
-            <a:pPr marL="285750" indent="-285750">
-              <a:buFontTx/>
-              <a:buChar char="-"/>
-            </a:pPr>
-            <a:r>
-              <a:rPr lang="fr-FR" sz="1400" dirty="0">
-                <a:latin typeface="Arial" panose="020B0604020202020204" pitchFamily="34" charset="0"/>
-                <a:cs typeface="Arial" panose="020B0604020202020204" pitchFamily="34" charset="0"/>
-              </a:rPr>
-              <a:t>Pas lié aux NaN;</a:t>
-            </a:r>
-          </a:p>
-          <a:p>
-            <a:pPr marL="285750" indent="-285750">
-              <a:buFontTx/>
-              <a:buChar char="-"/>
-            </a:pPr>
-            <a:r>
-              <a:rPr lang="fr-FR" sz="1400" dirty="0">
-                <a:latin typeface="Arial" panose="020B0604020202020204" pitchFamily="34" charset="0"/>
-                <a:cs typeface="Arial" panose="020B0604020202020204" pitchFamily="34" charset="0"/>
-              </a:rPr>
-              <a:t>Pas lié aux noms des </a:t>
-            </a:r>
-            <a:r>
-              <a:rPr lang="fr-FR" sz="1400" dirty="0" err="1">
-                <a:latin typeface="Arial" panose="020B0604020202020204" pitchFamily="34" charset="0"/>
-                <a:cs typeface="Arial" panose="020B0604020202020204" pitchFamily="34" charset="0"/>
-              </a:rPr>
-              <a:t>features</a:t>
-            </a:r>
-            <a:r>
-              <a:rPr lang="fr-FR" sz="1400" dirty="0">
-                <a:latin typeface="Arial" panose="020B0604020202020204" pitchFamily="34" charset="0"/>
-                <a:cs typeface="Arial" panose="020B0604020202020204" pitchFamily="34" charset="0"/>
-              </a:rPr>
-              <a:t>;</a:t>
-            </a:r>
-          </a:p>
-          <a:p>
-            <a:pPr marL="285750" indent="-285750">
-              <a:buFontTx/>
-              <a:buChar char="-"/>
-            </a:pPr>
-            <a:r>
-              <a:rPr lang="fr-FR" sz="1400" dirty="0">
-                <a:latin typeface="Arial" panose="020B0604020202020204" pitchFamily="34" charset="0"/>
-                <a:cs typeface="Arial" panose="020B0604020202020204" pitchFamily="34" charset="0"/>
-              </a:rPr>
-              <a:t>Pas lié aux noms des catégories;</a:t>
-            </a:r>
-          </a:p>
-          <a:p>
-            <a:pPr marL="285750" indent="-285750">
-              <a:buFontTx/>
-              <a:buChar char="-"/>
-            </a:pPr>
-            <a:r>
-              <a:rPr lang="fr-FR" sz="1400" dirty="0">
-                <a:latin typeface="Arial" panose="020B0604020202020204" pitchFamily="34" charset="0"/>
-                <a:cs typeface="Arial" panose="020B0604020202020204" pitchFamily="34" charset="0"/>
-              </a:rPr>
-              <a:t>Pas lié au nombre de catégories.</a:t>
-            </a:r>
-          </a:p>
-        </p:txBody>
-      </p:sp>
-      <p:sp>
-        <p:nvSpPr>
-          <p:cNvPr id="34" name="Signe de multiplication 33">
-            <a:extLst>
-              <a:ext uri="{FF2B5EF4-FFF2-40B4-BE49-F238E27FC236}">
-                <a16:creationId xmlns:a16="http://schemas.microsoft.com/office/drawing/2014/main" id="{BC072CD2-FCE1-458A-9651-4EAF3DF13E61}"/>
-              </a:ext>
-            </a:extLst>
-          </p:cNvPr>
-          <p:cNvSpPr/>
-          <p:nvPr/>
-        </p:nvSpPr>
-        <p:spPr>
-          <a:xfrm>
-            <a:off x="4034444" y="2189663"/>
-            <a:ext cx="537556" cy="537556"/>
-          </a:xfrm>
-          <a:prstGeom prst="mathMultiply">
-            <a:avLst/>
-          </a:prstGeom>
-          <a:solidFill>
-            <a:srgbClr val="FF0000"/>
-          </a:solidFill>
-          <a:ln>
-            <a:solidFill>
-              <a:schemeClr val="tx1"/>
-            </a:solidFill>
-          </a:ln>
-        </p:spPr>
-        <p:style>
-          <a:lnRef idx="2">
-            <a:schemeClr val="accent1">
-              <a:shade val="50000"/>
-            </a:schemeClr>
-          </a:lnRef>
-          <a:fillRef idx="1">
-            <a:schemeClr val="accent1"/>
-          </a:fillRef>
-          <a:effectRef idx="0">
-            <a:schemeClr val="accent1"/>
-          </a:effectRef>
-          <a:fontRef idx="minor">
-            <a:schemeClr val="lt1"/>
-          </a:fontRef>
-        </p:style>
-        <p:txBody>
-          <a:bodyPr rtlCol="0" anchor="ctr"/>
-          <a:lstStyle/>
-          <a:p>
-            <a:pPr algn="ctr"/>
-            <a:endParaRPr lang="fr-FR"/>
-          </a:p>
-        </p:txBody>
-      </p:sp>
-      <p:cxnSp>
-        <p:nvCxnSpPr>
-          <p:cNvPr id="86" name="Connecteur droit avec flèche 85">
-            <a:extLst>
-              <a:ext uri="{FF2B5EF4-FFF2-40B4-BE49-F238E27FC236}">
-                <a16:creationId xmlns:a16="http://schemas.microsoft.com/office/drawing/2014/main" id="{E63F114E-17A7-4C7D-82A7-47D44166FFA2}"/>
-              </a:ext>
-            </a:extLst>
-          </p:cNvPr>
-          <p:cNvCxnSpPr>
-            <a:cxnSpLocks/>
-          </p:cNvCxnSpPr>
-          <p:nvPr/>
-        </p:nvCxnSpPr>
-        <p:spPr>
-          <a:xfrm flipH="1">
-            <a:off x="4299930" y="2764827"/>
-            <a:ext cx="1" cy="1571016"/>
-          </a:xfrm>
-          <a:prstGeom prst="straightConnector1">
-            <a:avLst/>
-          </a:prstGeom>
-          <a:ln w="9525" cap="flat" cmpd="sng" algn="ctr">
-            <a:solidFill>
-              <a:srgbClr val="FF0000"/>
-            </a:solidFill>
-            <a:prstDash val="solid"/>
-            <a:round/>
-            <a:headEnd type="none" w="med" len="med"/>
-            <a:tailEnd type="arrow" w="med" len="med"/>
-          </a:ln>
-        </p:spPr>
-        <p:style>
-          <a:lnRef idx="0">
-            <a:scrgbClr r="0" g="0" b="0"/>
-          </a:lnRef>
-          <a:fillRef idx="0">
-            <a:scrgbClr r="0" g="0" b="0"/>
-          </a:fillRef>
-          <a:effectRef idx="0">
-            <a:scrgbClr r="0" g="0" b="0"/>
-          </a:effectRef>
-          <a:fontRef idx="minor">
-            <a:schemeClr val="tx1"/>
-          </a:fontRef>
-        </p:style>
-      </p:cxnSp>
-    </p:spTree>
-    <p:extLst>
-      <p:ext uri="{BB962C8B-B14F-4D97-AF65-F5344CB8AC3E}">
-        <p14:creationId xmlns:p14="http://schemas.microsoft.com/office/powerpoint/2010/main" val="352829861"/>
-      </p:ext>
-    </p:extLst>
-  </p:cSld>
-  <p:clrMapOvr>
-    <a:masterClrMapping/>
-  </p:clrMapOvr>
-</p:sld>
-</file>
-
-<file path=ppt/slides/slide25.xml><?xml version="1.0" encoding="utf-8"?>
-<p:sld xmlns:a="http://schemas.openxmlformats.org/drawingml/2006/main" xmlns:r="http://schemas.openxmlformats.org/officeDocument/2006/relationships" xmlns:p="http://schemas.openxmlformats.org/presentationml/2006/main">
-  <p:cSld>
-    <p:spTree>
-      <p:nvGrpSpPr>
-        <p:cNvPr id="1" name=""/>
-        <p:cNvGrpSpPr/>
-        <p:nvPr/>
-      </p:nvGrpSpPr>
-      <p:grpSpPr>
-        <a:xfrm>
-          <a:off x="0" y="0"/>
-          <a:ext cx="0" cy="0"/>
-          <a:chOff x="0" y="0"/>
-          <a:chExt cx="0" cy="0"/>
-        </a:xfrm>
-      </p:grpSpPr>
-      <p:sp>
-        <p:nvSpPr>
-          <p:cNvPr id="4" name="ZoneTexte 3">
-            <a:extLst>
-              <a:ext uri="{FF2B5EF4-FFF2-40B4-BE49-F238E27FC236}">
-                <a16:creationId xmlns:a16="http://schemas.microsoft.com/office/drawing/2014/main" id="{C71D3D04-7957-46BD-B94D-5ED65AB29887}"/>
-              </a:ext>
-            </a:extLst>
-          </p:cNvPr>
-          <p:cNvSpPr txBox="1"/>
-          <p:nvPr/>
-        </p:nvSpPr>
-        <p:spPr>
-          <a:xfrm>
-            <a:off x="3287033" y="2274917"/>
-            <a:ext cx="2569935" cy="369332"/>
-          </a:xfrm>
-          <a:prstGeom prst="rect">
-            <a:avLst/>
-          </a:prstGeom>
-          <a:noFill/>
-        </p:spPr>
-        <p:txBody>
-          <a:bodyPr wrap="none" rtlCol="0">
-            <a:spAutoFit/>
-          </a:bodyPr>
-          <a:lstStyle/>
-          <a:p>
-            <a:pPr algn="ctr"/>
-            <a:r>
-              <a:rPr lang="fr-FR" b="1" dirty="0">
-                <a:latin typeface="Arial" panose="020B0604020202020204" pitchFamily="34" charset="0"/>
-                <a:cs typeface="Arial" panose="020B0604020202020204" pitchFamily="34" charset="0"/>
-              </a:rPr>
-              <a:t>Fin de la présentation</a:t>
-            </a:r>
-          </a:p>
-        </p:txBody>
-      </p:sp>
-      <p:sp>
-        <p:nvSpPr>
-          <p:cNvPr id="3" name="ZoneTexte 2">
-            <a:extLst>
-              <a:ext uri="{FF2B5EF4-FFF2-40B4-BE49-F238E27FC236}">
-                <a16:creationId xmlns:a16="http://schemas.microsoft.com/office/drawing/2014/main" id="{FAC83B70-62AF-4021-968E-23D9E6C95B5F}"/>
-              </a:ext>
-            </a:extLst>
-          </p:cNvPr>
-          <p:cNvSpPr txBox="1"/>
-          <p:nvPr/>
-        </p:nvSpPr>
-        <p:spPr>
-          <a:xfrm>
-            <a:off x="3056201" y="4219694"/>
-            <a:ext cx="3031600" cy="369332"/>
-          </a:xfrm>
-          <a:prstGeom prst="rect">
-            <a:avLst/>
-          </a:prstGeom>
-          <a:noFill/>
-        </p:spPr>
-        <p:txBody>
-          <a:bodyPr wrap="none" rtlCol="0">
-            <a:spAutoFit/>
-          </a:bodyPr>
-          <a:lstStyle/>
-          <a:p>
-            <a:pPr algn="ctr"/>
-            <a:r>
-              <a:rPr lang="fr-FR" b="1" dirty="0">
-                <a:latin typeface="Arial" panose="020B0604020202020204" pitchFamily="34" charset="0"/>
-                <a:cs typeface="Arial" panose="020B0604020202020204" pitchFamily="34" charset="0"/>
-              </a:rPr>
-              <a:t>Merci pour votre attention</a:t>
-            </a:r>
-          </a:p>
-        </p:txBody>
-      </p:sp>
-      <p:cxnSp>
-        <p:nvCxnSpPr>
-          <p:cNvPr id="5" name="Connecteur droit 4">
-            <a:extLst>
-              <a:ext uri="{FF2B5EF4-FFF2-40B4-BE49-F238E27FC236}">
-                <a16:creationId xmlns:a16="http://schemas.microsoft.com/office/drawing/2014/main" id="{31231EFC-A001-423A-BA9E-FEB7D4BCBF5E}"/>
-              </a:ext>
-            </a:extLst>
-          </p:cNvPr>
-          <p:cNvCxnSpPr>
-            <a:cxnSpLocks/>
-          </p:cNvCxnSpPr>
-          <p:nvPr/>
-        </p:nvCxnSpPr>
-        <p:spPr>
-          <a:xfrm>
-            <a:off x="3829397" y="3429000"/>
-            <a:ext cx="1485207" cy="0"/>
-          </a:xfrm>
-          <a:prstGeom prst="line">
-            <a:avLst/>
-          </a:prstGeom>
-        </p:spPr>
-        <p:style>
-          <a:lnRef idx="1">
-            <a:schemeClr val="dk1"/>
-          </a:lnRef>
-          <a:fillRef idx="0">
-            <a:schemeClr val="dk1"/>
-          </a:fillRef>
-          <a:effectRef idx="0">
-            <a:schemeClr val="dk1"/>
-          </a:effectRef>
-          <a:fontRef idx="minor">
-            <a:schemeClr val="tx1"/>
-          </a:fontRef>
-        </p:style>
-      </p:cxnSp>
       <p:sp>
         <p:nvSpPr>
           <p:cNvPr id="6" name="Espace réservé du numéro de diapositive 5">
@@ -26998,7 +20921,7 @@
           <a:p>
             <a:fld id="{50902F5D-93A0-47DA-BFBC-C6664F86D8C4}" type="slidenum">
               <a:rPr lang="fr-FR" smtClean="0"/>
-              <a:t>25</a:t>
+              <a:t>22</a:t>
             </a:fld>
             <a:endParaRPr lang="fr-FR"/>
           </a:p>
